--- a/VueProj_Git.pptx
+++ b/VueProj_Git.pptx
@@ -18,7 +18,24 @@
     <p:sldId id="267" r:id="rId12"/>
     <p:sldId id="268" r:id="rId13"/>
     <p:sldId id="269" r:id="rId14"/>
-    <p:sldId id="257" r:id="rId15"/>
+    <p:sldId id="270" r:id="rId15"/>
+    <p:sldId id="271" r:id="rId16"/>
+    <p:sldId id="272" r:id="rId17"/>
+    <p:sldId id="273" r:id="rId18"/>
+    <p:sldId id="274" r:id="rId19"/>
+    <p:sldId id="275" r:id="rId20"/>
+    <p:sldId id="276" r:id="rId21"/>
+    <p:sldId id="277" r:id="rId22"/>
+    <p:sldId id="278" r:id="rId23"/>
+    <p:sldId id="279" r:id="rId24"/>
+    <p:sldId id="280" r:id="rId25"/>
+    <p:sldId id="281" r:id="rId26"/>
+    <p:sldId id="282" r:id="rId27"/>
+    <p:sldId id="283" r:id="rId28"/>
+    <p:sldId id="284" r:id="rId29"/>
+    <p:sldId id="285" r:id="rId30"/>
+    <p:sldId id="286" r:id="rId31"/>
+    <p:sldId id="257" r:id="rId32"/>
   </p:sldIdLst>
   <p:sldSz cx="9144000" cy="6858000" type="screen4x3"/>
   <p:notesSz cx="6858000" cy="9144000"/>
@@ -3168,6 +3185,13 @@
   <p:clrMapOvr>
     <a:masterClrMapping/>
   </p:clrMapOvr>
+  <p:timing>
+    <p:tnLst>
+      <p:par>
+        <p:cTn id="1" dur="indefinite" restart="never" nodeType="tmRoot"/>
+      </p:par>
+    </p:tnLst>
+  </p:timing>
 </p:sld>
 </file>
 
@@ -3347,6 +3371,13 @@
   <p:clrMapOvr>
     <a:masterClrMapping/>
   </p:clrMapOvr>
+  <p:timing>
+    <p:tnLst>
+      <p:par>
+        <p:cTn id="1" dur="indefinite" restart="never" nodeType="tmRoot"/>
+      </p:par>
+    </p:tnLst>
+  </p:timing>
 </p:sld>
 </file>
 
@@ -3534,6 +3565,13 @@
   <p:clrMapOvr>
     <a:masterClrMapping/>
   </p:clrMapOvr>
+  <p:timing>
+    <p:tnLst>
+      <p:par>
+        <p:cTn id="1" dur="indefinite" restart="never" nodeType="tmRoot"/>
+      </p:par>
+    </p:tnLst>
+  </p:timing>
 </p:sld>
 </file>
 
@@ -3972,6 +4010,13 @@
   <p:clrMapOvr>
     <a:masterClrMapping/>
   </p:clrMapOvr>
+  <p:timing>
+    <p:tnLst>
+      <p:par>
+        <p:cTn id="1" dur="indefinite" restart="never" nodeType="tmRoot"/>
+      </p:par>
+    </p:tnLst>
+  </p:timing>
 </p:sld>
 </file>
 
@@ -4140,258 +4185,6 @@
           </a:extLst>
         </p:spPr>
       </p:pic>
-      <p:sp>
-        <p:nvSpPr>
-          <p:cNvPr id="6" name="Content Placeholder 2"/>
-          <p:cNvSpPr txBox="1">
-            <a:spLocks/>
-          </p:cNvSpPr>
-          <p:nvPr/>
-        </p:nvSpPr>
-        <p:spPr>
-          <a:xfrm>
-            <a:off x="609600" y="5445223"/>
-            <a:ext cx="8229600" cy="1023171"/>
-          </a:xfrm>
-          <a:prstGeom prst="rect">
-            <a:avLst/>
-          </a:prstGeom>
-        </p:spPr>
-        <p:txBody>
-          <a:bodyPr vert="horz" lIns="91440" tIns="45720" rIns="91440" bIns="45720" rtlCol="0">
-            <a:normAutofit lnSpcReduction="10000"/>
-          </a:bodyPr>
-          <a:lstStyle>
-            <a:lvl1pPr marL="342900" indent="-342900" algn="l" defTabSz="914400" rtl="0" eaLnBrk="1" latinLnBrk="0" hangingPunct="1">
-              <a:spcBef>
-                <a:spcPct val="20000"/>
-              </a:spcBef>
-              <a:buFont typeface="Arial" pitchFamily="34" charset="0"/>
-              <a:buChar char="•"/>
-              <a:defRPr sz="3200" kern="1200">
-                <a:solidFill>
-                  <a:schemeClr val="tx1"/>
-                </a:solidFill>
-                <a:latin typeface="+mn-lt"/>
-                <a:ea typeface="+mn-ea"/>
-                <a:cs typeface="+mn-cs"/>
-              </a:defRPr>
-            </a:lvl1pPr>
-            <a:lvl2pPr marL="742950" indent="-285750" algn="l" defTabSz="914400" rtl="0" eaLnBrk="1" latinLnBrk="0" hangingPunct="1">
-              <a:spcBef>
-                <a:spcPct val="20000"/>
-              </a:spcBef>
-              <a:buFont typeface="Arial" pitchFamily="34" charset="0"/>
-              <a:buChar char="–"/>
-              <a:defRPr sz="2800" kern="1200">
-                <a:solidFill>
-                  <a:schemeClr val="tx1"/>
-                </a:solidFill>
-                <a:latin typeface="+mn-lt"/>
-                <a:ea typeface="+mn-ea"/>
-                <a:cs typeface="+mn-cs"/>
-              </a:defRPr>
-            </a:lvl2pPr>
-            <a:lvl3pPr marL="1143000" indent="-228600" algn="l" defTabSz="914400" rtl="0" eaLnBrk="1" latinLnBrk="0" hangingPunct="1">
-              <a:spcBef>
-                <a:spcPct val="20000"/>
-              </a:spcBef>
-              <a:buFont typeface="Arial" pitchFamily="34" charset="0"/>
-              <a:buChar char="•"/>
-              <a:defRPr sz="2400" kern="1200">
-                <a:solidFill>
-                  <a:schemeClr val="tx1"/>
-                </a:solidFill>
-                <a:latin typeface="+mn-lt"/>
-                <a:ea typeface="+mn-ea"/>
-                <a:cs typeface="+mn-cs"/>
-              </a:defRPr>
-            </a:lvl3pPr>
-            <a:lvl4pPr marL="1600200" indent="-228600" algn="l" defTabSz="914400" rtl="0" eaLnBrk="1" latinLnBrk="0" hangingPunct="1">
-              <a:spcBef>
-                <a:spcPct val="20000"/>
-              </a:spcBef>
-              <a:buFont typeface="Arial" pitchFamily="34" charset="0"/>
-              <a:buChar char="–"/>
-              <a:defRPr sz="2000" kern="1200">
-                <a:solidFill>
-                  <a:schemeClr val="tx1"/>
-                </a:solidFill>
-                <a:latin typeface="+mn-lt"/>
-                <a:ea typeface="+mn-ea"/>
-                <a:cs typeface="+mn-cs"/>
-              </a:defRPr>
-            </a:lvl4pPr>
-            <a:lvl5pPr marL="2057400" indent="-228600" algn="l" defTabSz="914400" rtl="0" eaLnBrk="1" latinLnBrk="0" hangingPunct="1">
-              <a:spcBef>
-                <a:spcPct val="20000"/>
-              </a:spcBef>
-              <a:buFont typeface="Arial" pitchFamily="34" charset="0"/>
-              <a:buChar char="»"/>
-              <a:defRPr sz="2000" kern="1200">
-                <a:solidFill>
-                  <a:schemeClr val="tx1"/>
-                </a:solidFill>
-                <a:latin typeface="+mn-lt"/>
-                <a:ea typeface="+mn-ea"/>
-                <a:cs typeface="+mn-cs"/>
-              </a:defRPr>
-            </a:lvl5pPr>
-            <a:lvl6pPr marL="2514600" indent="-228600" algn="l" defTabSz="914400" rtl="0" eaLnBrk="1" latinLnBrk="0" hangingPunct="1">
-              <a:spcBef>
-                <a:spcPct val="20000"/>
-              </a:spcBef>
-              <a:buFont typeface="Arial" pitchFamily="34" charset="0"/>
-              <a:buChar char="•"/>
-              <a:defRPr sz="2000" kern="1200">
-                <a:solidFill>
-                  <a:schemeClr val="tx1"/>
-                </a:solidFill>
-                <a:latin typeface="+mn-lt"/>
-                <a:ea typeface="+mn-ea"/>
-                <a:cs typeface="+mn-cs"/>
-              </a:defRPr>
-            </a:lvl6pPr>
-            <a:lvl7pPr marL="2971800" indent="-228600" algn="l" defTabSz="914400" rtl="0" eaLnBrk="1" latinLnBrk="0" hangingPunct="1">
-              <a:spcBef>
-                <a:spcPct val="20000"/>
-              </a:spcBef>
-              <a:buFont typeface="Arial" pitchFamily="34" charset="0"/>
-              <a:buChar char="•"/>
-              <a:defRPr sz="2000" kern="1200">
-                <a:solidFill>
-                  <a:schemeClr val="tx1"/>
-                </a:solidFill>
-                <a:latin typeface="+mn-lt"/>
-                <a:ea typeface="+mn-ea"/>
-                <a:cs typeface="+mn-cs"/>
-              </a:defRPr>
-            </a:lvl7pPr>
-            <a:lvl8pPr marL="3429000" indent="-228600" algn="l" defTabSz="914400" rtl="0" eaLnBrk="1" latinLnBrk="0" hangingPunct="1">
-              <a:spcBef>
-                <a:spcPct val="20000"/>
-              </a:spcBef>
-              <a:buFont typeface="Arial" pitchFamily="34" charset="0"/>
-              <a:buChar char="•"/>
-              <a:defRPr sz="2000" kern="1200">
-                <a:solidFill>
-                  <a:schemeClr val="tx1"/>
-                </a:solidFill>
-                <a:latin typeface="+mn-lt"/>
-                <a:ea typeface="+mn-ea"/>
-                <a:cs typeface="+mn-cs"/>
-              </a:defRPr>
-            </a:lvl8pPr>
-            <a:lvl9pPr marL="3886200" indent="-228600" algn="l" defTabSz="914400" rtl="0" eaLnBrk="1" latinLnBrk="0" hangingPunct="1">
-              <a:spcBef>
-                <a:spcPct val="20000"/>
-              </a:spcBef>
-              <a:buFont typeface="Arial" pitchFamily="34" charset="0"/>
-              <a:buChar char="•"/>
-              <a:defRPr sz="2000" kern="1200">
-                <a:solidFill>
-                  <a:schemeClr val="tx1"/>
-                </a:solidFill>
-                <a:latin typeface="+mn-lt"/>
-                <a:ea typeface="+mn-ea"/>
-                <a:cs typeface="+mn-cs"/>
-              </a:defRPr>
-            </a:lvl9pPr>
-          </a:lstStyle>
-          <a:p>
-            <a:r>
-              <a:rPr lang="en-US" dirty="0" smtClean="0"/>
-              <a:t>To suppress warning [LF will be converted to CRLF]</a:t>
-            </a:r>
-          </a:p>
-          <a:p>
-            <a:endParaRPr lang="en-US" dirty="0" smtClean="0"/>
-          </a:p>
-          <a:p>
-            <a:endParaRPr lang="en-US" dirty="0" smtClean="0"/>
-          </a:p>
-          <a:p>
-            <a:endParaRPr lang="en-US" dirty="0" smtClean="0"/>
-          </a:p>
-          <a:p>
-            <a:pPr marL="0" indent="0">
-              <a:buFont typeface="Arial" pitchFamily="34" charset="0"/>
-              <a:buNone/>
-            </a:pPr>
-            <a:endParaRPr lang="en-IN" dirty="0"/>
-          </a:p>
-        </p:txBody>
-      </p:sp>
-      <p:sp>
-        <p:nvSpPr>
-          <p:cNvPr id="7" name="Title 1"/>
-          <p:cNvSpPr txBox="1">
-            <a:spLocks/>
-          </p:cNvSpPr>
-          <p:nvPr/>
-        </p:nvSpPr>
-        <p:spPr>
-          <a:xfrm>
-            <a:off x="323528" y="4528743"/>
-            <a:ext cx="8229600" cy="1143000"/>
-          </a:xfrm>
-          <a:prstGeom prst="rect">
-            <a:avLst/>
-          </a:prstGeom>
-        </p:spPr>
-        <p:txBody>
-          <a:bodyPr vert="horz" lIns="91440" tIns="45720" rIns="91440" bIns="45720" rtlCol="0" anchor="ctr">
-            <a:normAutofit/>
-          </a:bodyPr>
-          <a:lstStyle>
-            <a:lvl1pPr algn="ctr" defTabSz="914400" rtl="0" eaLnBrk="1" latinLnBrk="0" hangingPunct="1">
-              <a:spcBef>
-                <a:spcPct val="0"/>
-              </a:spcBef>
-              <a:buNone/>
-              <a:defRPr sz="4400" kern="1200">
-                <a:solidFill>
-                  <a:schemeClr val="tx1"/>
-                </a:solidFill>
-                <a:latin typeface="+mj-lt"/>
-                <a:ea typeface="+mj-ea"/>
-                <a:cs typeface="+mj-cs"/>
-              </a:defRPr>
-            </a:lvl1pPr>
-          </a:lstStyle>
-          <a:p>
-            <a:r>
-              <a:rPr lang="en-US" dirty="0" err="1" smtClean="0"/>
-              <a:t>git</a:t>
-            </a:r>
-            <a:r>
-              <a:rPr lang="en-US" dirty="0" smtClean="0"/>
-              <a:t> </a:t>
-            </a:r>
-            <a:r>
-              <a:rPr lang="en-US" dirty="0" err="1" smtClean="0"/>
-              <a:t>config</a:t>
-            </a:r>
-            <a:r>
-              <a:rPr lang="en-US" dirty="0" smtClean="0"/>
-              <a:t> </a:t>
-            </a:r>
-            <a:r>
-              <a:rPr lang="en-US" dirty="0" err="1" smtClean="0"/>
-              <a:t>core.autocrlf</a:t>
-            </a:r>
-            <a:r>
-              <a:rPr lang="en-US" dirty="0"/>
-              <a:t> </a:t>
-            </a:r>
-            <a:r>
-              <a:rPr lang="en-US" dirty="0" smtClean="0"/>
-              <a:t>false</a:t>
-            </a:r>
-            <a:endParaRPr lang="en-IN" dirty="0"/>
-          </a:p>
-        </p:txBody>
-      </p:sp>
     </p:spTree>
     <p:extLst>
       <p:ext uri="{BB962C8B-B14F-4D97-AF65-F5344CB8AC3E}">
@@ -4402,6 +4195,13 @@
   <p:clrMapOvr>
     <a:masterClrMapping/>
   </p:clrMapOvr>
+  <p:timing>
+    <p:tnLst>
+      <p:par>
+        <p:cTn id="1" dur="indefinite" restart="never" nodeType="tmRoot"/>
+      </p:par>
+    </p:tnLst>
+  </p:timing>
 </p:sld>
 </file>
 
@@ -4424,154 +4224,2372 @@
       </p:grpSpPr>
       <p:sp>
         <p:nvSpPr>
-          <p:cNvPr id="2" name="Title 1"/>
-          <p:cNvSpPr>
-            <a:spLocks noGrp="1"/>
-          </p:cNvSpPr>
-          <p:nvPr>
-            <p:ph type="title"/>
-          </p:nvPr>
-        </p:nvSpPr>
-        <p:spPr/>
-        <p:txBody>
-          <a:bodyPr/>
-          <a:lstStyle/>
-          <a:p>
-            <a:r>
-              <a:rPr lang="en-US" dirty="0" err="1" smtClean="0"/>
-              <a:t>Dev</a:t>
-            </a:r>
-            <a:r>
-              <a:rPr lang="en-US" dirty="0" smtClean="0"/>
-              <a:t> Server</a:t>
-            </a:r>
+          <p:cNvPr id="6" name="Content Placeholder 2"/>
+          <p:cNvSpPr txBox="1">
+            <a:spLocks/>
+          </p:cNvSpPr>
+          <p:nvPr/>
+        </p:nvSpPr>
+        <p:spPr>
+          <a:xfrm>
+            <a:off x="609600" y="1484784"/>
+            <a:ext cx="8229600" cy="1023171"/>
+          </a:xfrm>
+          <a:prstGeom prst="rect">
+            <a:avLst/>
+          </a:prstGeom>
+        </p:spPr>
+        <p:txBody>
+          <a:bodyPr vert="horz" lIns="91440" tIns="45720" rIns="91440" bIns="45720" rtlCol="0">
+            <a:normAutofit lnSpcReduction="10000"/>
+          </a:bodyPr>
+          <a:lstStyle>
+            <a:lvl1pPr marL="342900" indent="-342900" algn="l" defTabSz="914400" rtl="0" eaLnBrk="1" latinLnBrk="0" hangingPunct="1">
+              <a:spcBef>
+                <a:spcPct val="20000"/>
+              </a:spcBef>
+              <a:buFont typeface="Arial" pitchFamily="34" charset="0"/>
+              <a:buChar char="•"/>
+              <a:defRPr sz="3200" kern="1200">
+                <a:solidFill>
+                  <a:schemeClr val="tx1"/>
+                </a:solidFill>
+                <a:latin typeface="+mn-lt"/>
+                <a:ea typeface="+mn-ea"/>
+                <a:cs typeface="+mn-cs"/>
+              </a:defRPr>
+            </a:lvl1pPr>
+            <a:lvl2pPr marL="742950" indent="-285750" algn="l" defTabSz="914400" rtl="0" eaLnBrk="1" latinLnBrk="0" hangingPunct="1">
+              <a:spcBef>
+                <a:spcPct val="20000"/>
+              </a:spcBef>
+              <a:buFont typeface="Arial" pitchFamily="34" charset="0"/>
+              <a:buChar char="–"/>
+              <a:defRPr sz="2800" kern="1200">
+                <a:solidFill>
+                  <a:schemeClr val="tx1"/>
+                </a:solidFill>
+                <a:latin typeface="+mn-lt"/>
+                <a:ea typeface="+mn-ea"/>
+                <a:cs typeface="+mn-cs"/>
+              </a:defRPr>
+            </a:lvl2pPr>
+            <a:lvl3pPr marL="1143000" indent="-228600" algn="l" defTabSz="914400" rtl="0" eaLnBrk="1" latinLnBrk="0" hangingPunct="1">
+              <a:spcBef>
+                <a:spcPct val="20000"/>
+              </a:spcBef>
+              <a:buFont typeface="Arial" pitchFamily="34" charset="0"/>
+              <a:buChar char="•"/>
+              <a:defRPr sz="2400" kern="1200">
+                <a:solidFill>
+                  <a:schemeClr val="tx1"/>
+                </a:solidFill>
+                <a:latin typeface="+mn-lt"/>
+                <a:ea typeface="+mn-ea"/>
+                <a:cs typeface="+mn-cs"/>
+              </a:defRPr>
+            </a:lvl3pPr>
+            <a:lvl4pPr marL="1600200" indent="-228600" algn="l" defTabSz="914400" rtl="0" eaLnBrk="1" latinLnBrk="0" hangingPunct="1">
+              <a:spcBef>
+                <a:spcPct val="20000"/>
+              </a:spcBef>
+              <a:buFont typeface="Arial" pitchFamily="34" charset="0"/>
+              <a:buChar char="–"/>
+              <a:defRPr sz="2000" kern="1200">
+                <a:solidFill>
+                  <a:schemeClr val="tx1"/>
+                </a:solidFill>
+                <a:latin typeface="+mn-lt"/>
+                <a:ea typeface="+mn-ea"/>
+                <a:cs typeface="+mn-cs"/>
+              </a:defRPr>
+            </a:lvl4pPr>
+            <a:lvl5pPr marL="2057400" indent="-228600" algn="l" defTabSz="914400" rtl="0" eaLnBrk="1" latinLnBrk="0" hangingPunct="1">
+              <a:spcBef>
+                <a:spcPct val="20000"/>
+              </a:spcBef>
+              <a:buFont typeface="Arial" pitchFamily="34" charset="0"/>
+              <a:buChar char="»"/>
+              <a:defRPr sz="2000" kern="1200">
+                <a:solidFill>
+                  <a:schemeClr val="tx1"/>
+                </a:solidFill>
+                <a:latin typeface="+mn-lt"/>
+                <a:ea typeface="+mn-ea"/>
+                <a:cs typeface="+mn-cs"/>
+              </a:defRPr>
+            </a:lvl5pPr>
+            <a:lvl6pPr marL="2514600" indent="-228600" algn="l" defTabSz="914400" rtl="0" eaLnBrk="1" latinLnBrk="0" hangingPunct="1">
+              <a:spcBef>
+                <a:spcPct val="20000"/>
+              </a:spcBef>
+              <a:buFont typeface="Arial" pitchFamily="34" charset="0"/>
+              <a:buChar char="•"/>
+              <a:defRPr sz="2000" kern="1200">
+                <a:solidFill>
+                  <a:schemeClr val="tx1"/>
+                </a:solidFill>
+                <a:latin typeface="+mn-lt"/>
+                <a:ea typeface="+mn-ea"/>
+                <a:cs typeface="+mn-cs"/>
+              </a:defRPr>
+            </a:lvl6pPr>
+            <a:lvl7pPr marL="2971800" indent="-228600" algn="l" defTabSz="914400" rtl="0" eaLnBrk="1" latinLnBrk="0" hangingPunct="1">
+              <a:spcBef>
+                <a:spcPct val="20000"/>
+              </a:spcBef>
+              <a:buFont typeface="Arial" pitchFamily="34" charset="0"/>
+              <a:buChar char="•"/>
+              <a:defRPr sz="2000" kern="1200">
+                <a:solidFill>
+                  <a:schemeClr val="tx1"/>
+                </a:solidFill>
+                <a:latin typeface="+mn-lt"/>
+                <a:ea typeface="+mn-ea"/>
+                <a:cs typeface="+mn-cs"/>
+              </a:defRPr>
+            </a:lvl7pPr>
+            <a:lvl8pPr marL="3429000" indent="-228600" algn="l" defTabSz="914400" rtl="0" eaLnBrk="1" latinLnBrk="0" hangingPunct="1">
+              <a:spcBef>
+                <a:spcPct val="20000"/>
+              </a:spcBef>
+              <a:buFont typeface="Arial" pitchFamily="34" charset="0"/>
+              <a:buChar char="•"/>
+              <a:defRPr sz="2000" kern="1200">
+                <a:solidFill>
+                  <a:schemeClr val="tx1"/>
+                </a:solidFill>
+                <a:latin typeface="+mn-lt"/>
+                <a:ea typeface="+mn-ea"/>
+                <a:cs typeface="+mn-cs"/>
+              </a:defRPr>
+            </a:lvl8pPr>
+            <a:lvl9pPr marL="3886200" indent="-228600" algn="l" defTabSz="914400" rtl="0" eaLnBrk="1" latinLnBrk="0" hangingPunct="1">
+              <a:spcBef>
+                <a:spcPct val="20000"/>
+              </a:spcBef>
+              <a:buFont typeface="Arial" pitchFamily="34" charset="0"/>
+              <a:buChar char="•"/>
+              <a:defRPr sz="2000" kern="1200">
+                <a:solidFill>
+                  <a:schemeClr val="tx1"/>
+                </a:solidFill>
+                <a:latin typeface="+mn-lt"/>
+                <a:ea typeface="+mn-ea"/>
+                <a:cs typeface="+mn-cs"/>
+              </a:defRPr>
+            </a:lvl9pPr>
+          </a:lstStyle>
+          <a:p>
+            <a:r>
+              <a:rPr lang="en-US" dirty="0" smtClean="0"/>
+              <a:t>To suppress warning [LF will be converted to CRLF]</a:t>
+            </a:r>
+          </a:p>
+          <a:p>
+            <a:endParaRPr lang="en-US" dirty="0" smtClean="0"/>
+          </a:p>
+          <a:p>
+            <a:endParaRPr lang="en-US" dirty="0" smtClean="0"/>
+          </a:p>
+          <a:p>
+            <a:endParaRPr lang="en-US" dirty="0" smtClean="0"/>
+          </a:p>
+          <a:p>
+            <a:pPr marL="0" indent="0">
+              <a:buFont typeface="Arial" pitchFamily="34" charset="0"/>
+              <a:buNone/>
+            </a:pPr>
             <a:endParaRPr lang="en-IN" dirty="0"/>
           </a:p>
         </p:txBody>
       </p:sp>
       <p:sp>
         <p:nvSpPr>
-          <p:cNvPr id="3" name="Content Placeholder 2"/>
-          <p:cNvSpPr>
-            <a:spLocks noGrp="1"/>
-          </p:cNvSpPr>
-          <p:nvPr>
-            <p:ph idx="1"/>
-          </p:nvPr>
-        </p:nvSpPr>
-        <p:spPr/>
-        <p:txBody>
-          <a:bodyPr/>
-          <a:lstStyle/>
-          <a:p>
-            <a:r>
-              <a:rPr lang="en-US" dirty="0" smtClean="0"/>
-              <a:t>Cloned up </a:t>
-            </a:r>
+          <p:cNvPr id="7" name="Title 1"/>
+          <p:cNvSpPr txBox="1">
+            <a:spLocks/>
+          </p:cNvSpPr>
+          <p:nvPr/>
+        </p:nvSpPr>
+        <p:spPr>
+          <a:xfrm>
+            <a:off x="323528" y="188640"/>
+            <a:ext cx="8229600" cy="1143000"/>
+          </a:xfrm>
+          <a:prstGeom prst="rect">
+            <a:avLst/>
+          </a:prstGeom>
+        </p:spPr>
+        <p:txBody>
+          <a:bodyPr vert="horz" lIns="91440" tIns="45720" rIns="91440" bIns="45720" rtlCol="0" anchor="ctr">
+            <a:normAutofit/>
+          </a:bodyPr>
+          <a:lstStyle>
+            <a:lvl1pPr algn="ctr" defTabSz="914400" rtl="0" eaLnBrk="1" latinLnBrk="0" hangingPunct="1">
+              <a:spcBef>
+                <a:spcPct val="0"/>
+              </a:spcBef>
+              <a:buNone/>
+              <a:defRPr sz="4400" kern="1200">
+                <a:solidFill>
+                  <a:schemeClr val="tx1"/>
+                </a:solidFill>
+                <a:latin typeface="+mj-lt"/>
+                <a:ea typeface="+mj-ea"/>
+                <a:cs typeface="+mj-cs"/>
+              </a:defRPr>
+            </a:lvl1pPr>
+          </a:lstStyle>
+          <a:p>
             <a:r>
               <a:rPr lang="en-US" dirty="0" err="1" smtClean="0"/>
               <a:t>git</a:t>
             </a:r>
             <a:r>
               <a:rPr lang="en-US" dirty="0" smtClean="0"/>
-              <a:t> repo</a:t>
-            </a:r>
-          </a:p>
-          <a:p>
+              <a:t> </a:t>
+            </a:r>
             <a:r>
               <a:rPr lang="en-US" dirty="0" err="1" smtClean="0"/>
-              <a:t>Vue</a:t>
-            </a:r>
-            <a:r>
-              <a:rPr lang="en-US" dirty="0" smtClean="0"/>
-              <a:t> cli to create project</a:t>
-            </a:r>
-          </a:p>
-          <a:p>
+              <a:t>config</a:t>
+            </a:r>
+            <a:r>
+              <a:rPr lang="en-US" dirty="0" smtClean="0"/>
+              <a:t> </a:t>
+            </a:r>
             <a:r>
               <a:rPr lang="en-US" dirty="0" err="1" smtClean="0"/>
-              <a:t>Vue</a:t>
-            </a:r>
-            <a:r>
-              <a:rPr lang="en-US" dirty="0" smtClean="0"/>
+              <a:t>core.autocrlf</a:t>
+            </a:r>
+            <a:r>
+              <a:rPr lang="en-US" dirty="0"/>
               <a:t> </a:t>
             </a:r>
             <a:r>
-              <a:rPr lang="en-US" dirty="0" err="1" smtClean="0"/>
-              <a:t>Cli</a:t>
-            </a:r>
-            <a:r>
-              <a:rPr lang="en-US" dirty="0" smtClean="0"/>
-              <a:t> to build up a boilerplate project using </a:t>
-            </a:r>
-            <a:r>
-              <a:rPr lang="en-US" b="1" dirty="0" smtClean="0"/>
-              <a:t>$ </a:t>
-            </a:r>
-            <a:r>
-              <a:rPr lang="en-US" b="1" dirty="0" err="1" smtClean="0"/>
-              <a:t>vue</a:t>
-            </a:r>
-            <a:r>
-              <a:rPr lang="en-US" b="1" dirty="0" smtClean="0"/>
-              <a:t> </a:t>
-            </a:r>
-            <a:r>
-              <a:rPr lang="en-US" b="1" dirty="0" err="1" smtClean="0"/>
-              <a:t>init</a:t>
-            </a:r>
-            <a:r>
-              <a:rPr lang="en-US" b="1" dirty="0" smtClean="0"/>
-              <a:t> </a:t>
-            </a:r>
-            <a:r>
-              <a:rPr lang="en-US" b="1" dirty="0" err="1" smtClean="0"/>
-              <a:t>webpack</a:t>
-            </a:r>
-            <a:r>
-              <a:rPr lang="en-US" b="1" dirty="0" smtClean="0"/>
-              <a:t> my-project</a:t>
-            </a:r>
-          </a:p>
-          <a:p>
-            <a:r>
-              <a:rPr lang="en-US" dirty="0" smtClean="0"/>
-              <a:t>Command </a:t>
-            </a:r>
-            <a:r>
-              <a:rPr lang="en-US" b="1" dirty="0" err="1" smtClean="0"/>
-              <a:t>npm</a:t>
-            </a:r>
-            <a:r>
-              <a:rPr lang="en-US" b="1" dirty="0" smtClean="0"/>
-              <a:t> run </a:t>
-            </a:r>
-            <a:r>
-              <a:rPr lang="en-US" b="1" dirty="0" err="1" smtClean="0"/>
-              <a:t>dev</a:t>
-            </a:r>
-            <a:r>
-              <a:rPr lang="en-US" b="1" dirty="0" smtClean="0"/>
-              <a:t> </a:t>
-            </a:r>
-            <a:r>
-              <a:rPr lang="en-IN" dirty="0" smtClean="0"/>
-              <a:t>(used to run the project)</a:t>
-            </a:r>
-            <a:endParaRPr lang="en-US" dirty="0" smtClean="0"/>
+              <a:rPr lang="en-US" dirty="0" smtClean="0"/>
+              <a:t>false</a:t>
+            </a:r>
+            <a:endParaRPr lang="en-IN" dirty="0"/>
           </a:p>
         </p:txBody>
       </p:sp>
     </p:spTree>
     <p:extLst>
       <p:ext uri="{BB962C8B-B14F-4D97-AF65-F5344CB8AC3E}">
-        <p14:creationId xmlns:p14="http://schemas.microsoft.com/office/powerpoint/2010/main" val="2465139921"/>
+        <p14:creationId xmlns:p14="http://schemas.microsoft.com/office/powerpoint/2010/main" val="1436984488"/>
       </p:ext>
     </p:extLst>
   </p:cSld>
   <p:clrMapOvr>
     <a:masterClrMapping/>
   </p:clrMapOvr>
+  <p:timing>
+    <p:tnLst>
+      <p:par>
+        <p:cTn id="1" dur="indefinite" restart="never" nodeType="tmRoot"/>
+      </p:par>
+    </p:tnLst>
+  </p:timing>
+</p:sld>
+</file>
+
+<file path=ppt/slides/slide15.xml><?xml version="1.0" encoding="utf-8"?>
+<p:sld xmlns:a="http://schemas.openxmlformats.org/drawingml/2006/main" xmlns:r="http://schemas.openxmlformats.org/officeDocument/2006/relationships" xmlns:p="http://schemas.openxmlformats.org/presentationml/2006/main">
+  <p:cSld>
+    <p:spTree>
+      <p:nvGrpSpPr>
+        <p:cNvPr id="1" name=""/>
+        <p:cNvGrpSpPr/>
+        <p:nvPr/>
+      </p:nvGrpSpPr>
+      <p:grpSpPr>
+        <a:xfrm>
+          <a:off x="0" y="0"/>
+          <a:ext cx="0" cy="0"/>
+          <a:chOff x="0" y="0"/>
+          <a:chExt cx="0" cy="0"/>
+        </a:xfrm>
+      </p:grpSpPr>
+      <p:sp>
+        <p:nvSpPr>
+          <p:cNvPr id="6" name="Content Placeholder 2"/>
+          <p:cNvSpPr txBox="1">
+            <a:spLocks/>
+          </p:cNvSpPr>
+          <p:nvPr/>
+        </p:nvSpPr>
+        <p:spPr>
+          <a:xfrm>
+            <a:off x="609600" y="1484784"/>
+            <a:ext cx="8229600" cy="1800200"/>
+          </a:xfrm>
+          <a:prstGeom prst="rect">
+            <a:avLst/>
+          </a:prstGeom>
+        </p:spPr>
+        <p:txBody>
+          <a:bodyPr vert="horz" lIns="91440" tIns="45720" rIns="91440" bIns="45720" rtlCol="0">
+            <a:normAutofit/>
+          </a:bodyPr>
+          <a:lstStyle>
+            <a:lvl1pPr marL="342900" indent="-342900" algn="l" defTabSz="914400" rtl="0" eaLnBrk="1" latinLnBrk="0" hangingPunct="1">
+              <a:spcBef>
+                <a:spcPct val="20000"/>
+              </a:spcBef>
+              <a:buFont typeface="Arial" pitchFamily="34" charset="0"/>
+              <a:buChar char="•"/>
+              <a:defRPr sz="3200" kern="1200">
+                <a:solidFill>
+                  <a:schemeClr val="tx1"/>
+                </a:solidFill>
+                <a:latin typeface="+mn-lt"/>
+                <a:ea typeface="+mn-ea"/>
+                <a:cs typeface="+mn-cs"/>
+              </a:defRPr>
+            </a:lvl1pPr>
+            <a:lvl2pPr marL="742950" indent="-285750" algn="l" defTabSz="914400" rtl="0" eaLnBrk="1" latinLnBrk="0" hangingPunct="1">
+              <a:spcBef>
+                <a:spcPct val="20000"/>
+              </a:spcBef>
+              <a:buFont typeface="Arial" pitchFamily="34" charset="0"/>
+              <a:buChar char="–"/>
+              <a:defRPr sz="2800" kern="1200">
+                <a:solidFill>
+                  <a:schemeClr val="tx1"/>
+                </a:solidFill>
+                <a:latin typeface="+mn-lt"/>
+                <a:ea typeface="+mn-ea"/>
+                <a:cs typeface="+mn-cs"/>
+              </a:defRPr>
+            </a:lvl2pPr>
+            <a:lvl3pPr marL="1143000" indent="-228600" algn="l" defTabSz="914400" rtl="0" eaLnBrk="1" latinLnBrk="0" hangingPunct="1">
+              <a:spcBef>
+                <a:spcPct val="20000"/>
+              </a:spcBef>
+              <a:buFont typeface="Arial" pitchFamily="34" charset="0"/>
+              <a:buChar char="•"/>
+              <a:defRPr sz="2400" kern="1200">
+                <a:solidFill>
+                  <a:schemeClr val="tx1"/>
+                </a:solidFill>
+                <a:latin typeface="+mn-lt"/>
+                <a:ea typeface="+mn-ea"/>
+                <a:cs typeface="+mn-cs"/>
+              </a:defRPr>
+            </a:lvl3pPr>
+            <a:lvl4pPr marL="1600200" indent="-228600" algn="l" defTabSz="914400" rtl="0" eaLnBrk="1" latinLnBrk="0" hangingPunct="1">
+              <a:spcBef>
+                <a:spcPct val="20000"/>
+              </a:spcBef>
+              <a:buFont typeface="Arial" pitchFamily="34" charset="0"/>
+              <a:buChar char="–"/>
+              <a:defRPr sz="2000" kern="1200">
+                <a:solidFill>
+                  <a:schemeClr val="tx1"/>
+                </a:solidFill>
+                <a:latin typeface="+mn-lt"/>
+                <a:ea typeface="+mn-ea"/>
+                <a:cs typeface="+mn-cs"/>
+              </a:defRPr>
+            </a:lvl4pPr>
+            <a:lvl5pPr marL="2057400" indent="-228600" algn="l" defTabSz="914400" rtl="0" eaLnBrk="1" latinLnBrk="0" hangingPunct="1">
+              <a:spcBef>
+                <a:spcPct val="20000"/>
+              </a:spcBef>
+              <a:buFont typeface="Arial" pitchFamily="34" charset="0"/>
+              <a:buChar char="»"/>
+              <a:defRPr sz="2000" kern="1200">
+                <a:solidFill>
+                  <a:schemeClr val="tx1"/>
+                </a:solidFill>
+                <a:latin typeface="+mn-lt"/>
+                <a:ea typeface="+mn-ea"/>
+                <a:cs typeface="+mn-cs"/>
+              </a:defRPr>
+            </a:lvl5pPr>
+            <a:lvl6pPr marL="2514600" indent="-228600" algn="l" defTabSz="914400" rtl="0" eaLnBrk="1" latinLnBrk="0" hangingPunct="1">
+              <a:spcBef>
+                <a:spcPct val="20000"/>
+              </a:spcBef>
+              <a:buFont typeface="Arial" pitchFamily="34" charset="0"/>
+              <a:buChar char="•"/>
+              <a:defRPr sz="2000" kern="1200">
+                <a:solidFill>
+                  <a:schemeClr val="tx1"/>
+                </a:solidFill>
+                <a:latin typeface="+mn-lt"/>
+                <a:ea typeface="+mn-ea"/>
+                <a:cs typeface="+mn-cs"/>
+              </a:defRPr>
+            </a:lvl6pPr>
+            <a:lvl7pPr marL="2971800" indent="-228600" algn="l" defTabSz="914400" rtl="0" eaLnBrk="1" latinLnBrk="0" hangingPunct="1">
+              <a:spcBef>
+                <a:spcPct val="20000"/>
+              </a:spcBef>
+              <a:buFont typeface="Arial" pitchFamily="34" charset="0"/>
+              <a:buChar char="•"/>
+              <a:defRPr sz="2000" kern="1200">
+                <a:solidFill>
+                  <a:schemeClr val="tx1"/>
+                </a:solidFill>
+                <a:latin typeface="+mn-lt"/>
+                <a:ea typeface="+mn-ea"/>
+                <a:cs typeface="+mn-cs"/>
+              </a:defRPr>
+            </a:lvl7pPr>
+            <a:lvl8pPr marL="3429000" indent="-228600" algn="l" defTabSz="914400" rtl="0" eaLnBrk="1" latinLnBrk="0" hangingPunct="1">
+              <a:spcBef>
+                <a:spcPct val="20000"/>
+              </a:spcBef>
+              <a:buFont typeface="Arial" pitchFamily="34" charset="0"/>
+              <a:buChar char="•"/>
+              <a:defRPr sz="2000" kern="1200">
+                <a:solidFill>
+                  <a:schemeClr val="tx1"/>
+                </a:solidFill>
+                <a:latin typeface="+mn-lt"/>
+                <a:ea typeface="+mn-ea"/>
+                <a:cs typeface="+mn-cs"/>
+              </a:defRPr>
+            </a:lvl8pPr>
+            <a:lvl9pPr marL="3886200" indent="-228600" algn="l" defTabSz="914400" rtl="0" eaLnBrk="1" latinLnBrk="0" hangingPunct="1">
+              <a:spcBef>
+                <a:spcPct val="20000"/>
+              </a:spcBef>
+              <a:buFont typeface="Arial" pitchFamily="34" charset="0"/>
+              <a:buChar char="•"/>
+              <a:defRPr sz="2000" kern="1200">
+                <a:solidFill>
+                  <a:schemeClr val="tx1"/>
+                </a:solidFill>
+                <a:latin typeface="+mn-lt"/>
+                <a:ea typeface="+mn-ea"/>
+                <a:cs typeface="+mn-cs"/>
+              </a:defRPr>
+            </a:lvl9pPr>
+          </a:lstStyle>
+          <a:p>
+            <a:r>
+              <a:rPr lang="en-US" dirty="0" smtClean="0"/>
+              <a:t>To commit the files added to STAGING AREA.</a:t>
+            </a:r>
+          </a:p>
+          <a:p>
+            <a:r>
+              <a:rPr lang="en-US" dirty="0" smtClean="0"/>
+              <a:t>-m is used to add the message to commit which is important</a:t>
+            </a:r>
+            <a:r>
+              <a:rPr lang="en-US" dirty="0" smtClean="0"/>
+              <a:t> </a:t>
+            </a:r>
+            <a:endParaRPr lang="en-US" dirty="0" smtClean="0"/>
+          </a:p>
+          <a:p>
+            <a:endParaRPr lang="en-US" dirty="0" smtClean="0"/>
+          </a:p>
+          <a:p>
+            <a:endParaRPr lang="en-US" dirty="0" smtClean="0"/>
+          </a:p>
+          <a:p>
+            <a:pPr marL="0" indent="0">
+              <a:buFont typeface="Arial" pitchFamily="34" charset="0"/>
+              <a:buNone/>
+            </a:pPr>
+            <a:endParaRPr lang="en-IN" dirty="0"/>
+          </a:p>
+        </p:txBody>
+      </p:sp>
+      <p:sp>
+        <p:nvSpPr>
+          <p:cNvPr id="7" name="Title 1"/>
+          <p:cNvSpPr txBox="1">
+            <a:spLocks/>
+          </p:cNvSpPr>
+          <p:nvPr/>
+        </p:nvSpPr>
+        <p:spPr>
+          <a:xfrm>
+            <a:off x="323528" y="188640"/>
+            <a:ext cx="8229600" cy="1143000"/>
+          </a:xfrm>
+          <a:prstGeom prst="rect">
+            <a:avLst/>
+          </a:prstGeom>
+        </p:spPr>
+        <p:txBody>
+          <a:bodyPr vert="horz" lIns="91440" tIns="45720" rIns="91440" bIns="45720" rtlCol="0" anchor="ctr">
+            <a:normAutofit/>
+          </a:bodyPr>
+          <a:lstStyle>
+            <a:lvl1pPr algn="ctr" defTabSz="914400" rtl="0" eaLnBrk="1" latinLnBrk="0" hangingPunct="1">
+              <a:spcBef>
+                <a:spcPct val="0"/>
+              </a:spcBef>
+              <a:buNone/>
+              <a:defRPr sz="4400" kern="1200">
+                <a:solidFill>
+                  <a:schemeClr val="tx1"/>
+                </a:solidFill>
+                <a:latin typeface="+mj-lt"/>
+                <a:ea typeface="+mj-ea"/>
+                <a:cs typeface="+mj-cs"/>
+              </a:defRPr>
+            </a:lvl1pPr>
+          </a:lstStyle>
+          <a:p>
+            <a:r>
+              <a:rPr lang="en-US" dirty="0" err="1" smtClean="0"/>
+              <a:t>git</a:t>
+            </a:r>
+            <a:r>
+              <a:rPr lang="en-US" dirty="0" smtClean="0"/>
+              <a:t> </a:t>
+            </a:r>
+            <a:r>
+              <a:rPr lang="en-US" dirty="0" smtClean="0"/>
+              <a:t>commit –m “Initial Commit”</a:t>
+            </a:r>
+            <a:endParaRPr lang="en-IN" dirty="0"/>
+          </a:p>
+        </p:txBody>
+      </p:sp>
+      <p:pic>
+        <p:nvPicPr>
+          <p:cNvPr id="1026" name="Picture 2"/>
+          <p:cNvPicPr>
+            <a:picLocks noChangeAspect="1" noChangeArrowheads="1"/>
+          </p:cNvPicPr>
+          <p:nvPr/>
+        </p:nvPicPr>
+        <p:blipFill>
+          <a:blip r:embed="rId2">
+            <a:extLst>
+              <a:ext uri="{28A0092B-C50C-407E-A947-70E740481C1C}">
+                <a14:useLocalDpi xmlns:a14="http://schemas.microsoft.com/office/drawing/2010/main" val="0"/>
+              </a:ext>
+            </a:extLst>
+          </a:blip>
+          <a:srcRect/>
+          <a:stretch>
+            <a:fillRect/>
+          </a:stretch>
+        </p:blipFill>
+        <p:spPr bwMode="auto">
+          <a:xfrm>
+            <a:off x="643880" y="3573016"/>
+            <a:ext cx="7342577" cy="2304256"/>
+          </a:xfrm>
+          <a:prstGeom prst="rect">
+            <a:avLst/>
+          </a:prstGeom>
+          <a:noFill/>
+          <a:ln>
+            <a:noFill/>
+          </a:ln>
+          <a:effectLst/>
+          <a:extLst>
+            <a:ext uri="{909E8E84-426E-40DD-AFC4-6F175D3DCCD1}">
+              <a14:hiddenFill xmlns:a14="http://schemas.microsoft.com/office/drawing/2010/main">
+                <a:solidFill>
+                  <a:schemeClr val="accent1"/>
+                </a:solidFill>
+              </a14:hiddenFill>
+            </a:ext>
+            <a:ext uri="{91240B29-F687-4F45-9708-019B960494DF}">
+              <a14:hiddenLine xmlns:a14="http://schemas.microsoft.com/office/drawing/2010/main" w="9525">
+                <a:solidFill>
+                  <a:schemeClr val="tx1"/>
+                </a:solidFill>
+                <a:miter lim="800000"/>
+                <a:headEnd/>
+                <a:tailEnd/>
+              </a14:hiddenLine>
+            </a:ext>
+            <a:ext uri="{AF507438-7753-43E0-B8FC-AC1667EBCBE1}">
+              <a14:hiddenEffects xmlns:a14="http://schemas.microsoft.com/office/drawing/2010/main">
+                <a:effectLst>
+                  <a:outerShdw dist="35921" dir="2700000" algn="ctr" rotWithShape="0">
+                    <a:schemeClr val="bg2"/>
+                  </a:outerShdw>
+                </a:effectLst>
+              </a14:hiddenEffects>
+            </a:ext>
+          </a:extLst>
+        </p:spPr>
+      </p:pic>
+    </p:spTree>
+    <p:extLst>
+      <p:ext uri="{BB962C8B-B14F-4D97-AF65-F5344CB8AC3E}">
+        <p14:creationId xmlns:p14="http://schemas.microsoft.com/office/powerpoint/2010/main" val="748021883"/>
+      </p:ext>
+    </p:extLst>
+  </p:cSld>
+  <p:clrMapOvr>
+    <a:masterClrMapping/>
+  </p:clrMapOvr>
+  <p:timing>
+    <p:tnLst>
+      <p:par>
+        <p:cTn id="1" dur="indefinite" restart="never" nodeType="tmRoot"/>
+      </p:par>
+    </p:tnLst>
+  </p:timing>
+</p:sld>
+</file>
+
+<file path=ppt/slides/slide16.xml><?xml version="1.0" encoding="utf-8"?>
+<p:sld xmlns:a="http://schemas.openxmlformats.org/drawingml/2006/main" xmlns:r="http://schemas.openxmlformats.org/officeDocument/2006/relationships" xmlns:p="http://schemas.openxmlformats.org/presentationml/2006/main">
+  <p:cSld>
+    <p:spTree>
+      <p:nvGrpSpPr>
+        <p:cNvPr id="1" name=""/>
+        <p:cNvGrpSpPr/>
+        <p:nvPr/>
+      </p:nvGrpSpPr>
+      <p:grpSpPr>
+        <a:xfrm>
+          <a:off x="0" y="0"/>
+          <a:ext cx="0" cy="0"/>
+          <a:chOff x="0" y="0"/>
+          <a:chExt cx="0" cy="0"/>
+        </a:xfrm>
+      </p:grpSpPr>
+      <p:sp>
+        <p:nvSpPr>
+          <p:cNvPr id="6" name="Content Placeholder 2"/>
+          <p:cNvSpPr txBox="1">
+            <a:spLocks/>
+          </p:cNvSpPr>
+          <p:nvPr/>
+        </p:nvSpPr>
+        <p:spPr>
+          <a:xfrm>
+            <a:off x="609600" y="1484784"/>
+            <a:ext cx="8229600" cy="1800200"/>
+          </a:xfrm>
+          <a:prstGeom prst="rect">
+            <a:avLst/>
+          </a:prstGeom>
+        </p:spPr>
+        <p:txBody>
+          <a:bodyPr vert="horz" lIns="91440" tIns="45720" rIns="91440" bIns="45720" rtlCol="0">
+            <a:normAutofit/>
+          </a:bodyPr>
+          <a:lstStyle>
+            <a:lvl1pPr marL="342900" indent="-342900" algn="l" defTabSz="914400" rtl="0" eaLnBrk="1" latinLnBrk="0" hangingPunct="1">
+              <a:spcBef>
+                <a:spcPct val="20000"/>
+              </a:spcBef>
+              <a:buFont typeface="Arial" pitchFamily="34" charset="0"/>
+              <a:buChar char="•"/>
+              <a:defRPr sz="3200" kern="1200">
+                <a:solidFill>
+                  <a:schemeClr val="tx1"/>
+                </a:solidFill>
+                <a:latin typeface="+mn-lt"/>
+                <a:ea typeface="+mn-ea"/>
+                <a:cs typeface="+mn-cs"/>
+              </a:defRPr>
+            </a:lvl1pPr>
+            <a:lvl2pPr marL="742950" indent="-285750" algn="l" defTabSz="914400" rtl="0" eaLnBrk="1" latinLnBrk="0" hangingPunct="1">
+              <a:spcBef>
+                <a:spcPct val="20000"/>
+              </a:spcBef>
+              <a:buFont typeface="Arial" pitchFamily="34" charset="0"/>
+              <a:buChar char="–"/>
+              <a:defRPr sz="2800" kern="1200">
+                <a:solidFill>
+                  <a:schemeClr val="tx1"/>
+                </a:solidFill>
+                <a:latin typeface="+mn-lt"/>
+                <a:ea typeface="+mn-ea"/>
+                <a:cs typeface="+mn-cs"/>
+              </a:defRPr>
+            </a:lvl2pPr>
+            <a:lvl3pPr marL="1143000" indent="-228600" algn="l" defTabSz="914400" rtl="0" eaLnBrk="1" latinLnBrk="0" hangingPunct="1">
+              <a:spcBef>
+                <a:spcPct val="20000"/>
+              </a:spcBef>
+              <a:buFont typeface="Arial" pitchFamily="34" charset="0"/>
+              <a:buChar char="•"/>
+              <a:defRPr sz="2400" kern="1200">
+                <a:solidFill>
+                  <a:schemeClr val="tx1"/>
+                </a:solidFill>
+                <a:latin typeface="+mn-lt"/>
+                <a:ea typeface="+mn-ea"/>
+                <a:cs typeface="+mn-cs"/>
+              </a:defRPr>
+            </a:lvl3pPr>
+            <a:lvl4pPr marL="1600200" indent="-228600" algn="l" defTabSz="914400" rtl="0" eaLnBrk="1" latinLnBrk="0" hangingPunct="1">
+              <a:spcBef>
+                <a:spcPct val="20000"/>
+              </a:spcBef>
+              <a:buFont typeface="Arial" pitchFamily="34" charset="0"/>
+              <a:buChar char="–"/>
+              <a:defRPr sz="2000" kern="1200">
+                <a:solidFill>
+                  <a:schemeClr val="tx1"/>
+                </a:solidFill>
+                <a:latin typeface="+mn-lt"/>
+                <a:ea typeface="+mn-ea"/>
+                <a:cs typeface="+mn-cs"/>
+              </a:defRPr>
+            </a:lvl4pPr>
+            <a:lvl5pPr marL="2057400" indent="-228600" algn="l" defTabSz="914400" rtl="0" eaLnBrk="1" latinLnBrk="0" hangingPunct="1">
+              <a:spcBef>
+                <a:spcPct val="20000"/>
+              </a:spcBef>
+              <a:buFont typeface="Arial" pitchFamily="34" charset="0"/>
+              <a:buChar char="»"/>
+              <a:defRPr sz="2000" kern="1200">
+                <a:solidFill>
+                  <a:schemeClr val="tx1"/>
+                </a:solidFill>
+                <a:latin typeface="+mn-lt"/>
+                <a:ea typeface="+mn-ea"/>
+                <a:cs typeface="+mn-cs"/>
+              </a:defRPr>
+            </a:lvl5pPr>
+            <a:lvl6pPr marL="2514600" indent="-228600" algn="l" defTabSz="914400" rtl="0" eaLnBrk="1" latinLnBrk="0" hangingPunct="1">
+              <a:spcBef>
+                <a:spcPct val="20000"/>
+              </a:spcBef>
+              <a:buFont typeface="Arial" pitchFamily="34" charset="0"/>
+              <a:buChar char="•"/>
+              <a:defRPr sz="2000" kern="1200">
+                <a:solidFill>
+                  <a:schemeClr val="tx1"/>
+                </a:solidFill>
+                <a:latin typeface="+mn-lt"/>
+                <a:ea typeface="+mn-ea"/>
+                <a:cs typeface="+mn-cs"/>
+              </a:defRPr>
+            </a:lvl6pPr>
+            <a:lvl7pPr marL="2971800" indent="-228600" algn="l" defTabSz="914400" rtl="0" eaLnBrk="1" latinLnBrk="0" hangingPunct="1">
+              <a:spcBef>
+                <a:spcPct val="20000"/>
+              </a:spcBef>
+              <a:buFont typeface="Arial" pitchFamily="34" charset="0"/>
+              <a:buChar char="•"/>
+              <a:defRPr sz="2000" kern="1200">
+                <a:solidFill>
+                  <a:schemeClr val="tx1"/>
+                </a:solidFill>
+                <a:latin typeface="+mn-lt"/>
+                <a:ea typeface="+mn-ea"/>
+                <a:cs typeface="+mn-cs"/>
+              </a:defRPr>
+            </a:lvl7pPr>
+            <a:lvl8pPr marL="3429000" indent="-228600" algn="l" defTabSz="914400" rtl="0" eaLnBrk="1" latinLnBrk="0" hangingPunct="1">
+              <a:spcBef>
+                <a:spcPct val="20000"/>
+              </a:spcBef>
+              <a:buFont typeface="Arial" pitchFamily="34" charset="0"/>
+              <a:buChar char="•"/>
+              <a:defRPr sz="2000" kern="1200">
+                <a:solidFill>
+                  <a:schemeClr val="tx1"/>
+                </a:solidFill>
+                <a:latin typeface="+mn-lt"/>
+                <a:ea typeface="+mn-ea"/>
+                <a:cs typeface="+mn-cs"/>
+              </a:defRPr>
+            </a:lvl8pPr>
+            <a:lvl9pPr marL="3886200" indent="-228600" algn="l" defTabSz="914400" rtl="0" eaLnBrk="1" latinLnBrk="0" hangingPunct="1">
+              <a:spcBef>
+                <a:spcPct val="20000"/>
+              </a:spcBef>
+              <a:buFont typeface="Arial" pitchFamily="34" charset="0"/>
+              <a:buChar char="•"/>
+              <a:defRPr sz="2000" kern="1200">
+                <a:solidFill>
+                  <a:schemeClr val="tx1"/>
+                </a:solidFill>
+                <a:latin typeface="+mn-lt"/>
+                <a:ea typeface="+mn-ea"/>
+                <a:cs typeface="+mn-cs"/>
+              </a:defRPr>
+            </a:lvl9pPr>
+          </a:lstStyle>
+          <a:p>
+            <a:r>
+              <a:rPr lang="en-US" dirty="0" smtClean="0"/>
+              <a:t>Status shows that there is now nothing to commit as all is </a:t>
+            </a:r>
+            <a:r>
+              <a:rPr lang="en-US" dirty="0" err="1" smtClean="0"/>
+              <a:t>commited</a:t>
+            </a:r>
+            <a:endParaRPr lang="en-US" dirty="0" smtClean="0"/>
+          </a:p>
+          <a:p>
+            <a:endParaRPr lang="en-US" dirty="0" smtClean="0"/>
+          </a:p>
+          <a:p>
+            <a:endParaRPr lang="en-US" dirty="0" smtClean="0"/>
+          </a:p>
+          <a:p>
+            <a:pPr marL="0" indent="0">
+              <a:buFont typeface="Arial" pitchFamily="34" charset="0"/>
+              <a:buNone/>
+            </a:pPr>
+            <a:endParaRPr lang="en-IN" dirty="0"/>
+          </a:p>
+        </p:txBody>
+      </p:sp>
+      <p:sp>
+        <p:nvSpPr>
+          <p:cNvPr id="7" name="Title 1"/>
+          <p:cNvSpPr txBox="1">
+            <a:spLocks/>
+          </p:cNvSpPr>
+          <p:nvPr/>
+        </p:nvSpPr>
+        <p:spPr>
+          <a:xfrm>
+            <a:off x="323528" y="188640"/>
+            <a:ext cx="8229600" cy="1143000"/>
+          </a:xfrm>
+          <a:prstGeom prst="rect">
+            <a:avLst/>
+          </a:prstGeom>
+        </p:spPr>
+        <p:txBody>
+          <a:bodyPr vert="horz" lIns="91440" tIns="45720" rIns="91440" bIns="45720" rtlCol="0" anchor="ctr">
+            <a:normAutofit/>
+          </a:bodyPr>
+          <a:lstStyle>
+            <a:lvl1pPr algn="ctr" defTabSz="914400" rtl="0" eaLnBrk="1" latinLnBrk="0" hangingPunct="1">
+              <a:spcBef>
+                <a:spcPct val="0"/>
+              </a:spcBef>
+              <a:buNone/>
+              <a:defRPr sz="4400" kern="1200">
+                <a:solidFill>
+                  <a:schemeClr val="tx1"/>
+                </a:solidFill>
+                <a:latin typeface="+mj-lt"/>
+                <a:ea typeface="+mj-ea"/>
+                <a:cs typeface="+mj-cs"/>
+              </a:defRPr>
+            </a:lvl1pPr>
+          </a:lstStyle>
+          <a:p>
+            <a:r>
+              <a:rPr lang="en-US" dirty="0" err="1" smtClean="0"/>
+              <a:t>git</a:t>
+            </a:r>
+            <a:r>
+              <a:rPr lang="en-US" dirty="0" smtClean="0"/>
+              <a:t> status</a:t>
+            </a:r>
+            <a:endParaRPr lang="en-IN" dirty="0"/>
+          </a:p>
+        </p:txBody>
+      </p:sp>
+      <p:pic>
+        <p:nvPicPr>
+          <p:cNvPr id="2050" name="Picture 2"/>
+          <p:cNvPicPr>
+            <a:picLocks noChangeAspect="1" noChangeArrowheads="1"/>
+          </p:cNvPicPr>
+          <p:nvPr/>
+        </p:nvPicPr>
+        <p:blipFill>
+          <a:blip r:embed="rId2">
+            <a:extLst>
+              <a:ext uri="{28A0092B-C50C-407E-A947-70E740481C1C}">
+                <a14:useLocalDpi xmlns:a14="http://schemas.microsoft.com/office/drawing/2010/main" val="0"/>
+              </a:ext>
+            </a:extLst>
+          </a:blip>
+          <a:srcRect/>
+          <a:stretch>
+            <a:fillRect/>
+          </a:stretch>
+        </p:blipFill>
+        <p:spPr bwMode="auto">
+          <a:xfrm>
+            <a:off x="746481" y="2942753"/>
+            <a:ext cx="8097303" cy="684461"/>
+          </a:xfrm>
+          <a:prstGeom prst="rect">
+            <a:avLst/>
+          </a:prstGeom>
+          <a:noFill/>
+          <a:ln>
+            <a:noFill/>
+          </a:ln>
+          <a:effectLst/>
+          <a:extLst>
+            <a:ext uri="{909E8E84-426E-40DD-AFC4-6F175D3DCCD1}">
+              <a14:hiddenFill xmlns:a14="http://schemas.microsoft.com/office/drawing/2010/main">
+                <a:solidFill>
+                  <a:schemeClr val="accent1"/>
+                </a:solidFill>
+              </a14:hiddenFill>
+            </a:ext>
+            <a:ext uri="{91240B29-F687-4F45-9708-019B960494DF}">
+              <a14:hiddenLine xmlns:a14="http://schemas.microsoft.com/office/drawing/2010/main" w="9525">
+                <a:solidFill>
+                  <a:schemeClr val="tx1"/>
+                </a:solidFill>
+                <a:miter lim="800000"/>
+                <a:headEnd/>
+                <a:tailEnd/>
+              </a14:hiddenLine>
+            </a:ext>
+            <a:ext uri="{AF507438-7753-43E0-B8FC-AC1667EBCBE1}">
+              <a14:hiddenEffects xmlns:a14="http://schemas.microsoft.com/office/drawing/2010/main">
+                <a:effectLst>
+                  <a:outerShdw dist="35921" dir="2700000" algn="ctr" rotWithShape="0">
+                    <a:schemeClr val="bg2"/>
+                  </a:outerShdw>
+                </a:effectLst>
+              </a14:hiddenEffects>
+            </a:ext>
+          </a:extLst>
+        </p:spPr>
+      </p:pic>
+    </p:spTree>
+    <p:extLst>
+      <p:ext uri="{BB962C8B-B14F-4D97-AF65-F5344CB8AC3E}">
+        <p14:creationId xmlns:p14="http://schemas.microsoft.com/office/powerpoint/2010/main" val="1779560704"/>
+      </p:ext>
+    </p:extLst>
+  </p:cSld>
+  <p:clrMapOvr>
+    <a:masterClrMapping/>
+  </p:clrMapOvr>
+  <p:timing>
+    <p:tnLst>
+      <p:par>
+        <p:cTn id="1" dur="indefinite" restart="never" nodeType="tmRoot"/>
+      </p:par>
+    </p:tnLst>
+  </p:timing>
+</p:sld>
+</file>
+
+<file path=ppt/slides/slide17.xml><?xml version="1.0" encoding="utf-8"?>
+<p:sld xmlns:a="http://schemas.openxmlformats.org/drawingml/2006/main" xmlns:r="http://schemas.openxmlformats.org/officeDocument/2006/relationships" xmlns:p="http://schemas.openxmlformats.org/presentationml/2006/main">
+  <p:cSld>
+    <p:spTree>
+      <p:nvGrpSpPr>
+        <p:cNvPr id="1" name=""/>
+        <p:cNvGrpSpPr/>
+        <p:nvPr/>
+      </p:nvGrpSpPr>
+      <p:grpSpPr>
+        <a:xfrm>
+          <a:off x="0" y="0"/>
+          <a:ext cx="0" cy="0"/>
+          <a:chOff x="0" y="0"/>
+          <a:chExt cx="0" cy="0"/>
+        </a:xfrm>
+      </p:grpSpPr>
+      <p:sp>
+        <p:nvSpPr>
+          <p:cNvPr id="6" name="Content Placeholder 2"/>
+          <p:cNvSpPr txBox="1">
+            <a:spLocks/>
+          </p:cNvSpPr>
+          <p:nvPr/>
+        </p:nvSpPr>
+        <p:spPr>
+          <a:xfrm>
+            <a:off x="609600" y="1484784"/>
+            <a:ext cx="8229600" cy="1224136"/>
+          </a:xfrm>
+          <a:prstGeom prst="rect">
+            <a:avLst/>
+          </a:prstGeom>
+        </p:spPr>
+        <p:txBody>
+          <a:bodyPr vert="horz" lIns="91440" tIns="45720" rIns="91440" bIns="45720" rtlCol="0">
+            <a:normAutofit/>
+          </a:bodyPr>
+          <a:lstStyle>
+            <a:lvl1pPr marL="342900" indent="-342900" algn="l" defTabSz="914400" rtl="0" eaLnBrk="1" latinLnBrk="0" hangingPunct="1">
+              <a:spcBef>
+                <a:spcPct val="20000"/>
+              </a:spcBef>
+              <a:buFont typeface="Arial" pitchFamily="34" charset="0"/>
+              <a:buChar char="•"/>
+              <a:defRPr sz="3200" kern="1200">
+                <a:solidFill>
+                  <a:schemeClr val="tx1"/>
+                </a:solidFill>
+                <a:latin typeface="+mn-lt"/>
+                <a:ea typeface="+mn-ea"/>
+                <a:cs typeface="+mn-cs"/>
+              </a:defRPr>
+            </a:lvl1pPr>
+            <a:lvl2pPr marL="742950" indent="-285750" algn="l" defTabSz="914400" rtl="0" eaLnBrk="1" latinLnBrk="0" hangingPunct="1">
+              <a:spcBef>
+                <a:spcPct val="20000"/>
+              </a:spcBef>
+              <a:buFont typeface="Arial" pitchFamily="34" charset="0"/>
+              <a:buChar char="–"/>
+              <a:defRPr sz="2800" kern="1200">
+                <a:solidFill>
+                  <a:schemeClr val="tx1"/>
+                </a:solidFill>
+                <a:latin typeface="+mn-lt"/>
+                <a:ea typeface="+mn-ea"/>
+                <a:cs typeface="+mn-cs"/>
+              </a:defRPr>
+            </a:lvl2pPr>
+            <a:lvl3pPr marL="1143000" indent="-228600" algn="l" defTabSz="914400" rtl="0" eaLnBrk="1" latinLnBrk="0" hangingPunct="1">
+              <a:spcBef>
+                <a:spcPct val="20000"/>
+              </a:spcBef>
+              <a:buFont typeface="Arial" pitchFamily="34" charset="0"/>
+              <a:buChar char="•"/>
+              <a:defRPr sz="2400" kern="1200">
+                <a:solidFill>
+                  <a:schemeClr val="tx1"/>
+                </a:solidFill>
+                <a:latin typeface="+mn-lt"/>
+                <a:ea typeface="+mn-ea"/>
+                <a:cs typeface="+mn-cs"/>
+              </a:defRPr>
+            </a:lvl3pPr>
+            <a:lvl4pPr marL="1600200" indent="-228600" algn="l" defTabSz="914400" rtl="0" eaLnBrk="1" latinLnBrk="0" hangingPunct="1">
+              <a:spcBef>
+                <a:spcPct val="20000"/>
+              </a:spcBef>
+              <a:buFont typeface="Arial" pitchFamily="34" charset="0"/>
+              <a:buChar char="–"/>
+              <a:defRPr sz="2000" kern="1200">
+                <a:solidFill>
+                  <a:schemeClr val="tx1"/>
+                </a:solidFill>
+                <a:latin typeface="+mn-lt"/>
+                <a:ea typeface="+mn-ea"/>
+                <a:cs typeface="+mn-cs"/>
+              </a:defRPr>
+            </a:lvl4pPr>
+            <a:lvl5pPr marL="2057400" indent="-228600" algn="l" defTabSz="914400" rtl="0" eaLnBrk="1" latinLnBrk="0" hangingPunct="1">
+              <a:spcBef>
+                <a:spcPct val="20000"/>
+              </a:spcBef>
+              <a:buFont typeface="Arial" pitchFamily="34" charset="0"/>
+              <a:buChar char="»"/>
+              <a:defRPr sz="2000" kern="1200">
+                <a:solidFill>
+                  <a:schemeClr val="tx1"/>
+                </a:solidFill>
+                <a:latin typeface="+mn-lt"/>
+                <a:ea typeface="+mn-ea"/>
+                <a:cs typeface="+mn-cs"/>
+              </a:defRPr>
+            </a:lvl5pPr>
+            <a:lvl6pPr marL="2514600" indent="-228600" algn="l" defTabSz="914400" rtl="0" eaLnBrk="1" latinLnBrk="0" hangingPunct="1">
+              <a:spcBef>
+                <a:spcPct val="20000"/>
+              </a:spcBef>
+              <a:buFont typeface="Arial" pitchFamily="34" charset="0"/>
+              <a:buChar char="•"/>
+              <a:defRPr sz="2000" kern="1200">
+                <a:solidFill>
+                  <a:schemeClr val="tx1"/>
+                </a:solidFill>
+                <a:latin typeface="+mn-lt"/>
+                <a:ea typeface="+mn-ea"/>
+                <a:cs typeface="+mn-cs"/>
+              </a:defRPr>
+            </a:lvl6pPr>
+            <a:lvl7pPr marL="2971800" indent="-228600" algn="l" defTabSz="914400" rtl="0" eaLnBrk="1" latinLnBrk="0" hangingPunct="1">
+              <a:spcBef>
+                <a:spcPct val="20000"/>
+              </a:spcBef>
+              <a:buFont typeface="Arial" pitchFamily="34" charset="0"/>
+              <a:buChar char="•"/>
+              <a:defRPr sz="2000" kern="1200">
+                <a:solidFill>
+                  <a:schemeClr val="tx1"/>
+                </a:solidFill>
+                <a:latin typeface="+mn-lt"/>
+                <a:ea typeface="+mn-ea"/>
+                <a:cs typeface="+mn-cs"/>
+              </a:defRPr>
+            </a:lvl7pPr>
+            <a:lvl8pPr marL="3429000" indent="-228600" algn="l" defTabSz="914400" rtl="0" eaLnBrk="1" latinLnBrk="0" hangingPunct="1">
+              <a:spcBef>
+                <a:spcPct val="20000"/>
+              </a:spcBef>
+              <a:buFont typeface="Arial" pitchFamily="34" charset="0"/>
+              <a:buChar char="•"/>
+              <a:defRPr sz="2000" kern="1200">
+                <a:solidFill>
+                  <a:schemeClr val="tx1"/>
+                </a:solidFill>
+                <a:latin typeface="+mn-lt"/>
+                <a:ea typeface="+mn-ea"/>
+                <a:cs typeface="+mn-cs"/>
+              </a:defRPr>
+            </a:lvl8pPr>
+            <a:lvl9pPr marL="3886200" indent="-228600" algn="l" defTabSz="914400" rtl="0" eaLnBrk="1" latinLnBrk="0" hangingPunct="1">
+              <a:spcBef>
+                <a:spcPct val="20000"/>
+              </a:spcBef>
+              <a:buFont typeface="Arial" pitchFamily="34" charset="0"/>
+              <a:buChar char="•"/>
+              <a:defRPr sz="2000" kern="1200">
+                <a:solidFill>
+                  <a:schemeClr val="tx1"/>
+                </a:solidFill>
+                <a:latin typeface="+mn-lt"/>
+                <a:ea typeface="+mn-ea"/>
+                <a:cs typeface="+mn-cs"/>
+              </a:defRPr>
+            </a:lvl9pPr>
+          </a:lstStyle>
+          <a:p>
+            <a:r>
+              <a:rPr lang="en-US" dirty="0" smtClean="0"/>
+              <a:t>Status shows that there is now nothing to commit as all is </a:t>
+            </a:r>
+            <a:r>
+              <a:rPr lang="en-US" dirty="0" err="1" smtClean="0"/>
+              <a:t>commited</a:t>
+            </a:r>
+            <a:endParaRPr lang="en-US" dirty="0" smtClean="0"/>
+          </a:p>
+          <a:p>
+            <a:endParaRPr lang="en-US" dirty="0" smtClean="0"/>
+          </a:p>
+          <a:p>
+            <a:endParaRPr lang="en-US" dirty="0" smtClean="0"/>
+          </a:p>
+          <a:p>
+            <a:pPr marL="0" indent="0">
+              <a:buFont typeface="Arial" pitchFamily="34" charset="0"/>
+              <a:buNone/>
+            </a:pPr>
+            <a:endParaRPr lang="en-IN" dirty="0"/>
+          </a:p>
+        </p:txBody>
+      </p:sp>
+      <p:sp>
+        <p:nvSpPr>
+          <p:cNvPr id="7" name="Title 1"/>
+          <p:cNvSpPr txBox="1">
+            <a:spLocks/>
+          </p:cNvSpPr>
+          <p:nvPr/>
+        </p:nvSpPr>
+        <p:spPr>
+          <a:xfrm>
+            <a:off x="251520" y="3315463"/>
+            <a:ext cx="8229600" cy="1143000"/>
+          </a:xfrm>
+          <a:prstGeom prst="rect">
+            <a:avLst/>
+          </a:prstGeom>
+        </p:spPr>
+        <p:txBody>
+          <a:bodyPr vert="horz" lIns="91440" tIns="45720" rIns="91440" bIns="45720" rtlCol="0" anchor="ctr">
+            <a:normAutofit/>
+          </a:bodyPr>
+          <a:lstStyle>
+            <a:lvl1pPr algn="ctr" defTabSz="914400" rtl="0" eaLnBrk="1" latinLnBrk="0" hangingPunct="1">
+              <a:spcBef>
+                <a:spcPct val="0"/>
+              </a:spcBef>
+              <a:buNone/>
+              <a:defRPr sz="4400" kern="1200">
+                <a:solidFill>
+                  <a:schemeClr val="tx1"/>
+                </a:solidFill>
+                <a:latin typeface="+mj-lt"/>
+                <a:ea typeface="+mj-ea"/>
+                <a:cs typeface="+mj-cs"/>
+              </a:defRPr>
+            </a:lvl1pPr>
+          </a:lstStyle>
+          <a:p>
+            <a:r>
+              <a:rPr lang="en-US" dirty="0" err="1" smtClean="0"/>
+              <a:t>git</a:t>
+            </a:r>
+            <a:r>
+              <a:rPr lang="en-US" dirty="0" smtClean="0"/>
+              <a:t> log</a:t>
+            </a:r>
+            <a:endParaRPr lang="en-IN" dirty="0"/>
+          </a:p>
+        </p:txBody>
+      </p:sp>
+      <p:pic>
+        <p:nvPicPr>
+          <p:cNvPr id="2050" name="Picture 2"/>
+          <p:cNvPicPr>
+            <a:picLocks noChangeAspect="1" noChangeArrowheads="1"/>
+          </p:cNvPicPr>
+          <p:nvPr/>
+        </p:nvPicPr>
+        <p:blipFill>
+          <a:blip r:embed="rId2">
+            <a:extLst>
+              <a:ext uri="{28A0092B-C50C-407E-A947-70E740481C1C}">
+                <a14:useLocalDpi xmlns:a14="http://schemas.microsoft.com/office/drawing/2010/main" val="0"/>
+              </a:ext>
+            </a:extLst>
+          </a:blip>
+          <a:srcRect/>
+          <a:stretch>
+            <a:fillRect/>
+          </a:stretch>
+        </p:blipFill>
+        <p:spPr bwMode="auto">
+          <a:xfrm>
+            <a:off x="757120" y="2631002"/>
+            <a:ext cx="8097303" cy="684461"/>
+          </a:xfrm>
+          <a:prstGeom prst="rect">
+            <a:avLst/>
+          </a:prstGeom>
+          <a:noFill/>
+          <a:ln>
+            <a:noFill/>
+          </a:ln>
+          <a:effectLst/>
+          <a:extLst>
+            <a:ext uri="{909E8E84-426E-40DD-AFC4-6F175D3DCCD1}">
+              <a14:hiddenFill xmlns:a14="http://schemas.microsoft.com/office/drawing/2010/main">
+                <a:solidFill>
+                  <a:schemeClr val="accent1"/>
+                </a:solidFill>
+              </a14:hiddenFill>
+            </a:ext>
+            <a:ext uri="{91240B29-F687-4F45-9708-019B960494DF}">
+              <a14:hiddenLine xmlns:a14="http://schemas.microsoft.com/office/drawing/2010/main" w="9525">
+                <a:solidFill>
+                  <a:schemeClr val="tx1"/>
+                </a:solidFill>
+                <a:miter lim="800000"/>
+                <a:headEnd/>
+                <a:tailEnd/>
+              </a14:hiddenLine>
+            </a:ext>
+            <a:ext uri="{AF507438-7753-43E0-B8FC-AC1667EBCBE1}">
+              <a14:hiddenEffects xmlns:a14="http://schemas.microsoft.com/office/drawing/2010/main">
+                <a:effectLst>
+                  <a:outerShdw dist="35921" dir="2700000" algn="ctr" rotWithShape="0">
+                    <a:schemeClr val="bg2"/>
+                  </a:outerShdw>
+                </a:effectLst>
+              </a14:hiddenEffects>
+            </a:ext>
+          </a:extLst>
+        </p:spPr>
+      </p:pic>
+      <p:pic>
+        <p:nvPicPr>
+          <p:cNvPr id="3074" name="Picture 2"/>
+          <p:cNvPicPr>
+            <a:picLocks noChangeAspect="1" noChangeArrowheads="1"/>
+          </p:cNvPicPr>
+          <p:nvPr/>
+        </p:nvPicPr>
+        <p:blipFill>
+          <a:blip r:embed="rId3">
+            <a:extLst>
+              <a:ext uri="{28A0092B-C50C-407E-A947-70E740481C1C}">
+                <a14:useLocalDpi xmlns:a14="http://schemas.microsoft.com/office/drawing/2010/main" val="0"/>
+              </a:ext>
+            </a:extLst>
+          </a:blip>
+          <a:srcRect/>
+          <a:stretch>
+            <a:fillRect/>
+          </a:stretch>
+        </p:blipFill>
+        <p:spPr bwMode="auto">
+          <a:xfrm>
+            <a:off x="757120" y="4363575"/>
+            <a:ext cx="7885676" cy="1152128"/>
+          </a:xfrm>
+          <a:prstGeom prst="rect">
+            <a:avLst/>
+          </a:prstGeom>
+          <a:noFill/>
+          <a:ln>
+            <a:noFill/>
+          </a:ln>
+          <a:effectLst/>
+          <a:extLst>
+            <a:ext uri="{909E8E84-426E-40DD-AFC4-6F175D3DCCD1}">
+              <a14:hiddenFill xmlns:a14="http://schemas.microsoft.com/office/drawing/2010/main">
+                <a:solidFill>
+                  <a:schemeClr val="accent1"/>
+                </a:solidFill>
+              </a14:hiddenFill>
+            </a:ext>
+            <a:ext uri="{91240B29-F687-4F45-9708-019B960494DF}">
+              <a14:hiddenLine xmlns:a14="http://schemas.microsoft.com/office/drawing/2010/main" w="9525">
+                <a:solidFill>
+                  <a:schemeClr val="tx1"/>
+                </a:solidFill>
+                <a:miter lim="800000"/>
+                <a:headEnd/>
+                <a:tailEnd/>
+              </a14:hiddenLine>
+            </a:ext>
+            <a:ext uri="{AF507438-7753-43E0-B8FC-AC1667EBCBE1}">
+              <a14:hiddenEffects xmlns:a14="http://schemas.microsoft.com/office/drawing/2010/main">
+                <a:effectLst>
+                  <a:outerShdw dist="35921" dir="2700000" algn="ctr" rotWithShape="0">
+                    <a:schemeClr val="bg2"/>
+                  </a:outerShdw>
+                </a:effectLst>
+              </a14:hiddenEffects>
+            </a:ext>
+          </a:extLst>
+        </p:spPr>
+      </p:pic>
+      <p:sp>
+        <p:nvSpPr>
+          <p:cNvPr id="8" name="Title 1"/>
+          <p:cNvSpPr txBox="1">
+            <a:spLocks/>
+          </p:cNvSpPr>
+          <p:nvPr/>
+        </p:nvSpPr>
+        <p:spPr>
+          <a:xfrm>
+            <a:off x="475928" y="341040"/>
+            <a:ext cx="8229600" cy="1143000"/>
+          </a:xfrm>
+          <a:prstGeom prst="rect">
+            <a:avLst/>
+          </a:prstGeom>
+        </p:spPr>
+        <p:txBody>
+          <a:bodyPr vert="horz" lIns="91440" tIns="45720" rIns="91440" bIns="45720" rtlCol="0" anchor="ctr">
+            <a:normAutofit/>
+          </a:bodyPr>
+          <a:lstStyle>
+            <a:lvl1pPr algn="ctr" defTabSz="914400" rtl="0" eaLnBrk="1" latinLnBrk="0" hangingPunct="1">
+              <a:spcBef>
+                <a:spcPct val="0"/>
+              </a:spcBef>
+              <a:buNone/>
+              <a:defRPr sz="4400" kern="1200">
+                <a:solidFill>
+                  <a:schemeClr val="tx1"/>
+                </a:solidFill>
+                <a:latin typeface="+mj-lt"/>
+                <a:ea typeface="+mj-ea"/>
+                <a:cs typeface="+mj-cs"/>
+              </a:defRPr>
+            </a:lvl1pPr>
+          </a:lstStyle>
+          <a:p>
+            <a:r>
+              <a:rPr lang="en-US" dirty="0" err="1" smtClean="0"/>
+              <a:t>git</a:t>
+            </a:r>
+            <a:r>
+              <a:rPr lang="en-US" dirty="0" smtClean="0"/>
+              <a:t> status</a:t>
+            </a:r>
+            <a:endParaRPr lang="en-IN" dirty="0"/>
+          </a:p>
+        </p:txBody>
+      </p:sp>
+      <p:sp>
+        <p:nvSpPr>
+          <p:cNvPr id="9" name="Content Placeholder 2"/>
+          <p:cNvSpPr txBox="1">
+            <a:spLocks/>
+          </p:cNvSpPr>
+          <p:nvPr/>
+        </p:nvSpPr>
+        <p:spPr>
+          <a:xfrm>
+            <a:off x="609600" y="5482951"/>
+            <a:ext cx="8229600" cy="1224136"/>
+          </a:xfrm>
+          <a:prstGeom prst="rect">
+            <a:avLst/>
+          </a:prstGeom>
+        </p:spPr>
+        <p:txBody>
+          <a:bodyPr vert="horz" lIns="91440" tIns="45720" rIns="91440" bIns="45720" rtlCol="0">
+            <a:normAutofit/>
+          </a:bodyPr>
+          <a:lstStyle>
+            <a:lvl1pPr marL="342900" indent="-342900" algn="l" defTabSz="914400" rtl="0" eaLnBrk="1" latinLnBrk="0" hangingPunct="1">
+              <a:spcBef>
+                <a:spcPct val="20000"/>
+              </a:spcBef>
+              <a:buFont typeface="Arial" pitchFamily="34" charset="0"/>
+              <a:buChar char="•"/>
+              <a:defRPr sz="3200" kern="1200">
+                <a:solidFill>
+                  <a:schemeClr val="tx1"/>
+                </a:solidFill>
+                <a:latin typeface="+mn-lt"/>
+                <a:ea typeface="+mn-ea"/>
+                <a:cs typeface="+mn-cs"/>
+              </a:defRPr>
+            </a:lvl1pPr>
+            <a:lvl2pPr marL="742950" indent="-285750" algn="l" defTabSz="914400" rtl="0" eaLnBrk="1" latinLnBrk="0" hangingPunct="1">
+              <a:spcBef>
+                <a:spcPct val="20000"/>
+              </a:spcBef>
+              <a:buFont typeface="Arial" pitchFamily="34" charset="0"/>
+              <a:buChar char="–"/>
+              <a:defRPr sz="2800" kern="1200">
+                <a:solidFill>
+                  <a:schemeClr val="tx1"/>
+                </a:solidFill>
+                <a:latin typeface="+mn-lt"/>
+                <a:ea typeface="+mn-ea"/>
+                <a:cs typeface="+mn-cs"/>
+              </a:defRPr>
+            </a:lvl2pPr>
+            <a:lvl3pPr marL="1143000" indent="-228600" algn="l" defTabSz="914400" rtl="0" eaLnBrk="1" latinLnBrk="0" hangingPunct="1">
+              <a:spcBef>
+                <a:spcPct val="20000"/>
+              </a:spcBef>
+              <a:buFont typeface="Arial" pitchFamily="34" charset="0"/>
+              <a:buChar char="•"/>
+              <a:defRPr sz="2400" kern="1200">
+                <a:solidFill>
+                  <a:schemeClr val="tx1"/>
+                </a:solidFill>
+                <a:latin typeface="+mn-lt"/>
+                <a:ea typeface="+mn-ea"/>
+                <a:cs typeface="+mn-cs"/>
+              </a:defRPr>
+            </a:lvl3pPr>
+            <a:lvl4pPr marL="1600200" indent="-228600" algn="l" defTabSz="914400" rtl="0" eaLnBrk="1" latinLnBrk="0" hangingPunct="1">
+              <a:spcBef>
+                <a:spcPct val="20000"/>
+              </a:spcBef>
+              <a:buFont typeface="Arial" pitchFamily="34" charset="0"/>
+              <a:buChar char="–"/>
+              <a:defRPr sz="2000" kern="1200">
+                <a:solidFill>
+                  <a:schemeClr val="tx1"/>
+                </a:solidFill>
+                <a:latin typeface="+mn-lt"/>
+                <a:ea typeface="+mn-ea"/>
+                <a:cs typeface="+mn-cs"/>
+              </a:defRPr>
+            </a:lvl4pPr>
+            <a:lvl5pPr marL="2057400" indent="-228600" algn="l" defTabSz="914400" rtl="0" eaLnBrk="1" latinLnBrk="0" hangingPunct="1">
+              <a:spcBef>
+                <a:spcPct val="20000"/>
+              </a:spcBef>
+              <a:buFont typeface="Arial" pitchFamily="34" charset="0"/>
+              <a:buChar char="»"/>
+              <a:defRPr sz="2000" kern="1200">
+                <a:solidFill>
+                  <a:schemeClr val="tx1"/>
+                </a:solidFill>
+                <a:latin typeface="+mn-lt"/>
+                <a:ea typeface="+mn-ea"/>
+                <a:cs typeface="+mn-cs"/>
+              </a:defRPr>
+            </a:lvl5pPr>
+            <a:lvl6pPr marL="2514600" indent="-228600" algn="l" defTabSz="914400" rtl="0" eaLnBrk="1" latinLnBrk="0" hangingPunct="1">
+              <a:spcBef>
+                <a:spcPct val="20000"/>
+              </a:spcBef>
+              <a:buFont typeface="Arial" pitchFamily="34" charset="0"/>
+              <a:buChar char="•"/>
+              <a:defRPr sz="2000" kern="1200">
+                <a:solidFill>
+                  <a:schemeClr val="tx1"/>
+                </a:solidFill>
+                <a:latin typeface="+mn-lt"/>
+                <a:ea typeface="+mn-ea"/>
+                <a:cs typeface="+mn-cs"/>
+              </a:defRPr>
+            </a:lvl6pPr>
+            <a:lvl7pPr marL="2971800" indent="-228600" algn="l" defTabSz="914400" rtl="0" eaLnBrk="1" latinLnBrk="0" hangingPunct="1">
+              <a:spcBef>
+                <a:spcPct val="20000"/>
+              </a:spcBef>
+              <a:buFont typeface="Arial" pitchFamily="34" charset="0"/>
+              <a:buChar char="•"/>
+              <a:defRPr sz="2000" kern="1200">
+                <a:solidFill>
+                  <a:schemeClr val="tx1"/>
+                </a:solidFill>
+                <a:latin typeface="+mn-lt"/>
+                <a:ea typeface="+mn-ea"/>
+                <a:cs typeface="+mn-cs"/>
+              </a:defRPr>
+            </a:lvl7pPr>
+            <a:lvl8pPr marL="3429000" indent="-228600" algn="l" defTabSz="914400" rtl="0" eaLnBrk="1" latinLnBrk="0" hangingPunct="1">
+              <a:spcBef>
+                <a:spcPct val="20000"/>
+              </a:spcBef>
+              <a:buFont typeface="Arial" pitchFamily="34" charset="0"/>
+              <a:buChar char="•"/>
+              <a:defRPr sz="2000" kern="1200">
+                <a:solidFill>
+                  <a:schemeClr val="tx1"/>
+                </a:solidFill>
+                <a:latin typeface="+mn-lt"/>
+                <a:ea typeface="+mn-ea"/>
+                <a:cs typeface="+mn-cs"/>
+              </a:defRPr>
+            </a:lvl8pPr>
+            <a:lvl9pPr marL="3886200" indent="-228600" algn="l" defTabSz="914400" rtl="0" eaLnBrk="1" latinLnBrk="0" hangingPunct="1">
+              <a:spcBef>
+                <a:spcPct val="20000"/>
+              </a:spcBef>
+              <a:buFont typeface="Arial" pitchFamily="34" charset="0"/>
+              <a:buChar char="•"/>
+              <a:defRPr sz="2000" kern="1200">
+                <a:solidFill>
+                  <a:schemeClr val="tx1"/>
+                </a:solidFill>
+                <a:latin typeface="+mn-lt"/>
+                <a:ea typeface="+mn-ea"/>
+                <a:cs typeface="+mn-cs"/>
+              </a:defRPr>
+            </a:lvl9pPr>
+          </a:lstStyle>
+          <a:p>
+            <a:r>
+              <a:rPr lang="en-US" dirty="0" err="1" smtClean="0"/>
+              <a:t>Hashcode</a:t>
+            </a:r>
+            <a:r>
+              <a:rPr lang="en-US" dirty="0" smtClean="0"/>
+              <a:t> displayed will be unique and name of the user who committed will be displayed.</a:t>
+            </a:r>
+          </a:p>
+          <a:p>
+            <a:endParaRPr lang="en-US" dirty="0" smtClean="0"/>
+          </a:p>
+          <a:p>
+            <a:pPr marL="0" indent="0">
+              <a:buFont typeface="Arial" pitchFamily="34" charset="0"/>
+              <a:buNone/>
+            </a:pPr>
+            <a:endParaRPr lang="en-IN" dirty="0"/>
+          </a:p>
+        </p:txBody>
+      </p:sp>
+    </p:spTree>
+    <p:extLst>
+      <p:ext uri="{BB962C8B-B14F-4D97-AF65-F5344CB8AC3E}">
+        <p14:creationId xmlns:p14="http://schemas.microsoft.com/office/powerpoint/2010/main" val="324062947"/>
+      </p:ext>
+    </p:extLst>
+  </p:cSld>
+  <p:clrMapOvr>
+    <a:masterClrMapping/>
+  </p:clrMapOvr>
+  <p:timing>
+    <p:tnLst>
+      <p:par>
+        <p:cTn id="1" dur="indefinite" restart="never" nodeType="tmRoot"/>
+      </p:par>
+    </p:tnLst>
+  </p:timing>
+</p:sld>
+</file>
+
+<file path=ppt/slides/slide18.xml><?xml version="1.0" encoding="utf-8"?>
+<p:sld xmlns:a="http://schemas.openxmlformats.org/drawingml/2006/main" xmlns:r="http://schemas.openxmlformats.org/officeDocument/2006/relationships" xmlns:p="http://schemas.openxmlformats.org/presentationml/2006/main">
+  <p:cSld>
+    <p:spTree>
+      <p:nvGrpSpPr>
+        <p:cNvPr id="1" name=""/>
+        <p:cNvGrpSpPr/>
+        <p:nvPr/>
+      </p:nvGrpSpPr>
+      <p:grpSpPr>
+        <a:xfrm>
+          <a:off x="0" y="0"/>
+          <a:ext cx="0" cy="0"/>
+          <a:chOff x="0" y="0"/>
+          <a:chExt cx="0" cy="0"/>
+        </a:xfrm>
+      </p:grpSpPr>
+      <p:sp>
+        <p:nvSpPr>
+          <p:cNvPr id="6" name="Content Placeholder 2"/>
+          <p:cNvSpPr txBox="1">
+            <a:spLocks/>
+          </p:cNvSpPr>
+          <p:nvPr/>
+        </p:nvSpPr>
+        <p:spPr>
+          <a:xfrm>
+            <a:off x="609600" y="1484784"/>
+            <a:ext cx="8229600" cy="1224136"/>
+          </a:xfrm>
+          <a:prstGeom prst="rect">
+            <a:avLst/>
+          </a:prstGeom>
+        </p:spPr>
+        <p:txBody>
+          <a:bodyPr vert="horz" lIns="91440" tIns="45720" rIns="91440" bIns="45720" rtlCol="0">
+            <a:normAutofit/>
+          </a:bodyPr>
+          <a:lstStyle>
+            <a:lvl1pPr marL="342900" indent="-342900" algn="l" defTabSz="914400" rtl="0" eaLnBrk="1" latinLnBrk="0" hangingPunct="1">
+              <a:spcBef>
+                <a:spcPct val="20000"/>
+              </a:spcBef>
+              <a:buFont typeface="Arial" pitchFamily="34" charset="0"/>
+              <a:buChar char="•"/>
+              <a:defRPr sz="3200" kern="1200">
+                <a:solidFill>
+                  <a:schemeClr val="tx1"/>
+                </a:solidFill>
+                <a:latin typeface="+mn-lt"/>
+                <a:ea typeface="+mn-ea"/>
+                <a:cs typeface="+mn-cs"/>
+              </a:defRPr>
+            </a:lvl1pPr>
+            <a:lvl2pPr marL="742950" indent="-285750" algn="l" defTabSz="914400" rtl="0" eaLnBrk="1" latinLnBrk="0" hangingPunct="1">
+              <a:spcBef>
+                <a:spcPct val="20000"/>
+              </a:spcBef>
+              <a:buFont typeface="Arial" pitchFamily="34" charset="0"/>
+              <a:buChar char="–"/>
+              <a:defRPr sz="2800" kern="1200">
+                <a:solidFill>
+                  <a:schemeClr val="tx1"/>
+                </a:solidFill>
+                <a:latin typeface="+mn-lt"/>
+                <a:ea typeface="+mn-ea"/>
+                <a:cs typeface="+mn-cs"/>
+              </a:defRPr>
+            </a:lvl2pPr>
+            <a:lvl3pPr marL="1143000" indent="-228600" algn="l" defTabSz="914400" rtl="0" eaLnBrk="1" latinLnBrk="0" hangingPunct="1">
+              <a:spcBef>
+                <a:spcPct val="20000"/>
+              </a:spcBef>
+              <a:buFont typeface="Arial" pitchFamily="34" charset="0"/>
+              <a:buChar char="•"/>
+              <a:defRPr sz="2400" kern="1200">
+                <a:solidFill>
+                  <a:schemeClr val="tx1"/>
+                </a:solidFill>
+                <a:latin typeface="+mn-lt"/>
+                <a:ea typeface="+mn-ea"/>
+                <a:cs typeface="+mn-cs"/>
+              </a:defRPr>
+            </a:lvl3pPr>
+            <a:lvl4pPr marL="1600200" indent="-228600" algn="l" defTabSz="914400" rtl="0" eaLnBrk="1" latinLnBrk="0" hangingPunct="1">
+              <a:spcBef>
+                <a:spcPct val="20000"/>
+              </a:spcBef>
+              <a:buFont typeface="Arial" pitchFamily="34" charset="0"/>
+              <a:buChar char="–"/>
+              <a:defRPr sz="2000" kern="1200">
+                <a:solidFill>
+                  <a:schemeClr val="tx1"/>
+                </a:solidFill>
+                <a:latin typeface="+mn-lt"/>
+                <a:ea typeface="+mn-ea"/>
+                <a:cs typeface="+mn-cs"/>
+              </a:defRPr>
+            </a:lvl4pPr>
+            <a:lvl5pPr marL="2057400" indent="-228600" algn="l" defTabSz="914400" rtl="0" eaLnBrk="1" latinLnBrk="0" hangingPunct="1">
+              <a:spcBef>
+                <a:spcPct val="20000"/>
+              </a:spcBef>
+              <a:buFont typeface="Arial" pitchFamily="34" charset="0"/>
+              <a:buChar char="»"/>
+              <a:defRPr sz="2000" kern="1200">
+                <a:solidFill>
+                  <a:schemeClr val="tx1"/>
+                </a:solidFill>
+                <a:latin typeface="+mn-lt"/>
+                <a:ea typeface="+mn-ea"/>
+                <a:cs typeface="+mn-cs"/>
+              </a:defRPr>
+            </a:lvl5pPr>
+            <a:lvl6pPr marL="2514600" indent="-228600" algn="l" defTabSz="914400" rtl="0" eaLnBrk="1" latinLnBrk="0" hangingPunct="1">
+              <a:spcBef>
+                <a:spcPct val="20000"/>
+              </a:spcBef>
+              <a:buFont typeface="Arial" pitchFamily="34" charset="0"/>
+              <a:buChar char="•"/>
+              <a:defRPr sz="2000" kern="1200">
+                <a:solidFill>
+                  <a:schemeClr val="tx1"/>
+                </a:solidFill>
+                <a:latin typeface="+mn-lt"/>
+                <a:ea typeface="+mn-ea"/>
+                <a:cs typeface="+mn-cs"/>
+              </a:defRPr>
+            </a:lvl6pPr>
+            <a:lvl7pPr marL="2971800" indent="-228600" algn="l" defTabSz="914400" rtl="0" eaLnBrk="1" latinLnBrk="0" hangingPunct="1">
+              <a:spcBef>
+                <a:spcPct val="20000"/>
+              </a:spcBef>
+              <a:buFont typeface="Arial" pitchFamily="34" charset="0"/>
+              <a:buChar char="•"/>
+              <a:defRPr sz="2000" kern="1200">
+                <a:solidFill>
+                  <a:schemeClr val="tx1"/>
+                </a:solidFill>
+                <a:latin typeface="+mn-lt"/>
+                <a:ea typeface="+mn-ea"/>
+                <a:cs typeface="+mn-cs"/>
+              </a:defRPr>
+            </a:lvl7pPr>
+            <a:lvl8pPr marL="3429000" indent="-228600" algn="l" defTabSz="914400" rtl="0" eaLnBrk="1" latinLnBrk="0" hangingPunct="1">
+              <a:spcBef>
+                <a:spcPct val="20000"/>
+              </a:spcBef>
+              <a:buFont typeface="Arial" pitchFamily="34" charset="0"/>
+              <a:buChar char="•"/>
+              <a:defRPr sz="2000" kern="1200">
+                <a:solidFill>
+                  <a:schemeClr val="tx1"/>
+                </a:solidFill>
+                <a:latin typeface="+mn-lt"/>
+                <a:ea typeface="+mn-ea"/>
+                <a:cs typeface="+mn-cs"/>
+              </a:defRPr>
+            </a:lvl8pPr>
+            <a:lvl9pPr marL="3886200" indent="-228600" algn="l" defTabSz="914400" rtl="0" eaLnBrk="1" latinLnBrk="0" hangingPunct="1">
+              <a:spcBef>
+                <a:spcPct val="20000"/>
+              </a:spcBef>
+              <a:buFont typeface="Arial" pitchFamily="34" charset="0"/>
+              <a:buChar char="•"/>
+              <a:defRPr sz="2000" kern="1200">
+                <a:solidFill>
+                  <a:schemeClr val="tx1"/>
+                </a:solidFill>
+                <a:latin typeface="+mn-lt"/>
+                <a:ea typeface="+mn-ea"/>
+                <a:cs typeface="+mn-cs"/>
+              </a:defRPr>
+            </a:lvl9pPr>
+          </a:lstStyle>
+          <a:p>
+            <a:endParaRPr lang="en-US" dirty="0" smtClean="0"/>
+          </a:p>
+          <a:p>
+            <a:endParaRPr lang="en-US" dirty="0" smtClean="0"/>
+          </a:p>
+          <a:p>
+            <a:pPr marL="0" indent="0">
+              <a:buFont typeface="Arial" pitchFamily="34" charset="0"/>
+              <a:buNone/>
+            </a:pPr>
+            <a:endParaRPr lang="en-IN" dirty="0"/>
+          </a:p>
+        </p:txBody>
+      </p:sp>
+      <p:sp>
+        <p:nvSpPr>
+          <p:cNvPr id="8" name="Title 1"/>
+          <p:cNvSpPr txBox="1">
+            <a:spLocks/>
+          </p:cNvSpPr>
+          <p:nvPr/>
+        </p:nvSpPr>
+        <p:spPr>
+          <a:xfrm>
+            <a:off x="475928" y="341040"/>
+            <a:ext cx="8229600" cy="1143000"/>
+          </a:xfrm>
+          <a:prstGeom prst="rect">
+            <a:avLst/>
+          </a:prstGeom>
+        </p:spPr>
+        <p:txBody>
+          <a:bodyPr vert="horz" lIns="91440" tIns="45720" rIns="91440" bIns="45720" rtlCol="0" anchor="ctr">
+            <a:normAutofit/>
+          </a:bodyPr>
+          <a:lstStyle>
+            <a:lvl1pPr algn="ctr" defTabSz="914400" rtl="0" eaLnBrk="1" latinLnBrk="0" hangingPunct="1">
+              <a:spcBef>
+                <a:spcPct val="0"/>
+              </a:spcBef>
+              <a:buNone/>
+              <a:defRPr sz="4400" kern="1200">
+                <a:solidFill>
+                  <a:schemeClr val="tx1"/>
+                </a:solidFill>
+                <a:latin typeface="+mj-lt"/>
+                <a:ea typeface="+mj-ea"/>
+                <a:cs typeface="+mj-cs"/>
+              </a:defRPr>
+            </a:lvl1pPr>
+          </a:lstStyle>
+          <a:p>
+            <a:r>
+              <a:rPr lang="en-US" dirty="0" err="1" smtClean="0"/>
+              <a:t>git</a:t>
+            </a:r>
+            <a:r>
+              <a:rPr lang="en-US" dirty="0" smtClean="0"/>
+              <a:t> c</a:t>
+            </a:r>
+            <a:r>
+              <a:rPr lang="en-US" dirty="0" smtClean="0"/>
+              <a:t>lone &lt;</a:t>
+            </a:r>
+            <a:r>
+              <a:rPr lang="en-US" dirty="0" err="1" smtClean="0"/>
+              <a:t>url</a:t>
+            </a:r>
+            <a:r>
+              <a:rPr lang="en-US" dirty="0" smtClean="0"/>
+              <a:t>&gt; .</a:t>
+            </a:r>
+            <a:endParaRPr lang="en-IN" dirty="0"/>
+          </a:p>
+        </p:txBody>
+      </p:sp>
+      <p:sp>
+        <p:nvSpPr>
+          <p:cNvPr id="10" name="Content Placeholder 2"/>
+          <p:cNvSpPr txBox="1">
+            <a:spLocks/>
+          </p:cNvSpPr>
+          <p:nvPr/>
+        </p:nvSpPr>
+        <p:spPr>
+          <a:xfrm>
+            <a:off x="609600" y="1484784"/>
+            <a:ext cx="8229600" cy="5222303"/>
+          </a:xfrm>
+          <a:prstGeom prst="rect">
+            <a:avLst/>
+          </a:prstGeom>
+        </p:spPr>
+        <p:txBody>
+          <a:bodyPr vert="horz" lIns="91440" tIns="45720" rIns="91440" bIns="45720" rtlCol="0">
+            <a:normAutofit fontScale="92500" lnSpcReduction="10000"/>
+          </a:bodyPr>
+          <a:lstStyle>
+            <a:lvl1pPr marL="342900" indent="-342900" algn="l" defTabSz="914400" rtl="0" eaLnBrk="1" latinLnBrk="0" hangingPunct="1">
+              <a:spcBef>
+                <a:spcPct val="20000"/>
+              </a:spcBef>
+              <a:buFont typeface="Arial" pitchFamily="34" charset="0"/>
+              <a:buChar char="•"/>
+              <a:defRPr sz="3200" kern="1200">
+                <a:solidFill>
+                  <a:schemeClr val="tx1"/>
+                </a:solidFill>
+                <a:latin typeface="+mn-lt"/>
+                <a:ea typeface="+mn-ea"/>
+                <a:cs typeface="+mn-cs"/>
+              </a:defRPr>
+            </a:lvl1pPr>
+            <a:lvl2pPr marL="742950" indent="-285750" algn="l" defTabSz="914400" rtl="0" eaLnBrk="1" latinLnBrk="0" hangingPunct="1">
+              <a:spcBef>
+                <a:spcPct val="20000"/>
+              </a:spcBef>
+              <a:buFont typeface="Arial" pitchFamily="34" charset="0"/>
+              <a:buChar char="–"/>
+              <a:defRPr sz="2800" kern="1200">
+                <a:solidFill>
+                  <a:schemeClr val="tx1"/>
+                </a:solidFill>
+                <a:latin typeface="+mn-lt"/>
+                <a:ea typeface="+mn-ea"/>
+                <a:cs typeface="+mn-cs"/>
+              </a:defRPr>
+            </a:lvl2pPr>
+            <a:lvl3pPr marL="1143000" indent="-228600" algn="l" defTabSz="914400" rtl="0" eaLnBrk="1" latinLnBrk="0" hangingPunct="1">
+              <a:spcBef>
+                <a:spcPct val="20000"/>
+              </a:spcBef>
+              <a:buFont typeface="Arial" pitchFamily="34" charset="0"/>
+              <a:buChar char="•"/>
+              <a:defRPr sz="2400" kern="1200">
+                <a:solidFill>
+                  <a:schemeClr val="tx1"/>
+                </a:solidFill>
+                <a:latin typeface="+mn-lt"/>
+                <a:ea typeface="+mn-ea"/>
+                <a:cs typeface="+mn-cs"/>
+              </a:defRPr>
+            </a:lvl3pPr>
+            <a:lvl4pPr marL="1600200" indent="-228600" algn="l" defTabSz="914400" rtl="0" eaLnBrk="1" latinLnBrk="0" hangingPunct="1">
+              <a:spcBef>
+                <a:spcPct val="20000"/>
+              </a:spcBef>
+              <a:buFont typeface="Arial" pitchFamily="34" charset="0"/>
+              <a:buChar char="–"/>
+              <a:defRPr sz="2000" kern="1200">
+                <a:solidFill>
+                  <a:schemeClr val="tx1"/>
+                </a:solidFill>
+                <a:latin typeface="+mn-lt"/>
+                <a:ea typeface="+mn-ea"/>
+                <a:cs typeface="+mn-cs"/>
+              </a:defRPr>
+            </a:lvl4pPr>
+            <a:lvl5pPr marL="2057400" indent="-228600" algn="l" defTabSz="914400" rtl="0" eaLnBrk="1" latinLnBrk="0" hangingPunct="1">
+              <a:spcBef>
+                <a:spcPct val="20000"/>
+              </a:spcBef>
+              <a:buFont typeface="Arial" pitchFamily="34" charset="0"/>
+              <a:buChar char="»"/>
+              <a:defRPr sz="2000" kern="1200">
+                <a:solidFill>
+                  <a:schemeClr val="tx1"/>
+                </a:solidFill>
+                <a:latin typeface="+mn-lt"/>
+                <a:ea typeface="+mn-ea"/>
+                <a:cs typeface="+mn-cs"/>
+              </a:defRPr>
+            </a:lvl5pPr>
+            <a:lvl6pPr marL="2514600" indent="-228600" algn="l" defTabSz="914400" rtl="0" eaLnBrk="1" latinLnBrk="0" hangingPunct="1">
+              <a:spcBef>
+                <a:spcPct val="20000"/>
+              </a:spcBef>
+              <a:buFont typeface="Arial" pitchFamily="34" charset="0"/>
+              <a:buChar char="•"/>
+              <a:defRPr sz="2000" kern="1200">
+                <a:solidFill>
+                  <a:schemeClr val="tx1"/>
+                </a:solidFill>
+                <a:latin typeface="+mn-lt"/>
+                <a:ea typeface="+mn-ea"/>
+                <a:cs typeface="+mn-cs"/>
+              </a:defRPr>
+            </a:lvl6pPr>
+            <a:lvl7pPr marL="2971800" indent="-228600" algn="l" defTabSz="914400" rtl="0" eaLnBrk="1" latinLnBrk="0" hangingPunct="1">
+              <a:spcBef>
+                <a:spcPct val="20000"/>
+              </a:spcBef>
+              <a:buFont typeface="Arial" pitchFamily="34" charset="0"/>
+              <a:buChar char="•"/>
+              <a:defRPr sz="2000" kern="1200">
+                <a:solidFill>
+                  <a:schemeClr val="tx1"/>
+                </a:solidFill>
+                <a:latin typeface="+mn-lt"/>
+                <a:ea typeface="+mn-ea"/>
+                <a:cs typeface="+mn-cs"/>
+              </a:defRPr>
+            </a:lvl7pPr>
+            <a:lvl8pPr marL="3429000" indent="-228600" algn="l" defTabSz="914400" rtl="0" eaLnBrk="1" latinLnBrk="0" hangingPunct="1">
+              <a:spcBef>
+                <a:spcPct val="20000"/>
+              </a:spcBef>
+              <a:buFont typeface="Arial" pitchFamily="34" charset="0"/>
+              <a:buChar char="•"/>
+              <a:defRPr sz="2000" kern="1200">
+                <a:solidFill>
+                  <a:schemeClr val="tx1"/>
+                </a:solidFill>
+                <a:latin typeface="+mn-lt"/>
+                <a:ea typeface="+mn-ea"/>
+                <a:cs typeface="+mn-cs"/>
+              </a:defRPr>
+            </a:lvl8pPr>
+            <a:lvl9pPr marL="3886200" indent="-228600" algn="l" defTabSz="914400" rtl="0" eaLnBrk="1" latinLnBrk="0" hangingPunct="1">
+              <a:spcBef>
+                <a:spcPct val="20000"/>
+              </a:spcBef>
+              <a:buFont typeface="Arial" pitchFamily="34" charset="0"/>
+              <a:buChar char="•"/>
+              <a:defRPr sz="2000" kern="1200">
+                <a:solidFill>
+                  <a:schemeClr val="tx1"/>
+                </a:solidFill>
+                <a:latin typeface="+mn-lt"/>
+                <a:ea typeface="+mn-ea"/>
+                <a:cs typeface="+mn-cs"/>
+              </a:defRPr>
+            </a:lvl9pPr>
+          </a:lstStyle>
+          <a:p>
+            <a:r>
+              <a:rPr lang="en-US" dirty="0" smtClean="0"/>
+              <a:t>Create a repo on </a:t>
+            </a:r>
+            <a:r>
+              <a:rPr lang="en-US" dirty="0" err="1" smtClean="0"/>
+              <a:t>git</a:t>
+            </a:r>
+            <a:r>
+              <a:rPr lang="en-US" dirty="0" smtClean="0"/>
+              <a:t> hub</a:t>
+            </a:r>
+          </a:p>
+          <a:p>
+            <a:endParaRPr lang="en-US" dirty="0" smtClean="0"/>
+          </a:p>
+          <a:p>
+            <a:endParaRPr lang="en-US" dirty="0"/>
+          </a:p>
+          <a:p>
+            <a:endParaRPr lang="en-US" dirty="0" smtClean="0"/>
+          </a:p>
+          <a:p>
+            <a:endParaRPr lang="en-US" dirty="0"/>
+          </a:p>
+          <a:p>
+            <a:r>
+              <a:rPr lang="en-US" dirty="0" err="1" smtClean="0"/>
+              <a:t>git</a:t>
+            </a:r>
+            <a:r>
+              <a:rPr lang="en-US" dirty="0" smtClean="0"/>
+              <a:t> clone &lt;</a:t>
+            </a:r>
+            <a:r>
+              <a:rPr lang="en-US" dirty="0" err="1" smtClean="0"/>
+              <a:t>url</a:t>
+            </a:r>
+            <a:r>
+              <a:rPr lang="en-US" dirty="0" smtClean="0"/>
+              <a:t>&gt; .</a:t>
+            </a:r>
+          </a:p>
+          <a:p>
+            <a:r>
+              <a:rPr lang="en-US" dirty="0" smtClean="0"/>
+              <a:t>. will clone all files from the remote repo</a:t>
+            </a:r>
+          </a:p>
+          <a:p>
+            <a:endParaRPr lang="en-US" dirty="0" smtClean="0"/>
+          </a:p>
+          <a:p>
+            <a:endParaRPr lang="en-US" dirty="0"/>
+          </a:p>
+          <a:p>
+            <a:r>
+              <a:rPr lang="en-US" dirty="0" smtClean="0"/>
+              <a:t>Thi</a:t>
+            </a:r>
+            <a:r>
+              <a:rPr lang="en-US" dirty="0" smtClean="0"/>
+              <a:t>s will create directory in the path</a:t>
+            </a:r>
+            <a:endParaRPr lang="en-US" dirty="0" smtClean="0"/>
+          </a:p>
+          <a:p>
+            <a:pPr marL="0" indent="0">
+              <a:buFont typeface="Arial" pitchFamily="34" charset="0"/>
+              <a:buNone/>
+            </a:pPr>
+            <a:endParaRPr lang="en-IN" dirty="0"/>
+          </a:p>
+        </p:txBody>
+      </p:sp>
+      <p:pic>
+        <p:nvPicPr>
+          <p:cNvPr id="4098" name="Picture 2"/>
+          <p:cNvPicPr>
+            <a:picLocks noChangeAspect="1" noChangeArrowheads="1"/>
+          </p:cNvPicPr>
+          <p:nvPr/>
+        </p:nvPicPr>
+        <p:blipFill>
+          <a:blip r:embed="rId2">
+            <a:extLst>
+              <a:ext uri="{28A0092B-C50C-407E-A947-70E740481C1C}">
+                <a14:useLocalDpi xmlns:a14="http://schemas.microsoft.com/office/drawing/2010/main" val="0"/>
+              </a:ext>
+            </a:extLst>
+          </a:blip>
+          <a:srcRect/>
+          <a:stretch>
+            <a:fillRect/>
+          </a:stretch>
+        </p:blipFill>
+        <p:spPr bwMode="auto">
+          <a:xfrm>
+            <a:off x="830677" y="1988840"/>
+            <a:ext cx="4605420" cy="2178033"/>
+          </a:xfrm>
+          <a:prstGeom prst="rect">
+            <a:avLst/>
+          </a:prstGeom>
+          <a:noFill/>
+          <a:ln>
+            <a:noFill/>
+          </a:ln>
+          <a:effectLst/>
+          <a:extLst>
+            <a:ext uri="{909E8E84-426E-40DD-AFC4-6F175D3DCCD1}">
+              <a14:hiddenFill xmlns:a14="http://schemas.microsoft.com/office/drawing/2010/main">
+                <a:solidFill>
+                  <a:schemeClr val="accent1"/>
+                </a:solidFill>
+              </a14:hiddenFill>
+            </a:ext>
+            <a:ext uri="{91240B29-F687-4F45-9708-019B960494DF}">
+              <a14:hiddenLine xmlns:a14="http://schemas.microsoft.com/office/drawing/2010/main" w="9525">
+                <a:solidFill>
+                  <a:schemeClr val="tx1"/>
+                </a:solidFill>
+                <a:miter lim="800000"/>
+                <a:headEnd/>
+                <a:tailEnd/>
+              </a14:hiddenLine>
+            </a:ext>
+            <a:ext uri="{AF507438-7753-43E0-B8FC-AC1667EBCBE1}">
+              <a14:hiddenEffects xmlns:a14="http://schemas.microsoft.com/office/drawing/2010/main">
+                <a:effectLst>
+                  <a:outerShdw dist="35921" dir="2700000" algn="ctr" rotWithShape="0">
+                    <a:schemeClr val="bg2"/>
+                  </a:outerShdw>
+                </a:effectLst>
+              </a14:hiddenEffects>
+            </a:ext>
+          </a:extLst>
+        </p:spPr>
+      </p:pic>
+      <p:pic>
+        <p:nvPicPr>
+          <p:cNvPr id="4099" name="Picture 3"/>
+          <p:cNvPicPr>
+            <a:picLocks noChangeAspect="1" noChangeArrowheads="1"/>
+          </p:cNvPicPr>
+          <p:nvPr/>
+        </p:nvPicPr>
+        <p:blipFill>
+          <a:blip r:embed="rId3">
+            <a:extLst>
+              <a:ext uri="{28A0092B-C50C-407E-A947-70E740481C1C}">
+                <a14:useLocalDpi xmlns:a14="http://schemas.microsoft.com/office/drawing/2010/main" val="0"/>
+              </a:ext>
+            </a:extLst>
+          </a:blip>
+          <a:srcRect/>
+          <a:stretch>
+            <a:fillRect/>
+          </a:stretch>
+        </p:blipFill>
+        <p:spPr bwMode="auto">
+          <a:xfrm>
+            <a:off x="1043608" y="5085184"/>
+            <a:ext cx="6372225" cy="628650"/>
+          </a:xfrm>
+          <a:prstGeom prst="rect">
+            <a:avLst/>
+          </a:prstGeom>
+          <a:noFill/>
+          <a:ln>
+            <a:noFill/>
+          </a:ln>
+          <a:effectLst/>
+          <a:extLst>
+            <a:ext uri="{909E8E84-426E-40DD-AFC4-6F175D3DCCD1}">
+              <a14:hiddenFill xmlns:a14="http://schemas.microsoft.com/office/drawing/2010/main">
+                <a:solidFill>
+                  <a:schemeClr val="accent1"/>
+                </a:solidFill>
+              </a14:hiddenFill>
+            </a:ext>
+            <a:ext uri="{91240B29-F687-4F45-9708-019B960494DF}">
+              <a14:hiddenLine xmlns:a14="http://schemas.microsoft.com/office/drawing/2010/main" w="9525">
+                <a:solidFill>
+                  <a:schemeClr val="tx1"/>
+                </a:solidFill>
+                <a:miter lim="800000"/>
+                <a:headEnd/>
+                <a:tailEnd/>
+              </a14:hiddenLine>
+            </a:ext>
+            <a:ext uri="{AF507438-7753-43E0-B8FC-AC1667EBCBE1}">
+              <a14:hiddenEffects xmlns:a14="http://schemas.microsoft.com/office/drawing/2010/main">
+                <a:effectLst>
+                  <a:outerShdw dist="35921" dir="2700000" algn="ctr" rotWithShape="0">
+                    <a:schemeClr val="bg2"/>
+                  </a:outerShdw>
+                </a:effectLst>
+              </a14:hiddenEffects>
+            </a:ext>
+          </a:extLst>
+        </p:spPr>
+      </p:pic>
+    </p:spTree>
+    <p:extLst>
+      <p:ext uri="{BB962C8B-B14F-4D97-AF65-F5344CB8AC3E}">
+        <p14:creationId xmlns:p14="http://schemas.microsoft.com/office/powerpoint/2010/main" val="312921611"/>
+      </p:ext>
+    </p:extLst>
+  </p:cSld>
+  <p:clrMapOvr>
+    <a:masterClrMapping/>
+  </p:clrMapOvr>
+  <p:timing>
+    <p:tnLst>
+      <p:par>
+        <p:cTn id="1" dur="indefinite" restart="never" nodeType="tmRoot"/>
+      </p:par>
+    </p:tnLst>
+  </p:timing>
+</p:sld>
+</file>
+
+<file path=ppt/slides/slide19.xml><?xml version="1.0" encoding="utf-8"?>
+<p:sld xmlns:a="http://schemas.openxmlformats.org/drawingml/2006/main" xmlns:r="http://schemas.openxmlformats.org/officeDocument/2006/relationships" xmlns:p="http://schemas.openxmlformats.org/presentationml/2006/main">
+  <p:cSld>
+    <p:spTree>
+      <p:nvGrpSpPr>
+        <p:cNvPr id="1" name=""/>
+        <p:cNvGrpSpPr/>
+        <p:nvPr/>
+      </p:nvGrpSpPr>
+      <p:grpSpPr>
+        <a:xfrm>
+          <a:off x="0" y="0"/>
+          <a:ext cx="0" cy="0"/>
+          <a:chOff x="0" y="0"/>
+          <a:chExt cx="0" cy="0"/>
+        </a:xfrm>
+      </p:grpSpPr>
+      <p:sp>
+        <p:nvSpPr>
+          <p:cNvPr id="2" name="Title 1"/>
+          <p:cNvSpPr>
+            <a:spLocks noGrp="1"/>
+          </p:cNvSpPr>
+          <p:nvPr>
+            <p:ph type="title"/>
+          </p:nvPr>
+        </p:nvSpPr>
+        <p:spPr/>
+        <p:txBody>
+          <a:bodyPr/>
+          <a:lstStyle/>
+          <a:p>
+            <a:r>
+              <a:rPr lang="en-US" dirty="0" err="1" smtClean="0"/>
+              <a:t>git</a:t>
+            </a:r>
+            <a:r>
+              <a:rPr lang="en-US" dirty="0" smtClean="0"/>
+              <a:t> remote -v</a:t>
+            </a:r>
+            <a:endParaRPr lang="en-IN" dirty="0"/>
+          </a:p>
+        </p:txBody>
+      </p:sp>
+      <p:sp>
+        <p:nvSpPr>
+          <p:cNvPr id="3" name="Content Placeholder 2"/>
+          <p:cNvSpPr>
+            <a:spLocks noGrp="1"/>
+          </p:cNvSpPr>
+          <p:nvPr>
+            <p:ph idx="1"/>
+          </p:nvPr>
+        </p:nvSpPr>
+        <p:spPr>
+          <a:xfrm>
+            <a:off x="457200" y="1600201"/>
+            <a:ext cx="8219256" cy="1252736"/>
+          </a:xfrm>
+        </p:spPr>
+        <p:txBody>
+          <a:bodyPr/>
+          <a:lstStyle/>
+          <a:p>
+            <a:r>
+              <a:rPr lang="en-US" dirty="0" smtClean="0"/>
+              <a:t>This will show details of remote repository</a:t>
+            </a:r>
+            <a:endParaRPr lang="en-IN" dirty="0"/>
+          </a:p>
+        </p:txBody>
+      </p:sp>
+      <p:pic>
+        <p:nvPicPr>
+          <p:cNvPr id="5122" name="Picture 2"/>
+          <p:cNvPicPr>
+            <a:picLocks noChangeAspect="1" noChangeArrowheads="1"/>
+          </p:cNvPicPr>
+          <p:nvPr/>
+        </p:nvPicPr>
+        <p:blipFill>
+          <a:blip r:embed="rId2">
+            <a:extLst>
+              <a:ext uri="{28A0092B-C50C-407E-A947-70E740481C1C}">
+                <a14:useLocalDpi xmlns:a14="http://schemas.microsoft.com/office/drawing/2010/main" val="0"/>
+              </a:ext>
+            </a:extLst>
+          </a:blip>
+          <a:srcRect/>
+          <a:stretch>
+            <a:fillRect/>
+          </a:stretch>
+        </p:blipFill>
+        <p:spPr bwMode="auto">
+          <a:xfrm>
+            <a:off x="467544" y="3143250"/>
+            <a:ext cx="8431414" cy="861814"/>
+          </a:xfrm>
+          <a:prstGeom prst="rect">
+            <a:avLst/>
+          </a:prstGeom>
+          <a:noFill/>
+          <a:ln>
+            <a:noFill/>
+          </a:ln>
+          <a:effectLst/>
+          <a:extLst>
+            <a:ext uri="{909E8E84-426E-40DD-AFC4-6F175D3DCCD1}">
+              <a14:hiddenFill xmlns:a14="http://schemas.microsoft.com/office/drawing/2010/main">
+                <a:solidFill>
+                  <a:schemeClr val="accent1"/>
+                </a:solidFill>
+              </a14:hiddenFill>
+            </a:ext>
+            <a:ext uri="{91240B29-F687-4F45-9708-019B960494DF}">
+              <a14:hiddenLine xmlns:a14="http://schemas.microsoft.com/office/drawing/2010/main" w="9525">
+                <a:solidFill>
+                  <a:schemeClr val="tx1"/>
+                </a:solidFill>
+                <a:miter lim="800000"/>
+                <a:headEnd/>
+                <a:tailEnd/>
+              </a14:hiddenLine>
+            </a:ext>
+            <a:ext uri="{AF507438-7753-43E0-B8FC-AC1667EBCBE1}">
+              <a14:hiddenEffects xmlns:a14="http://schemas.microsoft.com/office/drawing/2010/main">
+                <a:effectLst>
+                  <a:outerShdw dist="35921" dir="2700000" algn="ctr" rotWithShape="0">
+                    <a:schemeClr val="bg2"/>
+                  </a:outerShdw>
+                </a:effectLst>
+              </a14:hiddenEffects>
+            </a:ext>
+          </a:extLst>
+        </p:spPr>
+      </p:pic>
+    </p:spTree>
+    <p:extLst>
+      <p:ext uri="{BB962C8B-B14F-4D97-AF65-F5344CB8AC3E}">
+        <p14:creationId xmlns:p14="http://schemas.microsoft.com/office/powerpoint/2010/main" val="1578882247"/>
+      </p:ext>
+    </p:extLst>
+  </p:cSld>
+  <p:clrMapOvr>
+    <a:masterClrMapping/>
+  </p:clrMapOvr>
+  <p:timing>
+    <p:tnLst>
+      <p:par>
+        <p:cTn id="1" dur="indefinite" restart="never" nodeType="tmRoot"/>
+      </p:par>
+    </p:tnLst>
+  </p:timing>
 </p:sld>
 </file>
 
@@ -4685,6 +6703,2457 @@
   <p:clrMapOvr>
     <a:masterClrMapping/>
   </p:clrMapOvr>
+  <p:timing>
+    <p:tnLst>
+      <p:par>
+        <p:cTn id="1" dur="indefinite" restart="never" nodeType="tmRoot"/>
+      </p:par>
+    </p:tnLst>
+  </p:timing>
+</p:sld>
+</file>
+
+<file path=ppt/slides/slide20.xml><?xml version="1.0" encoding="utf-8"?>
+<p:sld xmlns:a="http://schemas.openxmlformats.org/drawingml/2006/main" xmlns:r="http://schemas.openxmlformats.org/officeDocument/2006/relationships" xmlns:p="http://schemas.openxmlformats.org/presentationml/2006/main">
+  <p:cSld>
+    <p:spTree>
+      <p:nvGrpSpPr>
+        <p:cNvPr id="1" name=""/>
+        <p:cNvGrpSpPr/>
+        <p:nvPr/>
+      </p:nvGrpSpPr>
+      <p:grpSpPr>
+        <a:xfrm>
+          <a:off x="0" y="0"/>
+          <a:ext cx="0" cy="0"/>
+          <a:chOff x="0" y="0"/>
+          <a:chExt cx="0" cy="0"/>
+        </a:xfrm>
+      </p:grpSpPr>
+      <p:sp>
+        <p:nvSpPr>
+          <p:cNvPr id="2" name="Title 1"/>
+          <p:cNvSpPr>
+            <a:spLocks noGrp="1"/>
+          </p:cNvSpPr>
+          <p:nvPr>
+            <p:ph type="title"/>
+          </p:nvPr>
+        </p:nvSpPr>
+        <p:spPr/>
+        <p:txBody>
+          <a:bodyPr/>
+          <a:lstStyle/>
+          <a:p>
+            <a:r>
+              <a:rPr lang="en-US" dirty="0" err="1" smtClean="0"/>
+              <a:t>git</a:t>
+            </a:r>
+            <a:r>
+              <a:rPr lang="en-US" dirty="0" smtClean="0"/>
+              <a:t> branch -a</a:t>
+            </a:r>
+            <a:endParaRPr lang="en-IN" dirty="0"/>
+          </a:p>
+        </p:txBody>
+      </p:sp>
+      <p:sp>
+        <p:nvSpPr>
+          <p:cNvPr id="3" name="Content Placeholder 2"/>
+          <p:cNvSpPr>
+            <a:spLocks noGrp="1"/>
+          </p:cNvSpPr>
+          <p:nvPr>
+            <p:ph idx="1"/>
+          </p:nvPr>
+        </p:nvSpPr>
+        <p:spPr>
+          <a:xfrm>
+            <a:off x="457200" y="1600201"/>
+            <a:ext cx="8219256" cy="1252736"/>
+          </a:xfrm>
+        </p:spPr>
+        <p:txBody>
+          <a:bodyPr/>
+          <a:lstStyle/>
+          <a:p>
+            <a:endParaRPr lang="en-IN" dirty="0"/>
+          </a:p>
+        </p:txBody>
+      </p:sp>
+    </p:spTree>
+    <p:extLst>
+      <p:ext uri="{BB962C8B-B14F-4D97-AF65-F5344CB8AC3E}">
+        <p14:creationId xmlns:p14="http://schemas.microsoft.com/office/powerpoint/2010/main" val="1710497520"/>
+      </p:ext>
+    </p:extLst>
+  </p:cSld>
+  <p:clrMapOvr>
+    <a:masterClrMapping/>
+  </p:clrMapOvr>
+  <p:timing>
+    <p:tnLst>
+      <p:par>
+        <p:cTn id="1" dur="indefinite" restart="never" nodeType="tmRoot"/>
+      </p:par>
+    </p:tnLst>
+  </p:timing>
+</p:sld>
+</file>
+
+<file path=ppt/slides/slide21.xml><?xml version="1.0" encoding="utf-8"?>
+<p:sld xmlns:a="http://schemas.openxmlformats.org/drawingml/2006/main" xmlns:r="http://schemas.openxmlformats.org/officeDocument/2006/relationships" xmlns:p="http://schemas.openxmlformats.org/presentationml/2006/main">
+  <p:cSld>
+    <p:spTree>
+      <p:nvGrpSpPr>
+        <p:cNvPr id="1" name=""/>
+        <p:cNvGrpSpPr/>
+        <p:nvPr/>
+      </p:nvGrpSpPr>
+      <p:grpSpPr>
+        <a:xfrm>
+          <a:off x="0" y="0"/>
+          <a:ext cx="0" cy="0"/>
+          <a:chOff x="0" y="0"/>
+          <a:chExt cx="0" cy="0"/>
+        </a:xfrm>
+      </p:grpSpPr>
+      <p:sp>
+        <p:nvSpPr>
+          <p:cNvPr id="2" name="Title 1"/>
+          <p:cNvSpPr>
+            <a:spLocks noGrp="1"/>
+          </p:cNvSpPr>
+          <p:nvPr>
+            <p:ph type="title"/>
+          </p:nvPr>
+        </p:nvSpPr>
+        <p:spPr/>
+        <p:txBody>
+          <a:bodyPr/>
+          <a:lstStyle/>
+          <a:p>
+            <a:r>
+              <a:rPr lang="en-US" dirty="0" smtClean="0"/>
+              <a:t>push changes to repo</a:t>
+            </a:r>
+            <a:endParaRPr lang="en-IN" dirty="0"/>
+          </a:p>
+        </p:txBody>
+      </p:sp>
+      <p:sp>
+        <p:nvSpPr>
+          <p:cNvPr id="3" name="Content Placeholder 2"/>
+          <p:cNvSpPr>
+            <a:spLocks noGrp="1"/>
+          </p:cNvSpPr>
+          <p:nvPr>
+            <p:ph idx="1"/>
+          </p:nvPr>
+        </p:nvSpPr>
+        <p:spPr>
+          <a:xfrm>
+            <a:off x="457200" y="1600201"/>
+            <a:ext cx="8219256" cy="1252736"/>
+          </a:xfrm>
+        </p:spPr>
+        <p:txBody>
+          <a:bodyPr/>
+          <a:lstStyle/>
+          <a:p>
+            <a:r>
+              <a:rPr lang="en-US" dirty="0" err="1" smtClean="0"/>
+              <a:t>git</a:t>
+            </a:r>
+            <a:r>
+              <a:rPr lang="en-US" dirty="0" smtClean="0"/>
+              <a:t> add calc.py</a:t>
+            </a:r>
+          </a:p>
+        </p:txBody>
+      </p:sp>
+      <p:pic>
+        <p:nvPicPr>
+          <p:cNvPr id="6146" name="Picture 2"/>
+          <p:cNvPicPr>
+            <a:picLocks noChangeAspect="1" noChangeArrowheads="1"/>
+          </p:cNvPicPr>
+          <p:nvPr/>
+        </p:nvPicPr>
+        <p:blipFill>
+          <a:blip r:embed="rId2">
+            <a:extLst>
+              <a:ext uri="{28A0092B-C50C-407E-A947-70E740481C1C}">
+                <a14:useLocalDpi xmlns:a14="http://schemas.microsoft.com/office/drawing/2010/main" val="0"/>
+              </a:ext>
+            </a:extLst>
+          </a:blip>
+          <a:srcRect/>
+          <a:stretch>
+            <a:fillRect/>
+          </a:stretch>
+        </p:blipFill>
+        <p:spPr bwMode="auto">
+          <a:xfrm>
+            <a:off x="827584" y="2348880"/>
+            <a:ext cx="6840760" cy="1635050"/>
+          </a:xfrm>
+          <a:prstGeom prst="rect">
+            <a:avLst/>
+          </a:prstGeom>
+          <a:noFill/>
+          <a:ln>
+            <a:noFill/>
+          </a:ln>
+          <a:effectLst/>
+          <a:extLst>
+            <a:ext uri="{909E8E84-426E-40DD-AFC4-6F175D3DCCD1}">
+              <a14:hiddenFill xmlns:a14="http://schemas.microsoft.com/office/drawing/2010/main">
+                <a:solidFill>
+                  <a:schemeClr val="accent1"/>
+                </a:solidFill>
+              </a14:hiddenFill>
+            </a:ext>
+            <a:ext uri="{91240B29-F687-4F45-9708-019B960494DF}">
+              <a14:hiddenLine xmlns:a14="http://schemas.microsoft.com/office/drawing/2010/main" w="9525">
+                <a:solidFill>
+                  <a:schemeClr val="tx1"/>
+                </a:solidFill>
+                <a:miter lim="800000"/>
+                <a:headEnd/>
+                <a:tailEnd/>
+              </a14:hiddenLine>
+            </a:ext>
+            <a:ext uri="{AF507438-7753-43E0-B8FC-AC1667EBCBE1}">
+              <a14:hiddenEffects xmlns:a14="http://schemas.microsoft.com/office/drawing/2010/main">
+                <a:effectLst>
+                  <a:outerShdw dist="35921" dir="2700000" algn="ctr" rotWithShape="0">
+                    <a:schemeClr val="bg2"/>
+                  </a:outerShdw>
+                </a:effectLst>
+              </a14:hiddenEffects>
+            </a:ext>
+          </a:extLst>
+        </p:spPr>
+      </p:pic>
+      <p:pic>
+        <p:nvPicPr>
+          <p:cNvPr id="6147" name="Picture 3"/>
+          <p:cNvPicPr>
+            <a:picLocks noChangeAspect="1" noChangeArrowheads="1"/>
+          </p:cNvPicPr>
+          <p:nvPr/>
+        </p:nvPicPr>
+        <p:blipFill>
+          <a:blip r:embed="rId3">
+            <a:extLst>
+              <a:ext uri="{28A0092B-C50C-407E-A947-70E740481C1C}">
+                <a14:useLocalDpi xmlns:a14="http://schemas.microsoft.com/office/drawing/2010/main" val="0"/>
+              </a:ext>
+            </a:extLst>
+          </a:blip>
+          <a:srcRect/>
+          <a:stretch>
+            <a:fillRect/>
+          </a:stretch>
+        </p:blipFill>
+        <p:spPr bwMode="auto">
+          <a:xfrm>
+            <a:off x="827584" y="4346258"/>
+            <a:ext cx="6076950" cy="1895475"/>
+          </a:xfrm>
+          <a:prstGeom prst="rect">
+            <a:avLst/>
+          </a:prstGeom>
+          <a:noFill/>
+          <a:ln>
+            <a:noFill/>
+          </a:ln>
+          <a:effectLst/>
+          <a:extLst>
+            <a:ext uri="{909E8E84-426E-40DD-AFC4-6F175D3DCCD1}">
+              <a14:hiddenFill xmlns:a14="http://schemas.microsoft.com/office/drawing/2010/main">
+                <a:solidFill>
+                  <a:schemeClr val="accent1"/>
+                </a:solidFill>
+              </a14:hiddenFill>
+            </a:ext>
+            <a:ext uri="{91240B29-F687-4F45-9708-019B960494DF}">
+              <a14:hiddenLine xmlns:a14="http://schemas.microsoft.com/office/drawing/2010/main" w="9525">
+                <a:solidFill>
+                  <a:schemeClr val="tx1"/>
+                </a:solidFill>
+                <a:miter lim="800000"/>
+                <a:headEnd/>
+                <a:tailEnd/>
+              </a14:hiddenLine>
+            </a:ext>
+            <a:ext uri="{AF507438-7753-43E0-B8FC-AC1667EBCBE1}">
+              <a14:hiddenEffects xmlns:a14="http://schemas.microsoft.com/office/drawing/2010/main">
+                <a:effectLst>
+                  <a:outerShdw dist="35921" dir="2700000" algn="ctr" rotWithShape="0">
+                    <a:schemeClr val="bg2"/>
+                  </a:outerShdw>
+                </a:effectLst>
+              </a14:hiddenEffects>
+            </a:ext>
+          </a:extLst>
+        </p:spPr>
+      </p:pic>
+    </p:spTree>
+    <p:extLst>
+      <p:ext uri="{BB962C8B-B14F-4D97-AF65-F5344CB8AC3E}">
+        <p14:creationId xmlns:p14="http://schemas.microsoft.com/office/powerpoint/2010/main" val="2144551613"/>
+      </p:ext>
+    </p:extLst>
+  </p:cSld>
+  <p:clrMapOvr>
+    <a:masterClrMapping/>
+  </p:clrMapOvr>
+  <p:timing>
+    <p:tnLst>
+      <p:par>
+        <p:cTn id="1" dur="indefinite" restart="never" nodeType="tmRoot"/>
+      </p:par>
+    </p:tnLst>
+  </p:timing>
+</p:sld>
+</file>
+
+<file path=ppt/slides/slide22.xml><?xml version="1.0" encoding="utf-8"?>
+<p:sld xmlns:a="http://schemas.openxmlformats.org/drawingml/2006/main" xmlns:r="http://schemas.openxmlformats.org/officeDocument/2006/relationships" xmlns:p="http://schemas.openxmlformats.org/presentationml/2006/main">
+  <p:cSld>
+    <p:spTree>
+      <p:nvGrpSpPr>
+        <p:cNvPr id="1" name=""/>
+        <p:cNvGrpSpPr/>
+        <p:nvPr/>
+      </p:nvGrpSpPr>
+      <p:grpSpPr>
+        <a:xfrm>
+          <a:off x="0" y="0"/>
+          <a:ext cx="0" cy="0"/>
+          <a:chOff x="0" y="0"/>
+          <a:chExt cx="0" cy="0"/>
+        </a:xfrm>
+      </p:grpSpPr>
+      <p:sp>
+        <p:nvSpPr>
+          <p:cNvPr id="2" name="Title 1"/>
+          <p:cNvSpPr>
+            <a:spLocks noGrp="1"/>
+          </p:cNvSpPr>
+          <p:nvPr>
+            <p:ph type="title"/>
+          </p:nvPr>
+        </p:nvSpPr>
+        <p:spPr/>
+        <p:txBody>
+          <a:bodyPr/>
+          <a:lstStyle/>
+          <a:p>
+            <a:r>
+              <a:rPr lang="en-US" dirty="0" err="1" smtClean="0"/>
+              <a:t>git</a:t>
+            </a:r>
+            <a:r>
+              <a:rPr lang="en-US" dirty="0" smtClean="0"/>
+              <a:t> diff</a:t>
+            </a:r>
+            <a:endParaRPr lang="en-IN" dirty="0"/>
+          </a:p>
+        </p:txBody>
+      </p:sp>
+      <p:sp>
+        <p:nvSpPr>
+          <p:cNvPr id="3" name="Content Placeholder 2"/>
+          <p:cNvSpPr>
+            <a:spLocks noGrp="1"/>
+          </p:cNvSpPr>
+          <p:nvPr>
+            <p:ph idx="1"/>
+          </p:nvPr>
+        </p:nvSpPr>
+        <p:spPr>
+          <a:xfrm>
+            <a:off x="457200" y="1600201"/>
+            <a:ext cx="8219256" cy="1252736"/>
+          </a:xfrm>
+        </p:spPr>
+        <p:txBody>
+          <a:bodyPr/>
+          <a:lstStyle/>
+          <a:p>
+            <a:r>
+              <a:rPr lang="en-US" dirty="0" smtClean="0"/>
+              <a:t>This will show the diff between the remote repo </a:t>
+            </a:r>
+          </a:p>
+        </p:txBody>
+      </p:sp>
+      <p:pic>
+        <p:nvPicPr>
+          <p:cNvPr id="7170" name="Picture 2"/>
+          <p:cNvPicPr>
+            <a:picLocks noChangeAspect="1" noChangeArrowheads="1"/>
+          </p:cNvPicPr>
+          <p:nvPr/>
+        </p:nvPicPr>
+        <p:blipFill>
+          <a:blip r:embed="rId2">
+            <a:extLst>
+              <a:ext uri="{28A0092B-C50C-407E-A947-70E740481C1C}">
+                <a14:useLocalDpi xmlns:a14="http://schemas.microsoft.com/office/drawing/2010/main" val="0"/>
+              </a:ext>
+            </a:extLst>
+          </a:blip>
+          <a:srcRect/>
+          <a:stretch>
+            <a:fillRect/>
+          </a:stretch>
+        </p:blipFill>
+        <p:spPr bwMode="auto">
+          <a:xfrm>
+            <a:off x="899592" y="2708920"/>
+            <a:ext cx="6663992" cy="1992871"/>
+          </a:xfrm>
+          <a:prstGeom prst="rect">
+            <a:avLst/>
+          </a:prstGeom>
+          <a:noFill/>
+          <a:ln>
+            <a:noFill/>
+          </a:ln>
+          <a:effectLst/>
+          <a:extLst>
+            <a:ext uri="{909E8E84-426E-40DD-AFC4-6F175D3DCCD1}">
+              <a14:hiddenFill xmlns:a14="http://schemas.microsoft.com/office/drawing/2010/main">
+                <a:solidFill>
+                  <a:schemeClr val="accent1"/>
+                </a:solidFill>
+              </a14:hiddenFill>
+            </a:ext>
+            <a:ext uri="{91240B29-F687-4F45-9708-019B960494DF}">
+              <a14:hiddenLine xmlns:a14="http://schemas.microsoft.com/office/drawing/2010/main" w="9525">
+                <a:solidFill>
+                  <a:schemeClr val="tx1"/>
+                </a:solidFill>
+                <a:miter lim="800000"/>
+                <a:headEnd/>
+                <a:tailEnd/>
+              </a14:hiddenLine>
+            </a:ext>
+            <a:ext uri="{AF507438-7753-43E0-B8FC-AC1667EBCBE1}">
+              <a14:hiddenEffects xmlns:a14="http://schemas.microsoft.com/office/drawing/2010/main">
+                <a:effectLst>
+                  <a:outerShdw dist="35921" dir="2700000" algn="ctr" rotWithShape="0">
+                    <a:schemeClr val="bg2"/>
+                  </a:outerShdw>
+                </a:effectLst>
+              </a14:hiddenEffects>
+            </a:ext>
+          </a:extLst>
+        </p:spPr>
+      </p:pic>
+      <p:sp>
+        <p:nvSpPr>
+          <p:cNvPr id="7" name="Content Placeholder 2"/>
+          <p:cNvSpPr txBox="1">
+            <a:spLocks/>
+          </p:cNvSpPr>
+          <p:nvPr/>
+        </p:nvSpPr>
+        <p:spPr>
+          <a:xfrm>
+            <a:off x="609600" y="4998208"/>
+            <a:ext cx="8219256" cy="1252736"/>
+          </a:xfrm>
+          <a:prstGeom prst="rect">
+            <a:avLst/>
+          </a:prstGeom>
+        </p:spPr>
+        <p:txBody>
+          <a:bodyPr vert="horz" lIns="91440" tIns="45720" rIns="91440" bIns="45720" rtlCol="0">
+            <a:normAutofit/>
+          </a:bodyPr>
+          <a:lstStyle>
+            <a:lvl1pPr marL="342900" indent="-342900" algn="l" defTabSz="914400" rtl="0" eaLnBrk="1" latinLnBrk="0" hangingPunct="1">
+              <a:spcBef>
+                <a:spcPct val="20000"/>
+              </a:spcBef>
+              <a:buFont typeface="Arial" pitchFamily="34" charset="0"/>
+              <a:buChar char="•"/>
+              <a:defRPr sz="3200" kern="1200">
+                <a:solidFill>
+                  <a:schemeClr val="tx1"/>
+                </a:solidFill>
+                <a:latin typeface="+mn-lt"/>
+                <a:ea typeface="+mn-ea"/>
+                <a:cs typeface="+mn-cs"/>
+              </a:defRPr>
+            </a:lvl1pPr>
+            <a:lvl2pPr marL="742950" indent="-285750" algn="l" defTabSz="914400" rtl="0" eaLnBrk="1" latinLnBrk="0" hangingPunct="1">
+              <a:spcBef>
+                <a:spcPct val="20000"/>
+              </a:spcBef>
+              <a:buFont typeface="Arial" pitchFamily="34" charset="0"/>
+              <a:buChar char="–"/>
+              <a:defRPr sz="2800" kern="1200">
+                <a:solidFill>
+                  <a:schemeClr val="tx1"/>
+                </a:solidFill>
+                <a:latin typeface="+mn-lt"/>
+                <a:ea typeface="+mn-ea"/>
+                <a:cs typeface="+mn-cs"/>
+              </a:defRPr>
+            </a:lvl2pPr>
+            <a:lvl3pPr marL="1143000" indent="-228600" algn="l" defTabSz="914400" rtl="0" eaLnBrk="1" latinLnBrk="0" hangingPunct="1">
+              <a:spcBef>
+                <a:spcPct val="20000"/>
+              </a:spcBef>
+              <a:buFont typeface="Arial" pitchFamily="34" charset="0"/>
+              <a:buChar char="•"/>
+              <a:defRPr sz="2400" kern="1200">
+                <a:solidFill>
+                  <a:schemeClr val="tx1"/>
+                </a:solidFill>
+                <a:latin typeface="+mn-lt"/>
+                <a:ea typeface="+mn-ea"/>
+                <a:cs typeface="+mn-cs"/>
+              </a:defRPr>
+            </a:lvl3pPr>
+            <a:lvl4pPr marL="1600200" indent="-228600" algn="l" defTabSz="914400" rtl="0" eaLnBrk="1" latinLnBrk="0" hangingPunct="1">
+              <a:spcBef>
+                <a:spcPct val="20000"/>
+              </a:spcBef>
+              <a:buFont typeface="Arial" pitchFamily="34" charset="0"/>
+              <a:buChar char="–"/>
+              <a:defRPr sz="2000" kern="1200">
+                <a:solidFill>
+                  <a:schemeClr val="tx1"/>
+                </a:solidFill>
+                <a:latin typeface="+mn-lt"/>
+                <a:ea typeface="+mn-ea"/>
+                <a:cs typeface="+mn-cs"/>
+              </a:defRPr>
+            </a:lvl4pPr>
+            <a:lvl5pPr marL="2057400" indent="-228600" algn="l" defTabSz="914400" rtl="0" eaLnBrk="1" latinLnBrk="0" hangingPunct="1">
+              <a:spcBef>
+                <a:spcPct val="20000"/>
+              </a:spcBef>
+              <a:buFont typeface="Arial" pitchFamily="34" charset="0"/>
+              <a:buChar char="»"/>
+              <a:defRPr sz="2000" kern="1200">
+                <a:solidFill>
+                  <a:schemeClr val="tx1"/>
+                </a:solidFill>
+                <a:latin typeface="+mn-lt"/>
+                <a:ea typeface="+mn-ea"/>
+                <a:cs typeface="+mn-cs"/>
+              </a:defRPr>
+            </a:lvl5pPr>
+            <a:lvl6pPr marL="2514600" indent="-228600" algn="l" defTabSz="914400" rtl="0" eaLnBrk="1" latinLnBrk="0" hangingPunct="1">
+              <a:spcBef>
+                <a:spcPct val="20000"/>
+              </a:spcBef>
+              <a:buFont typeface="Arial" pitchFamily="34" charset="0"/>
+              <a:buChar char="•"/>
+              <a:defRPr sz="2000" kern="1200">
+                <a:solidFill>
+                  <a:schemeClr val="tx1"/>
+                </a:solidFill>
+                <a:latin typeface="+mn-lt"/>
+                <a:ea typeface="+mn-ea"/>
+                <a:cs typeface="+mn-cs"/>
+              </a:defRPr>
+            </a:lvl6pPr>
+            <a:lvl7pPr marL="2971800" indent="-228600" algn="l" defTabSz="914400" rtl="0" eaLnBrk="1" latinLnBrk="0" hangingPunct="1">
+              <a:spcBef>
+                <a:spcPct val="20000"/>
+              </a:spcBef>
+              <a:buFont typeface="Arial" pitchFamily="34" charset="0"/>
+              <a:buChar char="•"/>
+              <a:defRPr sz="2000" kern="1200">
+                <a:solidFill>
+                  <a:schemeClr val="tx1"/>
+                </a:solidFill>
+                <a:latin typeface="+mn-lt"/>
+                <a:ea typeface="+mn-ea"/>
+                <a:cs typeface="+mn-cs"/>
+              </a:defRPr>
+            </a:lvl7pPr>
+            <a:lvl8pPr marL="3429000" indent="-228600" algn="l" defTabSz="914400" rtl="0" eaLnBrk="1" latinLnBrk="0" hangingPunct="1">
+              <a:spcBef>
+                <a:spcPct val="20000"/>
+              </a:spcBef>
+              <a:buFont typeface="Arial" pitchFamily="34" charset="0"/>
+              <a:buChar char="•"/>
+              <a:defRPr sz="2000" kern="1200">
+                <a:solidFill>
+                  <a:schemeClr val="tx1"/>
+                </a:solidFill>
+                <a:latin typeface="+mn-lt"/>
+                <a:ea typeface="+mn-ea"/>
+                <a:cs typeface="+mn-cs"/>
+              </a:defRPr>
+            </a:lvl8pPr>
+            <a:lvl9pPr marL="3886200" indent="-228600" algn="l" defTabSz="914400" rtl="0" eaLnBrk="1" latinLnBrk="0" hangingPunct="1">
+              <a:spcBef>
+                <a:spcPct val="20000"/>
+              </a:spcBef>
+              <a:buFont typeface="Arial" pitchFamily="34" charset="0"/>
+              <a:buChar char="•"/>
+              <a:defRPr sz="2000" kern="1200">
+                <a:solidFill>
+                  <a:schemeClr val="tx1"/>
+                </a:solidFill>
+                <a:latin typeface="+mn-lt"/>
+                <a:ea typeface="+mn-ea"/>
+                <a:cs typeface="+mn-cs"/>
+              </a:defRPr>
+            </a:lvl9pPr>
+          </a:lstStyle>
+          <a:p>
+            <a:r>
+              <a:rPr lang="en-US" dirty="0" smtClean="0"/>
+              <a:t>Commit the diff with following</a:t>
+            </a:r>
+          </a:p>
+          <a:p>
+            <a:pPr marL="0" indent="0">
+              <a:buNone/>
+            </a:pPr>
+            <a:endParaRPr lang="en-US" dirty="0" smtClean="0"/>
+          </a:p>
+        </p:txBody>
+      </p:sp>
+      <p:pic>
+        <p:nvPicPr>
+          <p:cNvPr id="7171" name="Picture 3"/>
+          <p:cNvPicPr>
+            <a:picLocks noChangeAspect="1" noChangeArrowheads="1"/>
+          </p:cNvPicPr>
+          <p:nvPr/>
+        </p:nvPicPr>
+        <p:blipFill>
+          <a:blip r:embed="rId3">
+            <a:extLst>
+              <a:ext uri="{28A0092B-C50C-407E-A947-70E740481C1C}">
+                <a14:useLocalDpi xmlns:a14="http://schemas.microsoft.com/office/drawing/2010/main" val="0"/>
+              </a:ext>
+            </a:extLst>
+          </a:blip>
+          <a:srcRect/>
+          <a:stretch>
+            <a:fillRect/>
+          </a:stretch>
+        </p:blipFill>
+        <p:spPr bwMode="auto">
+          <a:xfrm>
+            <a:off x="899592" y="5555618"/>
+            <a:ext cx="8017966" cy="897717"/>
+          </a:xfrm>
+          <a:prstGeom prst="rect">
+            <a:avLst/>
+          </a:prstGeom>
+          <a:noFill/>
+          <a:ln>
+            <a:noFill/>
+          </a:ln>
+          <a:effectLst/>
+          <a:extLst>
+            <a:ext uri="{909E8E84-426E-40DD-AFC4-6F175D3DCCD1}">
+              <a14:hiddenFill xmlns:a14="http://schemas.microsoft.com/office/drawing/2010/main">
+                <a:solidFill>
+                  <a:schemeClr val="accent1"/>
+                </a:solidFill>
+              </a14:hiddenFill>
+            </a:ext>
+            <a:ext uri="{91240B29-F687-4F45-9708-019B960494DF}">
+              <a14:hiddenLine xmlns:a14="http://schemas.microsoft.com/office/drawing/2010/main" w="9525">
+                <a:solidFill>
+                  <a:schemeClr val="tx1"/>
+                </a:solidFill>
+                <a:miter lim="800000"/>
+                <a:headEnd/>
+                <a:tailEnd/>
+              </a14:hiddenLine>
+            </a:ext>
+            <a:ext uri="{AF507438-7753-43E0-B8FC-AC1667EBCBE1}">
+              <a14:hiddenEffects xmlns:a14="http://schemas.microsoft.com/office/drawing/2010/main">
+                <a:effectLst>
+                  <a:outerShdw dist="35921" dir="2700000" algn="ctr" rotWithShape="0">
+                    <a:schemeClr val="bg2"/>
+                  </a:outerShdw>
+                </a:effectLst>
+              </a14:hiddenEffects>
+            </a:ext>
+          </a:extLst>
+        </p:spPr>
+      </p:pic>
+    </p:spTree>
+    <p:extLst>
+      <p:ext uri="{BB962C8B-B14F-4D97-AF65-F5344CB8AC3E}">
+        <p14:creationId xmlns:p14="http://schemas.microsoft.com/office/powerpoint/2010/main" val="163319874"/>
+      </p:ext>
+    </p:extLst>
+  </p:cSld>
+  <p:clrMapOvr>
+    <a:masterClrMapping/>
+  </p:clrMapOvr>
+  <p:timing>
+    <p:tnLst>
+      <p:par>
+        <p:cTn id="1" dur="indefinite" restart="never" nodeType="tmRoot"/>
+      </p:par>
+    </p:tnLst>
+  </p:timing>
+</p:sld>
+</file>
+
+<file path=ppt/slides/slide23.xml><?xml version="1.0" encoding="utf-8"?>
+<p:sld xmlns:a="http://schemas.openxmlformats.org/drawingml/2006/main" xmlns:r="http://schemas.openxmlformats.org/officeDocument/2006/relationships" xmlns:p="http://schemas.openxmlformats.org/presentationml/2006/main">
+  <p:cSld>
+    <p:spTree>
+      <p:nvGrpSpPr>
+        <p:cNvPr id="1" name=""/>
+        <p:cNvGrpSpPr/>
+        <p:nvPr/>
+      </p:nvGrpSpPr>
+      <p:grpSpPr>
+        <a:xfrm>
+          <a:off x="0" y="0"/>
+          <a:ext cx="0" cy="0"/>
+          <a:chOff x="0" y="0"/>
+          <a:chExt cx="0" cy="0"/>
+        </a:xfrm>
+      </p:grpSpPr>
+      <p:sp>
+        <p:nvSpPr>
+          <p:cNvPr id="2" name="Title 1"/>
+          <p:cNvSpPr>
+            <a:spLocks noGrp="1"/>
+          </p:cNvSpPr>
+          <p:nvPr>
+            <p:ph type="title"/>
+          </p:nvPr>
+        </p:nvSpPr>
+        <p:spPr/>
+        <p:txBody>
+          <a:bodyPr/>
+          <a:lstStyle/>
+          <a:p>
+            <a:r>
+              <a:rPr lang="en-US" dirty="0" err="1" smtClean="0"/>
+              <a:t>git</a:t>
+            </a:r>
+            <a:r>
+              <a:rPr lang="en-US" dirty="0" smtClean="0"/>
+              <a:t> pull &amp; </a:t>
+            </a:r>
+            <a:r>
+              <a:rPr lang="en-US" dirty="0" err="1" smtClean="0"/>
+              <a:t>git</a:t>
+            </a:r>
+            <a:r>
+              <a:rPr lang="en-US" dirty="0" smtClean="0"/>
+              <a:t> push</a:t>
+            </a:r>
+            <a:endParaRPr lang="en-IN" dirty="0"/>
+          </a:p>
+        </p:txBody>
+      </p:sp>
+      <p:sp>
+        <p:nvSpPr>
+          <p:cNvPr id="3" name="Content Placeholder 2"/>
+          <p:cNvSpPr>
+            <a:spLocks noGrp="1"/>
+          </p:cNvSpPr>
+          <p:nvPr>
+            <p:ph idx="1"/>
+          </p:nvPr>
+        </p:nvSpPr>
+        <p:spPr>
+          <a:xfrm>
+            <a:off x="457200" y="1600201"/>
+            <a:ext cx="8219256" cy="1252736"/>
+          </a:xfrm>
+        </p:spPr>
+        <p:txBody>
+          <a:bodyPr>
+            <a:normAutofit fontScale="85000" lnSpcReduction="20000"/>
+          </a:bodyPr>
+          <a:lstStyle/>
+          <a:p>
+            <a:r>
+              <a:rPr lang="en-US" dirty="0" err="1" smtClean="0"/>
+              <a:t>git</a:t>
+            </a:r>
+            <a:r>
+              <a:rPr lang="en-US" dirty="0" smtClean="0"/>
+              <a:t> pull </a:t>
+            </a:r>
+            <a:r>
+              <a:rPr lang="en-US" i="1" dirty="0" smtClean="0"/>
+              <a:t>origin master</a:t>
+            </a:r>
+          </a:p>
+          <a:p>
+            <a:r>
+              <a:rPr lang="en-US" dirty="0" err="1" smtClean="0"/>
+              <a:t>git</a:t>
+            </a:r>
+            <a:r>
+              <a:rPr lang="en-US" dirty="0" smtClean="0"/>
+              <a:t> push </a:t>
+            </a:r>
+          </a:p>
+          <a:p>
+            <a:r>
+              <a:rPr lang="en-US" dirty="0" smtClean="0"/>
+              <a:t>(will push all the files to the </a:t>
+            </a:r>
+            <a:r>
+              <a:rPr lang="en-US" dirty="0" err="1" smtClean="0"/>
+              <a:t>git</a:t>
+            </a:r>
+            <a:r>
+              <a:rPr lang="en-US" dirty="0" smtClean="0"/>
+              <a:t> repo)</a:t>
+            </a:r>
+          </a:p>
+          <a:p>
+            <a:endParaRPr lang="en-US" dirty="0" smtClean="0"/>
+          </a:p>
+          <a:p>
+            <a:endParaRPr lang="en-US" dirty="0" smtClean="0"/>
+          </a:p>
+        </p:txBody>
+      </p:sp>
+      <p:sp>
+        <p:nvSpPr>
+          <p:cNvPr id="7" name="Content Placeholder 2"/>
+          <p:cNvSpPr txBox="1">
+            <a:spLocks/>
+          </p:cNvSpPr>
+          <p:nvPr/>
+        </p:nvSpPr>
+        <p:spPr>
+          <a:xfrm>
+            <a:off x="609600" y="4998208"/>
+            <a:ext cx="8219256" cy="1252736"/>
+          </a:xfrm>
+          <a:prstGeom prst="rect">
+            <a:avLst/>
+          </a:prstGeom>
+        </p:spPr>
+        <p:txBody>
+          <a:bodyPr vert="horz" lIns="91440" tIns="45720" rIns="91440" bIns="45720" rtlCol="0">
+            <a:normAutofit/>
+          </a:bodyPr>
+          <a:lstStyle>
+            <a:lvl1pPr marL="342900" indent="-342900" algn="l" defTabSz="914400" rtl="0" eaLnBrk="1" latinLnBrk="0" hangingPunct="1">
+              <a:spcBef>
+                <a:spcPct val="20000"/>
+              </a:spcBef>
+              <a:buFont typeface="Arial" pitchFamily="34" charset="0"/>
+              <a:buChar char="•"/>
+              <a:defRPr sz="3200" kern="1200">
+                <a:solidFill>
+                  <a:schemeClr val="tx1"/>
+                </a:solidFill>
+                <a:latin typeface="+mn-lt"/>
+                <a:ea typeface="+mn-ea"/>
+                <a:cs typeface="+mn-cs"/>
+              </a:defRPr>
+            </a:lvl1pPr>
+            <a:lvl2pPr marL="742950" indent="-285750" algn="l" defTabSz="914400" rtl="0" eaLnBrk="1" latinLnBrk="0" hangingPunct="1">
+              <a:spcBef>
+                <a:spcPct val="20000"/>
+              </a:spcBef>
+              <a:buFont typeface="Arial" pitchFamily="34" charset="0"/>
+              <a:buChar char="–"/>
+              <a:defRPr sz="2800" kern="1200">
+                <a:solidFill>
+                  <a:schemeClr val="tx1"/>
+                </a:solidFill>
+                <a:latin typeface="+mn-lt"/>
+                <a:ea typeface="+mn-ea"/>
+                <a:cs typeface="+mn-cs"/>
+              </a:defRPr>
+            </a:lvl2pPr>
+            <a:lvl3pPr marL="1143000" indent="-228600" algn="l" defTabSz="914400" rtl="0" eaLnBrk="1" latinLnBrk="0" hangingPunct="1">
+              <a:spcBef>
+                <a:spcPct val="20000"/>
+              </a:spcBef>
+              <a:buFont typeface="Arial" pitchFamily="34" charset="0"/>
+              <a:buChar char="•"/>
+              <a:defRPr sz="2400" kern="1200">
+                <a:solidFill>
+                  <a:schemeClr val="tx1"/>
+                </a:solidFill>
+                <a:latin typeface="+mn-lt"/>
+                <a:ea typeface="+mn-ea"/>
+                <a:cs typeface="+mn-cs"/>
+              </a:defRPr>
+            </a:lvl3pPr>
+            <a:lvl4pPr marL="1600200" indent="-228600" algn="l" defTabSz="914400" rtl="0" eaLnBrk="1" latinLnBrk="0" hangingPunct="1">
+              <a:spcBef>
+                <a:spcPct val="20000"/>
+              </a:spcBef>
+              <a:buFont typeface="Arial" pitchFamily="34" charset="0"/>
+              <a:buChar char="–"/>
+              <a:defRPr sz="2000" kern="1200">
+                <a:solidFill>
+                  <a:schemeClr val="tx1"/>
+                </a:solidFill>
+                <a:latin typeface="+mn-lt"/>
+                <a:ea typeface="+mn-ea"/>
+                <a:cs typeface="+mn-cs"/>
+              </a:defRPr>
+            </a:lvl4pPr>
+            <a:lvl5pPr marL="2057400" indent="-228600" algn="l" defTabSz="914400" rtl="0" eaLnBrk="1" latinLnBrk="0" hangingPunct="1">
+              <a:spcBef>
+                <a:spcPct val="20000"/>
+              </a:spcBef>
+              <a:buFont typeface="Arial" pitchFamily="34" charset="0"/>
+              <a:buChar char="»"/>
+              <a:defRPr sz="2000" kern="1200">
+                <a:solidFill>
+                  <a:schemeClr val="tx1"/>
+                </a:solidFill>
+                <a:latin typeface="+mn-lt"/>
+                <a:ea typeface="+mn-ea"/>
+                <a:cs typeface="+mn-cs"/>
+              </a:defRPr>
+            </a:lvl5pPr>
+            <a:lvl6pPr marL="2514600" indent="-228600" algn="l" defTabSz="914400" rtl="0" eaLnBrk="1" latinLnBrk="0" hangingPunct="1">
+              <a:spcBef>
+                <a:spcPct val="20000"/>
+              </a:spcBef>
+              <a:buFont typeface="Arial" pitchFamily="34" charset="0"/>
+              <a:buChar char="•"/>
+              <a:defRPr sz="2000" kern="1200">
+                <a:solidFill>
+                  <a:schemeClr val="tx1"/>
+                </a:solidFill>
+                <a:latin typeface="+mn-lt"/>
+                <a:ea typeface="+mn-ea"/>
+                <a:cs typeface="+mn-cs"/>
+              </a:defRPr>
+            </a:lvl6pPr>
+            <a:lvl7pPr marL="2971800" indent="-228600" algn="l" defTabSz="914400" rtl="0" eaLnBrk="1" latinLnBrk="0" hangingPunct="1">
+              <a:spcBef>
+                <a:spcPct val="20000"/>
+              </a:spcBef>
+              <a:buFont typeface="Arial" pitchFamily="34" charset="0"/>
+              <a:buChar char="•"/>
+              <a:defRPr sz="2000" kern="1200">
+                <a:solidFill>
+                  <a:schemeClr val="tx1"/>
+                </a:solidFill>
+                <a:latin typeface="+mn-lt"/>
+                <a:ea typeface="+mn-ea"/>
+                <a:cs typeface="+mn-cs"/>
+              </a:defRPr>
+            </a:lvl7pPr>
+            <a:lvl8pPr marL="3429000" indent="-228600" algn="l" defTabSz="914400" rtl="0" eaLnBrk="1" latinLnBrk="0" hangingPunct="1">
+              <a:spcBef>
+                <a:spcPct val="20000"/>
+              </a:spcBef>
+              <a:buFont typeface="Arial" pitchFamily="34" charset="0"/>
+              <a:buChar char="•"/>
+              <a:defRPr sz="2000" kern="1200">
+                <a:solidFill>
+                  <a:schemeClr val="tx1"/>
+                </a:solidFill>
+                <a:latin typeface="+mn-lt"/>
+                <a:ea typeface="+mn-ea"/>
+                <a:cs typeface="+mn-cs"/>
+              </a:defRPr>
+            </a:lvl8pPr>
+            <a:lvl9pPr marL="3886200" indent="-228600" algn="l" defTabSz="914400" rtl="0" eaLnBrk="1" latinLnBrk="0" hangingPunct="1">
+              <a:spcBef>
+                <a:spcPct val="20000"/>
+              </a:spcBef>
+              <a:buFont typeface="Arial" pitchFamily="34" charset="0"/>
+              <a:buChar char="•"/>
+              <a:defRPr sz="2000" kern="1200">
+                <a:solidFill>
+                  <a:schemeClr val="tx1"/>
+                </a:solidFill>
+                <a:latin typeface="+mn-lt"/>
+                <a:ea typeface="+mn-ea"/>
+                <a:cs typeface="+mn-cs"/>
+              </a:defRPr>
+            </a:lvl9pPr>
+          </a:lstStyle>
+          <a:p>
+            <a:r>
+              <a:rPr lang="en-US" dirty="0" smtClean="0"/>
+              <a:t>Commit the diff with following</a:t>
+            </a:r>
+          </a:p>
+          <a:p>
+            <a:pPr marL="0" indent="0">
+              <a:buNone/>
+            </a:pPr>
+            <a:endParaRPr lang="en-US" dirty="0" smtClean="0"/>
+          </a:p>
+        </p:txBody>
+      </p:sp>
+      <p:pic>
+        <p:nvPicPr>
+          <p:cNvPr id="7171" name="Picture 3"/>
+          <p:cNvPicPr>
+            <a:picLocks noChangeAspect="1" noChangeArrowheads="1"/>
+          </p:cNvPicPr>
+          <p:nvPr/>
+        </p:nvPicPr>
+        <p:blipFill>
+          <a:blip r:embed="rId2">
+            <a:extLst>
+              <a:ext uri="{28A0092B-C50C-407E-A947-70E740481C1C}">
+                <a14:useLocalDpi xmlns:a14="http://schemas.microsoft.com/office/drawing/2010/main" val="0"/>
+              </a:ext>
+            </a:extLst>
+          </a:blip>
+          <a:srcRect/>
+          <a:stretch>
+            <a:fillRect/>
+          </a:stretch>
+        </p:blipFill>
+        <p:spPr bwMode="auto">
+          <a:xfrm>
+            <a:off x="899592" y="5555618"/>
+            <a:ext cx="8017966" cy="897717"/>
+          </a:xfrm>
+          <a:prstGeom prst="rect">
+            <a:avLst/>
+          </a:prstGeom>
+          <a:noFill/>
+          <a:ln>
+            <a:noFill/>
+          </a:ln>
+          <a:effectLst/>
+          <a:extLst>
+            <a:ext uri="{909E8E84-426E-40DD-AFC4-6F175D3DCCD1}">
+              <a14:hiddenFill xmlns:a14="http://schemas.microsoft.com/office/drawing/2010/main">
+                <a:solidFill>
+                  <a:schemeClr val="accent1"/>
+                </a:solidFill>
+              </a14:hiddenFill>
+            </a:ext>
+            <a:ext uri="{91240B29-F687-4F45-9708-019B960494DF}">
+              <a14:hiddenLine xmlns:a14="http://schemas.microsoft.com/office/drawing/2010/main" w="9525">
+                <a:solidFill>
+                  <a:schemeClr val="tx1"/>
+                </a:solidFill>
+                <a:miter lim="800000"/>
+                <a:headEnd/>
+                <a:tailEnd/>
+              </a14:hiddenLine>
+            </a:ext>
+            <a:ext uri="{AF507438-7753-43E0-B8FC-AC1667EBCBE1}">
+              <a14:hiddenEffects xmlns:a14="http://schemas.microsoft.com/office/drawing/2010/main">
+                <a:effectLst>
+                  <a:outerShdw dist="35921" dir="2700000" algn="ctr" rotWithShape="0">
+                    <a:schemeClr val="bg2"/>
+                  </a:outerShdw>
+                </a:effectLst>
+              </a14:hiddenEffects>
+            </a:ext>
+          </a:extLst>
+        </p:spPr>
+      </p:pic>
+    </p:spTree>
+    <p:extLst>
+      <p:ext uri="{BB962C8B-B14F-4D97-AF65-F5344CB8AC3E}">
+        <p14:creationId xmlns:p14="http://schemas.microsoft.com/office/powerpoint/2010/main" val="3582845069"/>
+      </p:ext>
+    </p:extLst>
+  </p:cSld>
+  <p:clrMapOvr>
+    <a:masterClrMapping/>
+  </p:clrMapOvr>
+  <p:timing>
+    <p:tnLst>
+      <p:par>
+        <p:cTn id="1" dur="indefinite" restart="never" nodeType="tmRoot"/>
+      </p:par>
+    </p:tnLst>
+  </p:timing>
+</p:sld>
+</file>
+
+<file path=ppt/slides/slide24.xml><?xml version="1.0" encoding="utf-8"?>
+<p:sld xmlns:a="http://schemas.openxmlformats.org/drawingml/2006/main" xmlns:r="http://schemas.openxmlformats.org/officeDocument/2006/relationships" xmlns:p="http://schemas.openxmlformats.org/presentationml/2006/main">
+  <p:cSld>
+    <p:spTree>
+      <p:nvGrpSpPr>
+        <p:cNvPr id="1" name=""/>
+        <p:cNvGrpSpPr/>
+        <p:nvPr/>
+      </p:nvGrpSpPr>
+      <p:grpSpPr>
+        <a:xfrm>
+          <a:off x="0" y="0"/>
+          <a:ext cx="0" cy="0"/>
+          <a:chOff x="0" y="0"/>
+          <a:chExt cx="0" cy="0"/>
+        </a:xfrm>
+      </p:grpSpPr>
+      <p:sp>
+        <p:nvSpPr>
+          <p:cNvPr id="2" name="Title 1"/>
+          <p:cNvSpPr>
+            <a:spLocks noGrp="1"/>
+          </p:cNvSpPr>
+          <p:nvPr>
+            <p:ph type="title"/>
+          </p:nvPr>
+        </p:nvSpPr>
+        <p:spPr/>
+        <p:txBody>
+          <a:bodyPr/>
+          <a:lstStyle/>
+          <a:p>
+            <a:r>
+              <a:rPr lang="en-US" dirty="0" err="1" smtClean="0"/>
+              <a:t>git</a:t>
+            </a:r>
+            <a:r>
+              <a:rPr lang="en-US" dirty="0" smtClean="0"/>
+              <a:t> branch</a:t>
+            </a:r>
+            <a:endParaRPr lang="en-IN" dirty="0"/>
+          </a:p>
+        </p:txBody>
+      </p:sp>
+      <p:sp>
+        <p:nvSpPr>
+          <p:cNvPr id="3" name="Content Placeholder 2"/>
+          <p:cNvSpPr>
+            <a:spLocks noGrp="1"/>
+          </p:cNvSpPr>
+          <p:nvPr>
+            <p:ph idx="1"/>
+          </p:nvPr>
+        </p:nvSpPr>
+        <p:spPr>
+          <a:xfrm>
+            <a:off x="457200" y="1600201"/>
+            <a:ext cx="8219256" cy="1252736"/>
+          </a:xfrm>
+        </p:spPr>
+        <p:txBody>
+          <a:bodyPr/>
+          <a:lstStyle/>
+          <a:p>
+            <a:r>
+              <a:rPr lang="en-US" dirty="0" smtClean="0"/>
+              <a:t>Creates a branch</a:t>
+            </a:r>
+          </a:p>
+          <a:p>
+            <a:endParaRPr lang="en-US" dirty="0"/>
+          </a:p>
+          <a:p>
+            <a:endParaRPr lang="en-US" dirty="0" smtClean="0"/>
+          </a:p>
+          <a:p>
+            <a:endParaRPr lang="en-US" dirty="0"/>
+          </a:p>
+          <a:p>
+            <a:endParaRPr lang="en-US" dirty="0" smtClean="0"/>
+          </a:p>
+        </p:txBody>
+      </p:sp>
+      <p:pic>
+        <p:nvPicPr>
+          <p:cNvPr id="8194" name="Picture 2"/>
+          <p:cNvPicPr>
+            <a:picLocks noChangeAspect="1" noChangeArrowheads="1"/>
+          </p:cNvPicPr>
+          <p:nvPr/>
+        </p:nvPicPr>
+        <p:blipFill>
+          <a:blip r:embed="rId2">
+            <a:extLst>
+              <a:ext uri="{28A0092B-C50C-407E-A947-70E740481C1C}">
+                <a14:useLocalDpi xmlns:a14="http://schemas.microsoft.com/office/drawing/2010/main" val="0"/>
+              </a:ext>
+            </a:extLst>
+          </a:blip>
+          <a:srcRect/>
+          <a:stretch>
+            <a:fillRect/>
+          </a:stretch>
+        </p:blipFill>
+        <p:spPr bwMode="auto">
+          <a:xfrm>
+            <a:off x="934264" y="2149650"/>
+            <a:ext cx="5209009" cy="1564099"/>
+          </a:xfrm>
+          <a:prstGeom prst="rect">
+            <a:avLst/>
+          </a:prstGeom>
+          <a:noFill/>
+          <a:ln>
+            <a:noFill/>
+          </a:ln>
+          <a:effectLst/>
+          <a:extLst>
+            <a:ext uri="{909E8E84-426E-40DD-AFC4-6F175D3DCCD1}">
+              <a14:hiddenFill xmlns:a14="http://schemas.microsoft.com/office/drawing/2010/main">
+                <a:solidFill>
+                  <a:schemeClr val="accent1"/>
+                </a:solidFill>
+              </a14:hiddenFill>
+            </a:ext>
+            <a:ext uri="{91240B29-F687-4F45-9708-019B960494DF}">
+              <a14:hiddenLine xmlns:a14="http://schemas.microsoft.com/office/drawing/2010/main" w="9525">
+                <a:solidFill>
+                  <a:schemeClr val="tx1"/>
+                </a:solidFill>
+                <a:miter lim="800000"/>
+                <a:headEnd/>
+                <a:tailEnd/>
+              </a14:hiddenLine>
+            </a:ext>
+            <a:ext uri="{AF507438-7753-43E0-B8FC-AC1667EBCBE1}">
+              <a14:hiddenEffects xmlns:a14="http://schemas.microsoft.com/office/drawing/2010/main">
+                <a:effectLst>
+                  <a:outerShdw dist="35921" dir="2700000" algn="ctr" rotWithShape="0">
+                    <a:schemeClr val="bg2"/>
+                  </a:outerShdw>
+                </a:effectLst>
+              </a14:hiddenEffects>
+            </a:ext>
+          </a:extLst>
+        </p:spPr>
+      </p:pic>
+      <p:pic>
+        <p:nvPicPr>
+          <p:cNvPr id="8196" name="Picture 4"/>
+          <p:cNvPicPr>
+            <a:picLocks noChangeAspect="1" noChangeArrowheads="1"/>
+          </p:cNvPicPr>
+          <p:nvPr/>
+        </p:nvPicPr>
+        <p:blipFill>
+          <a:blip r:embed="rId3">
+            <a:extLst>
+              <a:ext uri="{28A0092B-C50C-407E-A947-70E740481C1C}">
+                <a14:useLocalDpi xmlns:a14="http://schemas.microsoft.com/office/drawing/2010/main" val="0"/>
+              </a:ext>
+            </a:extLst>
+          </a:blip>
+          <a:srcRect/>
+          <a:stretch>
+            <a:fillRect/>
+          </a:stretch>
+        </p:blipFill>
+        <p:spPr bwMode="auto">
+          <a:xfrm>
+            <a:off x="590780" y="3933056"/>
+            <a:ext cx="8171708" cy="792088"/>
+          </a:xfrm>
+          <a:prstGeom prst="rect">
+            <a:avLst/>
+          </a:prstGeom>
+          <a:noFill/>
+          <a:ln>
+            <a:noFill/>
+          </a:ln>
+          <a:effectLst/>
+          <a:extLst>
+            <a:ext uri="{909E8E84-426E-40DD-AFC4-6F175D3DCCD1}">
+              <a14:hiddenFill xmlns:a14="http://schemas.microsoft.com/office/drawing/2010/main">
+                <a:solidFill>
+                  <a:schemeClr val="accent1"/>
+                </a:solidFill>
+              </a14:hiddenFill>
+            </a:ext>
+            <a:ext uri="{91240B29-F687-4F45-9708-019B960494DF}">
+              <a14:hiddenLine xmlns:a14="http://schemas.microsoft.com/office/drawing/2010/main" w="9525">
+                <a:solidFill>
+                  <a:schemeClr val="tx1"/>
+                </a:solidFill>
+                <a:miter lim="800000"/>
+                <a:headEnd/>
+                <a:tailEnd/>
+              </a14:hiddenLine>
+            </a:ext>
+            <a:ext uri="{AF507438-7753-43E0-B8FC-AC1667EBCBE1}">
+              <a14:hiddenEffects xmlns:a14="http://schemas.microsoft.com/office/drawing/2010/main">
+                <a:effectLst>
+                  <a:outerShdw dist="35921" dir="2700000" algn="ctr" rotWithShape="0">
+                    <a:schemeClr val="bg2"/>
+                  </a:outerShdw>
+                </a:effectLst>
+              </a14:hiddenEffects>
+            </a:ext>
+          </a:extLst>
+        </p:spPr>
+      </p:pic>
+    </p:spTree>
+    <p:extLst>
+      <p:ext uri="{BB962C8B-B14F-4D97-AF65-F5344CB8AC3E}">
+        <p14:creationId xmlns:p14="http://schemas.microsoft.com/office/powerpoint/2010/main" val="3570820905"/>
+      </p:ext>
+    </p:extLst>
+  </p:cSld>
+  <p:clrMapOvr>
+    <a:masterClrMapping/>
+  </p:clrMapOvr>
+  <p:timing>
+    <p:tnLst>
+      <p:par>
+        <p:cTn id="1" dur="indefinite" restart="never" nodeType="tmRoot"/>
+      </p:par>
+    </p:tnLst>
+  </p:timing>
+</p:sld>
+</file>
+
+<file path=ppt/slides/slide25.xml><?xml version="1.0" encoding="utf-8"?>
+<p:sld xmlns:a="http://schemas.openxmlformats.org/drawingml/2006/main" xmlns:r="http://schemas.openxmlformats.org/officeDocument/2006/relationships" xmlns:p="http://schemas.openxmlformats.org/presentationml/2006/main">
+  <p:cSld>
+    <p:spTree>
+      <p:nvGrpSpPr>
+        <p:cNvPr id="1" name=""/>
+        <p:cNvGrpSpPr/>
+        <p:nvPr/>
+      </p:nvGrpSpPr>
+      <p:grpSpPr>
+        <a:xfrm>
+          <a:off x="0" y="0"/>
+          <a:ext cx="0" cy="0"/>
+          <a:chOff x="0" y="0"/>
+          <a:chExt cx="0" cy="0"/>
+        </a:xfrm>
+      </p:grpSpPr>
+      <p:sp>
+        <p:nvSpPr>
+          <p:cNvPr id="2" name="Title 1"/>
+          <p:cNvSpPr>
+            <a:spLocks noGrp="1"/>
+          </p:cNvSpPr>
+          <p:nvPr>
+            <p:ph type="title"/>
+          </p:nvPr>
+        </p:nvSpPr>
+        <p:spPr/>
+        <p:txBody>
+          <a:bodyPr/>
+          <a:lstStyle/>
+          <a:p>
+            <a:r>
+              <a:rPr lang="en-US" dirty="0" err="1" smtClean="0"/>
+              <a:t>git</a:t>
+            </a:r>
+            <a:r>
+              <a:rPr lang="en-US" dirty="0" smtClean="0"/>
+              <a:t> checkout</a:t>
+            </a:r>
+            <a:endParaRPr lang="en-IN" dirty="0"/>
+          </a:p>
+        </p:txBody>
+      </p:sp>
+      <p:sp>
+        <p:nvSpPr>
+          <p:cNvPr id="3" name="Content Placeholder 2"/>
+          <p:cNvSpPr>
+            <a:spLocks noGrp="1"/>
+          </p:cNvSpPr>
+          <p:nvPr>
+            <p:ph idx="1"/>
+          </p:nvPr>
+        </p:nvSpPr>
+        <p:spPr>
+          <a:xfrm>
+            <a:off x="457200" y="1600200"/>
+            <a:ext cx="8219256" cy="3671888"/>
+          </a:xfrm>
+        </p:spPr>
+        <p:txBody>
+          <a:bodyPr/>
+          <a:lstStyle/>
+          <a:p>
+            <a:r>
+              <a:rPr lang="en-US" dirty="0" smtClean="0"/>
+              <a:t>To work with the branch it needs to be checkout</a:t>
+            </a:r>
+          </a:p>
+          <a:p>
+            <a:endParaRPr lang="en-US" dirty="0"/>
+          </a:p>
+          <a:p>
+            <a:endParaRPr lang="en-US" dirty="0" smtClean="0"/>
+          </a:p>
+          <a:p>
+            <a:r>
+              <a:rPr lang="en-US" dirty="0" err="1" smtClean="0"/>
+              <a:t>git</a:t>
+            </a:r>
+            <a:r>
+              <a:rPr lang="en-US" dirty="0" smtClean="0"/>
+              <a:t> status</a:t>
+            </a:r>
+            <a:endParaRPr lang="en-US" dirty="0"/>
+          </a:p>
+          <a:p>
+            <a:endParaRPr lang="en-US" dirty="0" smtClean="0"/>
+          </a:p>
+        </p:txBody>
+      </p:sp>
+      <p:pic>
+        <p:nvPicPr>
+          <p:cNvPr id="9218" name="Picture 2"/>
+          <p:cNvPicPr>
+            <a:picLocks noChangeAspect="1" noChangeArrowheads="1"/>
+          </p:cNvPicPr>
+          <p:nvPr/>
+        </p:nvPicPr>
+        <p:blipFill>
+          <a:blip r:embed="rId2">
+            <a:extLst>
+              <a:ext uri="{28A0092B-C50C-407E-A947-70E740481C1C}">
+                <a14:useLocalDpi xmlns:a14="http://schemas.microsoft.com/office/drawing/2010/main" val="0"/>
+              </a:ext>
+            </a:extLst>
+          </a:blip>
+          <a:srcRect/>
+          <a:stretch>
+            <a:fillRect/>
+          </a:stretch>
+        </p:blipFill>
+        <p:spPr bwMode="auto">
+          <a:xfrm>
+            <a:off x="539551" y="2708920"/>
+            <a:ext cx="8209697" cy="785044"/>
+          </a:xfrm>
+          <a:prstGeom prst="rect">
+            <a:avLst/>
+          </a:prstGeom>
+          <a:noFill/>
+          <a:ln>
+            <a:noFill/>
+          </a:ln>
+          <a:effectLst/>
+          <a:extLst>
+            <a:ext uri="{909E8E84-426E-40DD-AFC4-6F175D3DCCD1}">
+              <a14:hiddenFill xmlns:a14="http://schemas.microsoft.com/office/drawing/2010/main">
+                <a:solidFill>
+                  <a:schemeClr val="accent1"/>
+                </a:solidFill>
+              </a14:hiddenFill>
+            </a:ext>
+            <a:ext uri="{91240B29-F687-4F45-9708-019B960494DF}">
+              <a14:hiddenLine xmlns:a14="http://schemas.microsoft.com/office/drawing/2010/main" w="9525">
+                <a:solidFill>
+                  <a:schemeClr val="tx1"/>
+                </a:solidFill>
+                <a:miter lim="800000"/>
+                <a:headEnd/>
+                <a:tailEnd/>
+              </a14:hiddenLine>
+            </a:ext>
+            <a:ext uri="{AF507438-7753-43E0-B8FC-AC1667EBCBE1}">
+              <a14:hiddenEffects xmlns:a14="http://schemas.microsoft.com/office/drawing/2010/main">
+                <a:effectLst>
+                  <a:outerShdw dist="35921" dir="2700000" algn="ctr" rotWithShape="0">
+                    <a:schemeClr val="bg2"/>
+                  </a:outerShdw>
+                </a:effectLst>
+              </a14:hiddenEffects>
+            </a:ext>
+          </a:extLst>
+        </p:spPr>
+      </p:pic>
+      <p:pic>
+        <p:nvPicPr>
+          <p:cNvPr id="9219" name="Picture 3"/>
+          <p:cNvPicPr>
+            <a:picLocks noChangeAspect="1" noChangeArrowheads="1"/>
+          </p:cNvPicPr>
+          <p:nvPr/>
+        </p:nvPicPr>
+        <p:blipFill>
+          <a:blip r:embed="rId3">
+            <a:extLst>
+              <a:ext uri="{28A0092B-C50C-407E-A947-70E740481C1C}">
+                <a14:useLocalDpi xmlns:a14="http://schemas.microsoft.com/office/drawing/2010/main" val="0"/>
+              </a:ext>
+            </a:extLst>
+          </a:blip>
+          <a:srcRect/>
+          <a:stretch>
+            <a:fillRect/>
+          </a:stretch>
+        </p:blipFill>
+        <p:spPr bwMode="auto">
+          <a:xfrm>
+            <a:off x="683568" y="4657725"/>
+            <a:ext cx="6115050" cy="1228725"/>
+          </a:xfrm>
+          <a:prstGeom prst="rect">
+            <a:avLst/>
+          </a:prstGeom>
+          <a:noFill/>
+          <a:ln>
+            <a:noFill/>
+          </a:ln>
+          <a:effectLst/>
+          <a:extLst>
+            <a:ext uri="{909E8E84-426E-40DD-AFC4-6F175D3DCCD1}">
+              <a14:hiddenFill xmlns:a14="http://schemas.microsoft.com/office/drawing/2010/main">
+                <a:solidFill>
+                  <a:schemeClr val="accent1"/>
+                </a:solidFill>
+              </a14:hiddenFill>
+            </a:ext>
+            <a:ext uri="{91240B29-F687-4F45-9708-019B960494DF}">
+              <a14:hiddenLine xmlns:a14="http://schemas.microsoft.com/office/drawing/2010/main" w="9525">
+                <a:solidFill>
+                  <a:schemeClr val="tx1"/>
+                </a:solidFill>
+                <a:miter lim="800000"/>
+                <a:headEnd/>
+                <a:tailEnd/>
+              </a14:hiddenLine>
+            </a:ext>
+            <a:ext uri="{AF507438-7753-43E0-B8FC-AC1667EBCBE1}">
+              <a14:hiddenEffects xmlns:a14="http://schemas.microsoft.com/office/drawing/2010/main">
+                <a:effectLst>
+                  <a:outerShdw dist="35921" dir="2700000" algn="ctr" rotWithShape="0">
+                    <a:schemeClr val="bg2"/>
+                  </a:outerShdw>
+                </a:effectLst>
+              </a14:hiddenEffects>
+            </a:ext>
+          </a:extLst>
+        </p:spPr>
+      </p:pic>
+    </p:spTree>
+    <p:extLst>
+      <p:ext uri="{BB962C8B-B14F-4D97-AF65-F5344CB8AC3E}">
+        <p14:creationId xmlns:p14="http://schemas.microsoft.com/office/powerpoint/2010/main" val="1949209022"/>
+      </p:ext>
+    </p:extLst>
+  </p:cSld>
+  <p:clrMapOvr>
+    <a:masterClrMapping/>
+  </p:clrMapOvr>
+  <p:timing>
+    <p:tnLst>
+      <p:par>
+        <p:cTn id="1" dur="indefinite" restart="never" nodeType="tmRoot"/>
+      </p:par>
+    </p:tnLst>
+  </p:timing>
+</p:sld>
+</file>
+
+<file path=ppt/slides/slide26.xml><?xml version="1.0" encoding="utf-8"?>
+<p:sld xmlns:a="http://schemas.openxmlformats.org/drawingml/2006/main" xmlns:r="http://schemas.openxmlformats.org/officeDocument/2006/relationships" xmlns:p="http://schemas.openxmlformats.org/presentationml/2006/main">
+  <p:cSld>
+    <p:spTree>
+      <p:nvGrpSpPr>
+        <p:cNvPr id="1" name=""/>
+        <p:cNvGrpSpPr/>
+        <p:nvPr/>
+      </p:nvGrpSpPr>
+      <p:grpSpPr>
+        <a:xfrm>
+          <a:off x="0" y="0"/>
+          <a:ext cx="0" cy="0"/>
+          <a:chOff x="0" y="0"/>
+          <a:chExt cx="0" cy="0"/>
+        </a:xfrm>
+      </p:grpSpPr>
+      <p:sp>
+        <p:nvSpPr>
+          <p:cNvPr id="2" name="Title 1"/>
+          <p:cNvSpPr>
+            <a:spLocks noGrp="1"/>
+          </p:cNvSpPr>
+          <p:nvPr>
+            <p:ph type="title"/>
+          </p:nvPr>
+        </p:nvSpPr>
+        <p:spPr/>
+        <p:txBody>
+          <a:bodyPr/>
+          <a:lstStyle/>
+          <a:p>
+            <a:r>
+              <a:rPr lang="en-US" dirty="0" smtClean="0"/>
+              <a:t>Committing the changes</a:t>
+            </a:r>
+            <a:endParaRPr lang="en-IN" dirty="0"/>
+          </a:p>
+        </p:txBody>
+      </p:sp>
+      <p:sp>
+        <p:nvSpPr>
+          <p:cNvPr id="3" name="Content Placeholder 2"/>
+          <p:cNvSpPr>
+            <a:spLocks noGrp="1"/>
+          </p:cNvSpPr>
+          <p:nvPr>
+            <p:ph idx="1"/>
+          </p:nvPr>
+        </p:nvSpPr>
+        <p:spPr>
+          <a:xfrm>
+            <a:off x="457200" y="1600200"/>
+            <a:ext cx="8219256" cy="3671888"/>
+          </a:xfrm>
+        </p:spPr>
+        <p:txBody>
+          <a:bodyPr/>
+          <a:lstStyle/>
+          <a:p>
+            <a:r>
+              <a:rPr lang="en-US" dirty="0" err="1"/>
+              <a:t>git</a:t>
+            </a:r>
+            <a:r>
+              <a:rPr lang="en-US" dirty="0"/>
+              <a:t> add </a:t>
+            </a:r>
+            <a:r>
+              <a:rPr lang="en-US" dirty="0" smtClean="0"/>
+              <a:t>–A (to add changes to stage area)</a:t>
+            </a:r>
+          </a:p>
+          <a:p>
+            <a:r>
+              <a:rPr lang="en-US" dirty="0" err="1"/>
+              <a:t>git</a:t>
+            </a:r>
+            <a:r>
+              <a:rPr lang="en-US" dirty="0"/>
+              <a:t> </a:t>
+            </a:r>
+            <a:r>
+              <a:rPr lang="en-US" dirty="0" smtClean="0"/>
+              <a:t>status</a:t>
+            </a:r>
+          </a:p>
+          <a:p>
+            <a:r>
+              <a:rPr lang="en-US" dirty="0" err="1" smtClean="0"/>
+              <a:t>git</a:t>
+            </a:r>
+            <a:r>
+              <a:rPr lang="en-US" dirty="0" smtClean="0"/>
+              <a:t> commit</a:t>
+            </a:r>
+            <a:endParaRPr lang="en-US" dirty="0"/>
+          </a:p>
+          <a:p>
+            <a:endParaRPr lang="en-US" dirty="0" smtClean="0"/>
+          </a:p>
+          <a:p>
+            <a:endParaRPr lang="en-US" dirty="0"/>
+          </a:p>
+          <a:p>
+            <a:endParaRPr lang="en-US" dirty="0" smtClean="0"/>
+          </a:p>
+          <a:p>
+            <a:endParaRPr lang="en-US" dirty="0" smtClean="0"/>
+          </a:p>
+        </p:txBody>
+      </p:sp>
+      <p:pic>
+        <p:nvPicPr>
+          <p:cNvPr id="10243" name="Picture 3"/>
+          <p:cNvPicPr>
+            <a:picLocks noChangeAspect="1" noChangeArrowheads="1"/>
+          </p:cNvPicPr>
+          <p:nvPr/>
+        </p:nvPicPr>
+        <p:blipFill>
+          <a:blip r:embed="rId2">
+            <a:extLst>
+              <a:ext uri="{28A0092B-C50C-407E-A947-70E740481C1C}">
+                <a14:useLocalDpi xmlns:a14="http://schemas.microsoft.com/office/drawing/2010/main" val="0"/>
+              </a:ext>
+            </a:extLst>
+          </a:blip>
+          <a:srcRect/>
+          <a:stretch>
+            <a:fillRect/>
+          </a:stretch>
+        </p:blipFill>
+        <p:spPr bwMode="auto">
+          <a:xfrm>
+            <a:off x="827584" y="3451096"/>
+            <a:ext cx="8183875" cy="2282160"/>
+          </a:xfrm>
+          <a:prstGeom prst="rect">
+            <a:avLst/>
+          </a:prstGeom>
+          <a:noFill/>
+          <a:ln>
+            <a:noFill/>
+          </a:ln>
+          <a:effectLst/>
+          <a:extLst>
+            <a:ext uri="{909E8E84-426E-40DD-AFC4-6F175D3DCCD1}">
+              <a14:hiddenFill xmlns:a14="http://schemas.microsoft.com/office/drawing/2010/main">
+                <a:solidFill>
+                  <a:schemeClr val="accent1"/>
+                </a:solidFill>
+              </a14:hiddenFill>
+            </a:ext>
+            <a:ext uri="{91240B29-F687-4F45-9708-019B960494DF}">
+              <a14:hiddenLine xmlns:a14="http://schemas.microsoft.com/office/drawing/2010/main" w="9525">
+                <a:solidFill>
+                  <a:schemeClr val="tx1"/>
+                </a:solidFill>
+                <a:miter lim="800000"/>
+                <a:headEnd/>
+                <a:tailEnd/>
+              </a14:hiddenLine>
+            </a:ext>
+            <a:ext uri="{AF507438-7753-43E0-B8FC-AC1667EBCBE1}">
+              <a14:hiddenEffects xmlns:a14="http://schemas.microsoft.com/office/drawing/2010/main">
+                <a:effectLst>
+                  <a:outerShdw dist="35921" dir="2700000" algn="ctr" rotWithShape="0">
+                    <a:schemeClr val="bg2"/>
+                  </a:outerShdw>
+                </a:effectLst>
+              </a14:hiddenEffects>
+            </a:ext>
+          </a:extLst>
+        </p:spPr>
+      </p:pic>
+    </p:spTree>
+    <p:extLst>
+      <p:ext uri="{BB962C8B-B14F-4D97-AF65-F5344CB8AC3E}">
+        <p14:creationId xmlns:p14="http://schemas.microsoft.com/office/powerpoint/2010/main" val="1776242168"/>
+      </p:ext>
+    </p:extLst>
+  </p:cSld>
+  <p:clrMapOvr>
+    <a:masterClrMapping/>
+  </p:clrMapOvr>
+  <p:timing>
+    <p:tnLst>
+      <p:par>
+        <p:cTn id="1" dur="indefinite" restart="never" nodeType="tmRoot"/>
+      </p:par>
+    </p:tnLst>
+  </p:timing>
+</p:sld>
+</file>
+
+<file path=ppt/slides/slide27.xml><?xml version="1.0" encoding="utf-8"?>
+<p:sld xmlns:a="http://schemas.openxmlformats.org/drawingml/2006/main" xmlns:r="http://schemas.openxmlformats.org/officeDocument/2006/relationships" xmlns:p="http://schemas.openxmlformats.org/presentationml/2006/main">
+  <p:cSld>
+    <p:spTree>
+      <p:nvGrpSpPr>
+        <p:cNvPr id="1" name=""/>
+        <p:cNvGrpSpPr/>
+        <p:nvPr/>
+      </p:nvGrpSpPr>
+      <p:grpSpPr>
+        <a:xfrm>
+          <a:off x="0" y="0"/>
+          <a:ext cx="0" cy="0"/>
+          <a:chOff x="0" y="0"/>
+          <a:chExt cx="0" cy="0"/>
+        </a:xfrm>
+      </p:grpSpPr>
+      <p:sp>
+        <p:nvSpPr>
+          <p:cNvPr id="2" name="Title 1"/>
+          <p:cNvSpPr>
+            <a:spLocks noGrp="1"/>
+          </p:cNvSpPr>
+          <p:nvPr>
+            <p:ph type="title"/>
+          </p:nvPr>
+        </p:nvSpPr>
+        <p:spPr>
+          <a:xfrm>
+            <a:off x="251520" y="476672"/>
+            <a:ext cx="8229600" cy="1143000"/>
+          </a:xfrm>
+        </p:spPr>
+        <p:txBody>
+          <a:bodyPr/>
+          <a:lstStyle/>
+          <a:p>
+            <a:pPr algn="l"/>
+            <a:r>
+              <a:rPr lang="en-US" dirty="0" smtClean="0"/>
+              <a:t>2. </a:t>
+            </a:r>
+            <a:r>
+              <a:rPr lang="en-US" dirty="0" err="1" smtClean="0"/>
+              <a:t>git</a:t>
+            </a:r>
+            <a:r>
+              <a:rPr lang="en-US" dirty="0" smtClean="0"/>
+              <a:t> branch -a</a:t>
+            </a:r>
+            <a:endParaRPr lang="en-IN" dirty="0"/>
+          </a:p>
+        </p:txBody>
+      </p:sp>
+      <p:pic>
+        <p:nvPicPr>
+          <p:cNvPr id="11267" name="Picture 3"/>
+          <p:cNvPicPr>
+            <a:picLocks noChangeAspect="1" noChangeArrowheads="1"/>
+          </p:cNvPicPr>
+          <p:nvPr/>
+        </p:nvPicPr>
+        <p:blipFill>
+          <a:blip r:embed="rId2">
+            <a:extLst>
+              <a:ext uri="{28A0092B-C50C-407E-A947-70E740481C1C}">
+                <a14:useLocalDpi xmlns:a14="http://schemas.microsoft.com/office/drawing/2010/main" val="0"/>
+              </a:ext>
+            </a:extLst>
+          </a:blip>
+          <a:srcRect/>
+          <a:stretch>
+            <a:fillRect/>
+          </a:stretch>
+        </p:blipFill>
+        <p:spPr bwMode="auto">
+          <a:xfrm>
+            <a:off x="37774" y="1556792"/>
+            <a:ext cx="8961891" cy="1594643"/>
+          </a:xfrm>
+          <a:prstGeom prst="rect">
+            <a:avLst/>
+          </a:prstGeom>
+          <a:noFill/>
+          <a:ln>
+            <a:noFill/>
+          </a:ln>
+          <a:effectLst/>
+          <a:extLst>
+            <a:ext uri="{909E8E84-426E-40DD-AFC4-6F175D3DCCD1}">
+              <a14:hiddenFill xmlns:a14="http://schemas.microsoft.com/office/drawing/2010/main">
+                <a:solidFill>
+                  <a:schemeClr val="accent1"/>
+                </a:solidFill>
+              </a14:hiddenFill>
+            </a:ext>
+            <a:ext uri="{91240B29-F687-4F45-9708-019B960494DF}">
+              <a14:hiddenLine xmlns:a14="http://schemas.microsoft.com/office/drawing/2010/main" w="9525">
+                <a:solidFill>
+                  <a:schemeClr val="tx1"/>
+                </a:solidFill>
+                <a:miter lim="800000"/>
+                <a:headEnd/>
+                <a:tailEnd/>
+              </a14:hiddenLine>
+            </a:ext>
+            <a:ext uri="{AF507438-7753-43E0-B8FC-AC1667EBCBE1}">
+              <a14:hiddenEffects xmlns:a14="http://schemas.microsoft.com/office/drawing/2010/main">
+                <a:effectLst>
+                  <a:outerShdw dist="35921" dir="2700000" algn="ctr" rotWithShape="0">
+                    <a:schemeClr val="bg2"/>
+                  </a:outerShdw>
+                </a:effectLst>
+              </a14:hiddenEffects>
+            </a:ext>
+          </a:extLst>
+        </p:spPr>
+      </p:pic>
+    </p:spTree>
+    <p:extLst>
+      <p:ext uri="{BB962C8B-B14F-4D97-AF65-F5344CB8AC3E}">
+        <p14:creationId xmlns:p14="http://schemas.microsoft.com/office/powerpoint/2010/main" val="2134689209"/>
+      </p:ext>
+    </p:extLst>
+  </p:cSld>
+  <p:clrMapOvr>
+    <a:masterClrMapping/>
+  </p:clrMapOvr>
+  <p:timing>
+    <p:tnLst>
+      <p:par>
+        <p:cTn id="1" dur="indefinite" restart="never" nodeType="tmRoot"/>
+      </p:par>
+    </p:tnLst>
+  </p:timing>
+</p:sld>
+</file>
+
+<file path=ppt/slides/slide28.xml><?xml version="1.0" encoding="utf-8"?>
+<p:sld xmlns:a="http://schemas.openxmlformats.org/drawingml/2006/main" xmlns:r="http://schemas.openxmlformats.org/officeDocument/2006/relationships" xmlns:p="http://schemas.openxmlformats.org/presentationml/2006/main">
+  <p:cSld>
+    <p:spTree>
+      <p:nvGrpSpPr>
+        <p:cNvPr id="1" name=""/>
+        <p:cNvGrpSpPr/>
+        <p:nvPr/>
+      </p:nvGrpSpPr>
+      <p:grpSpPr>
+        <a:xfrm>
+          <a:off x="0" y="0"/>
+          <a:ext cx="0" cy="0"/>
+          <a:chOff x="0" y="0"/>
+          <a:chExt cx="0" cy="0"/>
+        </a:xfrm>
+      </p:grpSpPr>
+      <p:sp>
+        <p:nvSpPr>
+          <p:cNvPr id="3" name="Content Placeholder 2"/>
+          <p:cNvSpPr>
+            <a:spLocks noGrp="1"/>
+          </p:cNvSpPr>
+          <p:nvPr>
+            <p:ph idx="1"/>
+          </p:nvPr>
+        </p:nvSpPr>
+        <p:spPr>
+          <a:xfrm>
+            <a:off x="457200" y="1700808"/>
+            <a:ext cx="8219256" cy="3571280"/>
+          </a:xfrm>
+          <a:solidFill>
+            <a:schemeClr val="tx1"/>
+          </a:solidFill>
+        </p:spPr>
+        <p:txBody>
+          <a:bodyPr/>
+          <a:lstStyle/>
+          <a:p>
+            <a:r>
+              <a:rPr lang="en-US" dirty="0" err="1" smtClean="0">
+                <a:solidFill>
+                  <a:schemeClr val="bg1"/>
+                </a:solidFill>
+              </a:rPr>
+              <a:t>git</a:t>
+            </a:r>
+            <a:r>
+              <a:rPr lang="en-US" dirty="0" smtClean="0">
+                <a:solidFill>
+                  <a:schemeClr val="bg1"/>
+                </a:solidFill>
+              </a:rPr>
+              <a:t> checkout master</a:t>
+            </a:r>
+          </a:p>
+          <a:p>
+            <a:r>
+              <a:rPr lang="en-US" dirty="0" err="1" smtClean="0">
+                <a:solidFill>
+                  <a:schemeClr val="bg1"/>
+                </a:solidFill>
+              </a:rPr>
+              <a:t>git</a:t>
+            </a:r>
+            <a:r>
+              <a:rPr lang="en-US" dirty="0" smtClean="0">
+                <a:solidFill>
+                  <a:schemeClr val="bg1"/>
+                </a:solidFill>
+              </a:rPr>
+              <a:t> pull origin master</a:t>
+            </a:r>
+          </a:p>
+          <a:p>
+            <a:r>
+              <a:rPr lang="en-US" dirty="0" err="1" smtClean="0">
+                <a:solidFill>
+                  <a:schemeClr val="bg1"/>
+                </a:solidFill>
+              </a:rPr>
+              <a:t>git</a:t>
+            </a:r>
+            <a:r>
+              <a:rPr lang="en-US" dirty="0" smtClean="0">
+                <a:solidFill>
+                  <a:schemeClr val="bg1"/>
+                </a:solidFill>
+              </a:rPr>
+              <a:t> branch –merged</a:t>
+            </a:r>
+          </a:p>
+          <a:p>
+            <a:r>
+              <a:rPr lang="en-US" dirty="0" err="1" smtClean="0">
+                <a:solidFill>
+                  <a:schemeClr val="bg1"/>
+                </a:solidFill>
+              </a:rPr>
+              <a:t>git</a:t>
+            </a:r>
+            <a:r>
+              <a:rPr lang="en-US" dirty="0" smtClean="0">
+                <a:solidFill>
+                  <a:schemeClr val="bg1"/>
+                </a:solidFill>
+              </a:rPr>
+              <a:t> merge </a:t>
+            </a:r>
+            <a:r>
+              <a:rPr lang="en-US" dirty="0" err="1" smtClean="0">
+                <a:solidFill>
+                  <a:schemeClr val="bg1"/>
+                </a:solidFill>
+              </a:rPr>
+              <a:t>calc</a:t>
+            </a:r>
+            <a:r>
+              <a:rPr lang="en-US" dirty="0" smtClean="0">
+                <a:solidFill>
+                  <a:schemeClr val="bg1"/>
+                </a:solidFill>
+              </a:rPr>
+              <a:t>-divide</a:t>
+            </a:r>
+          </a:p>
+          <a:p>
+            <a:r>
+              <a:rPr lang="en-US" dirty="0" err="1" smtClean="0">
+                <a:solidFill>
+                  <a:schemeClr val="bg1"/>
+                </a:solidFill>
+              </a:rPr>
+              <a:t>git</a:t>
+            </a:r>
+            <a:r>
+              <a:rPr lang="en-US" dirty="0" smtClean="0">
+                <a:solidFill>
+                  <a:schemeClr val="bg1"/>
+                </a:solidFill>
+              </a:rPr>
+              <a:t> push origin master</a:t>
+            </a:r>
+            <a:endParaRPr lang="en-US" dirty="0">
+              <a:solidFill>
+                <a:schemeClr val="bg1"/>
+              </a:solidFill>
+            </a:endParaRPr>
+          </a:p>
+          <a:p>
+            <a:endParaRPr lang="en-US" dirty="0" smtClean="0">
+              <a:solidFill>
+                <a:schemeClr val="bg1"/>
+              </a:solidFill>
+            </a:endParaRPr>
+          </a:p>
+          <a:p>
+            <a:endParaRPr lang="en-US" dirty="0" smtClean="0">
+              <a:solidFill>
+                <a:schemeClr val="bg1"/>
+              </a:solidFill>
+            </a:endParaRPr>
+          </a:p>
+        </p:txBody>
+      </p:sp>
+      <p:sp>
+        <p:nvSpPr>
+          <p:cNvPr id="6" name="Title 1"/>
+          <p:cNvSpPr txBox="1">
+            <a:spLocks/>
+          </p:cNvSpPr>
+          <p:nvPr/>
+        </p:nvSpPr>
+        <p:spPr>
+          <a:xfrm>
+            <a:off x="609600" y="427038"/>
+            <a:ext cx="8229600" cy="1143000"/>
+          </a:xfrm>
+          <a:prstGeom prst="rect">
+            <a:avLst/>
+          </a:prstGeom>
+        </p:spPr>
+        <p:txBody>
+          <a:bodyPr vert="horz" lIns="91440" tIns="45720" rIns="91440" bIns="45720" rtlCol="0" anchor="ctr">
+            <a:normAutofit/>
+          </a:bodyPr>
+          <a:lstStyle>
+            <a:lvl1pPr algn="ctr" defTabSz="914400" rtl="0" eaLnBrk="1" latinLnBrk="0" hangingPunct="1">
+              <a:spcBef>
+                <a:spcPct val="0"/>
+              </a:spcBef>
+              <a:buNone/>
+              <a:defRPr sz="4400" kern="1200">
+                <a:solidFill>
+                  <a:schemeClr val="tx1"/>
+                </a:solidFill>
+                <a:latin typeface="+mj-lt"/>
+                <a:ea typeface="+mj-ea"/>
+                <a:cs typeface="+mj-cs"/>
+              </a:defRPr>
+            </a:lvl1pPr>
+          </a:lstStyle>
+          <a:p>
+            <a:r>
+              <a:rPr lang="en-US" dirty="0" smtClean="0"/>
+              <a:t>MERGE a branch</a:t>
+            </a:r>
+            <a:endParaRPr lang="en-IN" dirty="0"/>
+          </a:p>
+        </p:txBody>
+      </p:sp>
+    </p:spTree>
+    <p:extLst>
+      <p:ext uri="{BB962C8B-B14F-4D97-AF65-F5344CB8AC3E}">
+        <p14:creationId xmlns:p14="http://schemas.microsoft.com/office/powerpoint/2010/main" val="983048465"/>
+      </p:ext>
+    </p:extLst>
+  </p:cSld>
+  <p:clrMapOvr>
+    <a:masterClrMapping/>
+  </p:clrMapOvr>
+  <p:timing>
+    <p:tnLst>
+      <p:par>
+        <p:cTn id="1" dur="indefinite" restart="never" nodeType="tmRoot"/>
+      </p:par>
+    </p:tnLst>
+  </p:timing>
+</p:sld>
+</file>
+
+<file path=ppt/slides/slide29.xml><?xml version="1.0" encoding="utf-8"?>
+<p:sld xmlns:a="http://schemas.openxmlformats.org/drawingml/2006/main" xmlns:r="http://schemas.openxmlformats.org/officeDocument/2006/relationships" xmlns:p="http://schemas.openxmlformats.org/presentationml/2006/main">
+  <p:cSld>
+    <p:spTree>
+      <p:nvGrpSpPr>
+        <p:cNvPr id="1" name=""/>
+        <p:cNvGrpSpPr/>
+        <p:nvPr/>
+      </p:nvGrpSpPr>
+      <p:grpSpPr>
+        <a:xfrm>
+          <a:off x="0" y="0"/>
+          <a:ext cx="0" cy="0"/>
+          <a:chOff x="0" y="0"/>
+          <a:chExt cx="0" cy="0"/>
+        </a:xfrm>
+      </p:grpSpPr>
+      <p:sp>
+        <p:nvSpPr>
+          <p:cNvPr id="8" name="Content Placeholder 2"/>
+          <p:cNvSpPr>
+            <a:spLocks noGrp="1"/>
+          </p:cNvSpPr>
+          <p:nvPr>
+            <p:ph idx="1"/>
+          </p:nvPr>
+        </p:nvSpPr>
+        <p:spPr>
+          <a:xfrm>
+            <a:off x="457200" y="1600200"/>
+            <a:ext cx="8229600" cy="4525963"/>
+          </a:xfrm>
+        </p:spPr>
+        <p:txBody>
+          <a:bodyPr/>
+          <a:lstStyle/>
+          <a:p>
+            <a:r>
+              <a:rPr lang="en-US" dirty="0" smtClean="0"/>
+              <a:t>Merge the </a:t>
+            </a:r>
+            <a:r>
+              <a:rPr lang="en-US" dirty="0" err="1" smtClean="0"/>
+              <a:t>calc</a:t>
+            </a:r>
+            <a:r>
+              <a:rPr lang="en-US" dirty="0" smtClean="0"/>
+              <a:t>-divide branch to master</a:t>
+            </a:r>
+          </a:p>
+          <a:p>
+            <a:endParaRPr lang="en-US" dirty="0" smtClean="0"/>
+          </a:p>
+          <a:p>
+            <a:endParaRPr lang="en-US" dirty="0"/>
+          </a:p>
+          <a:p>
+            <a:r>
+              <a:rPr lang="en-US" dirty="0" smtClean="0"/>
+              <a:t>Check the branch merged</a:t>
+            </a:r>
+          </a:p>
+          <a:p>
+            <a:endParaRPr lang="en-US" dirty="0"/>
+          </a:p>
+          <a:p>
+            <a:endParaRPr lang="en-US" dirty="0" smtClean="0"/>
+          </a:p>
+          <a:p>
+            <a:r>
+              <a:rPr lang="en-US" dirty="0" smtClean="0"/>
+              <a:t>Delete the branch from local</a:t>
+            </a:r>
+            <a:endParaRPr lang="en-IN" dirty="0"/>
+          </a:p>
+        </p:txBody>
+      </p:sp>
+      <p:pic>
+        <p:nvPicPr>
+          <p:cNvPr id="12290" name="Picture 2"/>
+          <p:cNvPicPr>
+            <a:picLocks noChangeAspect="1" noChangeArrowheads="1"/>
+          </p:cNvPicPr>
+          <p:nvPr/>
+        </p:nvPicPr>
+        <p:blipFill>
+          <a:blip r:embed="rId2">
+            <a:extLst>
+              <a:ext uri="{28A0092B-C50C-407E-A947-70E740481C1C}">
+                <a14:useLocalDpi xmlns:a14="http://schemas.microsoft.com/office/drawing/2010/main" val="0"/>
+              </a:ext>
+            </a:extLst>
+          </a:blip>
+          <a:srcRect/>
+          <a:stretch>
+            <a:fillRect/>
+          </a:stretch>
+        </p:blipFill>
+        <p:spPr bwMode="auto">
+          <a:xfrm>
+            <a:off x="755577" y="2132856"/>
+            <a:ext cx="7632848" cy="914939"/>
+          </a:xfrm>
+          <a:prstGeom prst="rect">
+            <a:avLst/>
+          </a:prstGeom>
+          <a:noFill/>
+          <a:ln>
+            <a:noFill/>
+          </a:ln>
+          <a:effectLst/>
+          <a:extLst>
+            <a:ext uri="{909E8E84-426E-40DD-AFC4-6F175D3DCCD1}">
+              <a14:hiddenFill xmlns:a14="http://schemas.microsoft.com/office/drawing/2010/main">
+                <a:solidFill>
+                  <a:schemeClr val="accent1"/>
+                </a:solidFill>
+              </a14:hiddenFill>
+            </a:ext>
+            <a:ext uri="{91240B29-F687-4F45-9708-019B960494DF}">
+              <a14:hiddenLine xmlns:a14="http://schemas.microsoft.com/office/drawing/2010/main" w="9525">
+                <a:solidFill>
+                  <a:schemeClr val="tx1"/>
+                </a:solidFill>
+                <a:miter lim="800000"/>
+                <a:headEnd/>
+                <a:tailEnd/>
+              </a14:hiddenLine>
+            </a:ext>
+            <a:ext uri="{AF507438-7753-43E0-B8FC-AC1667EBCBE1}">
+              <a14:hiddenEffects xmlns:a14="http://schemas.microsoft.com/office/drawing/2010/main">
+                <a:effectLst>
+                  <a:outerShdw dist="35921" dir="2700000" algn="ctr" rotWithShape="0">
+                    <a:schemeClr val="bg2"/>
+                  </a:outerShdw>
+                </a:effectLst>
+              </a14:hiddenEffects>
+            </a:ext>
+          </a:extLst>
+        </p:spPr>
+      </p:pic>
+      <p:pic>
+        <p:nvPicPr>
+          <p:cNvPr id="12291" name="Picture 3"/>
+          <p:cNvPicPr>
+            <a:picLocks noChangeAspect="1" noChangeArrowheads="1"/>
+          </p:cNvPicPr>
+          <p:nvPr/>
+        </p:nvPicPr>
+        <p:blipFill>
+          <a:blip r:embed="rId3">
+            <a:extLst>
+              <a:ext uri="{28A0092B-C50C-407E-A947-70E740481C1C}">
+                <a14:useLocalDpi xmlns:a14="http://schemas.microsoft.com/office/drawing/2010/main" val="0"/>
+              </a:ext>
+            </a:extLst>
+          </a:blip>
+          <a:srcRect/>
+          <a:stretch>
+            <a:fillRect/>
+          </a:stretch>
+        </p:blipFill>
+        <p:spPr bwMode="auto">
+          <a:xfrm>
+            <a:off x="755576" y="3933057"/>
+            <a:ext cx="7632848" cy="828092"/>
+          </a:xfrm>
+          <a:prstGeom prst="rect">
+            <a:avLst/>
+          </a:prstGeom>
+          <a:noFill/>
+          <a:ln>
+            <a:noFill/>
+          </a:ln>
+          <a:effectLst/>
+          <a:extLst>
+            <a:ext uri="{909E8E84-426E-40DD-AFC4-6F175D3DCCD1}">
+              <a14:hiddenFill xmlns:a14="http://schemas.microsoft.com/office/drawing/2010/main">
+                <a:solidFill>
+                  <a:schemeClr val="accent1"/>
+                </a:solidFill>
+              </a14:hiddenFill>
+            </a:ext>
+            <a:ext uri="{91240B29-F687-4F45-9708-019B960494DF}">
+              <a14:hiddenLine xmlns:a14="http://schemas.microsoft.com/office/drawing/2010/main" w="9525">
+                <a:solidFill>
+                  <a:schemeClr val="tx1"/>
+                </a:solidFill>
+                <a:miter lim="800000"/>
+                <a:headEnd/>
+                <a:tailEnd/>
+              </a14:hiddenLine>
+            </a:ext>
+            <a:ext uri="{AF507438-7753-43E0-B8FC-AC1667EBCBE1}">
+              <a14:hiddenEffects xmlns:a14="http://schemas.microsoft.com/office/drawing/2010/main">
+                <a:effectLst>
+                  <a:outerShdw dist="35921" dir="2700000" algn="ctr" rotWithShape="0">
+                    <a:schemeClr val="bg2"/>
+                  </a:outerShdw>
+                </a:effectLst>
+              </a14:hiddenEffects>
+            </a:ext>
+          </a:extLst>
+        </p:spPr>
+      </p:pic>
+      <p:pic>
+        <p:nvPicPr>
+          <p:cNvPr id="12292" name="Picture 4"/>
+          <p:cNvPicPr>
+            <a:picLocks noChangeAspect="1" noChangeArrowheads="1"/>
+          </p:cNvPicPr>
+          <p:nvPr/>
+        </p:nvPicPr>
+        <p:blipFill>
+          <a:blip r:embed="rId4">
+            <a:extLst>
+              <a:ext uri="{28A0092B-C50C-407E-A947-70E740481C1C}">
+                <a14:useLocalDpi xmlns:a14="http://schemas.microsoft.com/office/drawing/2010/main" val="0"/>
+              </a:ext>
+            </a:extLst>
+          </a:blip>
+          <a:srcRect/>
+          <a:stretch>
+            <a:fillRect/>
+          </a:stretch>
+        </p:blipFill>
+        <p:spPr bwMode="auto">
+          <a:xfrm>
+            <a:off x="621744" y="5640168"/>
+            <a:ext cx="7622664" cy="615495"/>
+          </a:xfrm>
+          <a:prstGeom prst="rect">
+            <a:avLst/>
+          </a:prstGeom>
+          <a:noFill/>
+          <a:ln>
+            <a:noFill/>
+          </a:ln>
+          <a:effectLst/>
+          <a:extLst>
+            <a:ext uri="{909E8E84-426E-40DD-AFC4-6F175D3DCCD1}">
+              <a14:hiddenFill xmlns:a14="http://schemas.microsoft.com/office/drawing/2010/main">
+                <a:solidFill>
+                  <a:schemeClr val="accent1"/>
+                </a:solidFill>
+              </a14:hiddenFill>
+            </a:ext>
+            <a:ext uri="{91240B29-F687-4F45-9708-019B960494DF}">
+              <a14:hiddenLine xmlns:a14="http://schemas.microsoft.com/office/drawing/2010/main" w="9525">
+                <a:solidFill>
+                  <a:schemeClr val="tx1"/>
+                </a:solidFill>
+                <a:miter lim="800000"/>
+                <a:headEnd/>
+                <a:tailEnd/>
+              </a14:hiddenLine>
+            </a:ext>
+            <a:ext uri="{AF507438-7753-43E0-B8FC-AC1667EBCBE1}">
+              <a14:hiddenEffects xmlns:a14="http://schemas.microsoft.com/office/drawing/2010/main">
+                <a:effectLst>
+                  <a:outerShdw dist="35921" dir="2700000" algn="ctr" rotWithShape="0">
+                    <a:schemeClr val="bg2"/>
+                  </a:outerShdw>
+                </a:effectLst>
+              </a14:hiddenEffects>
+            </a:ext>
+          </a:extLst>
+        </p:spPr>
+      </p:pic>
+      <p:sp>
+        <p:nvSpPr>
+          <p:cNvPr id="7" name="Title 1"/>
+          <p:cNvSpPr txBox="1">
+            <a:spLocks/>
+          </p:cNvSpPr>
+          <p:nvPr/>
+        </p:nvSpPr>
+        <p:spPr>
+          <a:xfrm>
+            <a:off x="609600" y="427038"/>
+            <a:ext cx="8229600" cy="1143000"/>
+          </a:xfrm>
+          <a:prstGeom prst="rect">
+            <a:avLst/>
+          </a:prstGeom>
+        </p:spPr>
+        <p:txBody>
+          <a:bodyPr vert="horz" lIns="91440" tIns="45720" rIns="91440" bIns="45720" rtlCol="0" anchor="ctr">
+            <a:normAutofit/>
+          </a:bodyPr>
+          <a:lstStyle>
+            <a:lvl1pPr algn="ctr" defTabSz="914400" rtl="0" eaLnBrk="1" latinLnBrk="0" hangingPunct="1">
+              <a:spcBef>
+                <a:spcPct val="0"/>
+              </a:spcBef>
+              <a:buNone/>
+              <a:defRPr sz="4400" kern="1200">
+                <a:solidFill>
+                  <a:schemeClr val="tx1"/>
+                </a:solidFill>
+                <a:latin typeface="+mj-lt"/>
+                <a:ea typeface="+mj-ea"/>
+                <a:cs typeface="+mj-cs"/>
+              </a:defRPr>
+            </a:lvl1pPr>
+          </a:lstStyle>
+          <a:p>
+            <a:r>
+              <a:rPr lang="en-US" smtClean="0"/>
+              <a:t>git merge calc-divide</a:t>
+            </a:r>
+            <a:endParaRPr lang="en-IN" dirty="0"/>
+          </a:p>
+        </p:txBody>
+      </p:sp>
+    </p:spTree>
+    <p:extLst>
+      <p:ext uri="{BB962C8B-B14F-4D97-AF65-F5344CB8AC3E}">
+        <p14:creationId xmlns:p14="http://schemas.microsoft.com/office/powerpoint/2010/main" val="2656184543"/>
+      </p:ext>
+    </p:extLst>
+  </p:cSld>
+  <p:clrMapOvr>
+    <a:masterClrMapping/>
+  </p:clrMapOvr>
+  <p:timing>
+    <p:tnLst>
+      <p:par>
+        <p:cTn id="1" dur="indefinite" restart="never" nodeType="tmRoot"/>
+      </p:par>
+    </p:tnLst>
+  </p:timing>
 </p:sld>
 </file>
 
@@ -4864,6 +9333,375 @@
   <p:clrMapOvr>
     <a:masterClrMapping/>
   </p:clrMapOvr>
+  <p:timing>
+    <p:tnLst>
+      <p:par>
+        <p:cTn id="1" dur="indefinite" restart="never" nodeType="tmRoot"/>
+      </p:par>
+    </p:tnLst>
+  </p:timing>
+</p:sld>
+</file>
+
+<file path=ppt/slides/slide30.xml><?xml version="1.0" encoding="utf-8"?>
+<p:sld xmlns:a="http://schemas.openxmlformats.org/drawingml/2006/main" xmlns:r="http://schemas.openxmlformats.org/officeDocument/2006/relationships" xmlns:p="http://schemas.openxmlformats.org/presentationml/2006/main">
+  <p:cSld>
+    <p:spTree>
+      <p:nvGrpSpPr>
+        <p:cNvPr id="1" name=""/>
+        <p:cNvGrpSpPr/>
+        <p:nvPr/>
+      </p:nvGrpSpPr>
+      <p:grpSpPr>
+        <a:xfrm>
+          <a:off x="0" y="0"/>
+          <a:ext cx="0" cy="0"/>
+          <a:chOff x="0" y="0"/>
+          <a:chExt cx="0" cy="0"/>
+        </a:xfrm>
+      </p:grpSpPr>
+      <p:sp>
+        <p:nvSpPr>
+          <p:cNvPr id="2" name="Title 1"/>
+          <p:cNvSpPr>
+            <a:spLocks noGrp="1"/>
+          </p:cNvSpPr>
+          <p:nvPr>
+            <p:ph type="title"/>
+          </p:nvPr>
+        </p:nvSpPr>
+        <p:spPr/>
+        <p:txBody>
+          <a:bodyPr/>
+          <a:lstStyle/>
+          <a:p>
+            <a:endParaRPr lang="en-IN"/>
+          </a:p>
+        </p:txBody>
+      </p:sp>
+      <p:sp>
+        <p:nvSpPr>
+          <p:cNvPr id="4" name="Content Placeholder 2"/>
+          <p:cNvSpPr>
+            <a:spLocks noGrp="1"/>
+          </p:cNvSpPr>
+          <p:nvPr>
+            <p:ph idx="1"/>
+          </p:nvPr>
+        </p:nvSpPr>
+        <p:spPr>
+          <a:xfrm>
+            <a:off x="457200" y="1600200"/>
+            <a:ext cx="8229600" cy="4525963"/>
+          </a:xfrm>
+        </p:spPr>
+        <p:txBody>
+          <a:bodyPr>
+            <a:normAutofit fontScale="92500" lnSpcReduction="10000"/>
+          </a:bodyPr>
+          <a:lstStyle/>
+          <a:p>
+            <a:r>
+              <a:rPr lang="en-US" dirty="0" smtClean="0"/>
+              <a:t>Because we push the </a:t>
+            </a:r>
+            <a:r>
+              <a:rPr lang="en-US" dirty="0" err="1" smtClean="0"/>
+              <a:t>calc</a:t>
+            </a:r>
+            <a:r>
+              <a:rPr lang="en-US" dirty="0" smtClean="0"/>
+              <a:t>-divide to remote repo we need to delete it</a:t>
+            </a:r>
+          </a:p>
+          <a:p>
+            <a:endParaRPr lang="en-US" dirty="0" smtClean="0"/>
+          </a:p>
+          <a:p>
+            <a:endParaRPr lang="en-US" dirty="0" smtClean="0"/>
+          </a:p>
+          <a:p>
+            <a:endParaRPr lang="en-US" dirty="0"/>
+          </a:p>
+          <a:p>
+            <a:r>
+              <a:rPr lang="en-US" dirty="0" smtClean="0"/>
+              <a:t>Check the branch merged</a:t>
+            </a:r>
+          </a:p>
+          <a:p>
+            <a:endParaRPr lang="en-US" dirty="0"/>
+          </a:p>
+          <a:p>
+            <a:endParaRPr lang="en-US" dirty="0" smtClean="0"/>
+          </a:p>
+          <a:p>
+            <a:r>
+              <a:rPr lang="en-US" dirty="0" smtClean="0"/>
+              <a:t>Delete the branch from local</a:t>
+            </a:r>
+            <a:endParaRPr lang="en-IN" dirty="0"/>
+          </a:p>
+        </p:txBody>
+      </p:sp>
+      <p:pic>
+        <p:nvPicPr>
+          <p:cNvPr id="13314" name="Picture 2"/>
+          <p:cNvPicPr>
+            <a:picLocks noChangeAspect="1" noChangeArrowheads="1"/>
+          </p:cNvPicPr>
+          <p:nvPr/>
+        </p:nvPicPr>
+        <p:blipFill>
+          <a:blip r:embed="rId2">
+            <a:extLst>
+              <a:ext uri="{28A0092B-C50C-407E-A947-70E740481C1C}">
+                <a14:useLocalDpi xmlns:a14="http://schemas.microsoft.com/office/drawing/2010/main" val="0"/>
+              </a:ext>
+            </a:extLst>
+          </a:blip>
+          <a:srcRect/>
+          <a:stretch>
+            <a:fillRect/>
+          </a:stretch>
+        </p:blipFill>
+        <p:spPr bwMode="auto">
+          <a:xfrm>
+            <a:off x="899591" y="2500313"/>
+            <a:ext cx="7943285" cy="784671"/>
+          </a:xfrm>
+          <a:prstGeom prst="rect">
+            <a:avLst/>
+          </a:prstGeom>
+          <a:noFill/>
+          <a:ln>
+            <a:noFill/>
+          </a:ln>
+          <a:effectLst/>
+          <a:extLst>
+            <a:ext uri="{909E8E84-426E-40DD-AFC4-6F175D3DCCD1}">
+              <a14:hiddenFill xmlns:a14="http://schemas.microsoft.com/office/drawing/2010/main">
+                <a:solidFill>
+                  <a:schemeClr val="accent1"/>
+                </a:solidFill>
+              </a14:hiddenFill>
+            </a:ext>
+            <a:ext uri="{91240B29-F687-4F45-9708-019B960494DF}">
+              <a14:hiddenLine xmlns:a14="http://schemas.microsoft.com/office/drawing/2010/main" w="9525">
+                <a:solidFill>
+                  <a:schemeClr val="tx1"/>
+                </a:solidFill>
+                <a:miter lim="800000"/>
+                <a:headEnd/>
+                <a:tailEnd/>
+              </a14:hiddenLine>
+            </a:ext>
+            <a:ext uri="{AF507438-7753-43E0-B8FC-AC1667EBCBE1}">
+              <a14:hiddenEffects xmlns:a14="http://schemas.microsoft.com/office/drawing/2010/main">
+                <a:effectLst>
+                  <a:outerShdw dist="35921" dir="2700000" algn="ctr" rotWithShape="0">
+                    <a:schemeClr val="bg2"/>
+                  </a:outerShdw>
+                </a:effectLst>
+              </a14:hiddenEffects>
+            </a:ext>
+          </a:extLst>
+        </p:spPr>
+      </p:pic>
+    </p:spTree>
+    <p:extLst>
+      <p:ext uri="{BB962C8B-B14F-4D97-AF65-F5344CB8AC3E}">
+        <p14:creationId xmlns:p14="http://schemas.microsoft.com/office/powerpoint/2010/main" val="2084449205"/>
+      </p:ext>
+    </p:extLst>
+  </p:cSld>
+  <p:clrMapOvr>
+    <a:masterClrMapping/>
+  </p:clrMapOvr>
+  <p:timing>
+    <p:tnLst>
+      <p:par>
+        <p:cTn id="1" dur="indefinite" restart="never" nodeType="tmRoot"/>
+      </p:par>
+    </p:tnLst>
+  </p:timing>
+</p:sld>
+</file>
+
+<file path=ppt/slides/slide31.xml><?xml version="1.0" encoding="utf-8"?>
+<p:sld xmlns:a="http://schemas.openxmlformats.org/drawingml/2006/main" xmlns:r="http://schemas.openxmlformats.org/officeDocument/2006/relationships" xmlns:p="http://schemas.openxmlformats.org/presentationml/2006/main">
+  <p:cSld>
+    <p:spTree>
+      <p:nvGrpSpPr>
+        <p:cNvPr id="1" name=""/>
+        <p:cNvGrpSpPr/>
+        <p:nvPr/>
+      </p:nvGrpSpPr>
+      <p:grpSpPr>
+        <a:xfrm>
+          <a:off x="0" y="0"/>
+          <a:ext cx="0" cy="0"/>
+          <a:chOff x="0" y="0"/>
+          <a:chExt cx="0" cy="0"/>
+        </a:xfrm>
+      </p:grpSpPr>
+      <p:sp>
+        <p:nvSpPr>
+          <p:cNvPr id="2" name="Title 1"/>
+          <p:cNvSpPr>
+            <a:spLocks noGrp="1"/>
+          </p:cNvSpPr>
+          <p:nvPr>
+            <p:ph type="title"/>
+          </p:nvPr>
+        </p:nvSpPr>
+        <p:spPr/>
+        <p:txBody>
+          <a:bodyPr/>
+          <a:lstStyle/>
+          <a:p>
+            <a:r>
+              <a:rPr lang="en-US" dirty="0" err="1" smtClean="0"/>
+              <a:t>Dev</a:t>
+            </a:r>
+            <a:r>
+              <a:rPr lang="en-US" dirty="0" smtClean="0"/>
+              <a:t> Server</a:t>
+            </a:r>
+            <a:endParaRPr lang="en-IN" dirty="0"/>
+          </a:p>
+        </p:txBody>
+      </p:sp>
+      <p:sp>
+        <p:nvSpPr>
+          <p:cNvPr id="3" name="Content Placeholder 2"/>
+          <p:cNvSpPr>
+            <a:spLocks noGrp="1"/>
+          </p:cNvSpPr>
+          <p:nvPr>
+            <p:ph idx="1"/>
+          </p:nvPr>
+        </p:nvSpPr>
+        <p:spPr/>
+        <p:txBody>
+          <a:bodyPr/>
+          <a:lstStyle/>
+          <a:p>
+            <a:r>
+              <a:rPr lang="en-US" dirty="0" smtClean="0"/>
+              <a:t>Cloned up </a:t>
+            </a:r>
+            <a:r>
+              <a:rPr lang="en-US" dirty="0" err="1" smtClean="0"/>
+              <a:t>git</a:t>
+            </a:r>
+            <a:r>
+              <a:rPr lang="en-US" dirty="0" smtClean="0"/>
+              <a:t> repo</a:t>
+            </a:r>
+          </a:p>
+          <a:p>
+            <a:r>
+              <a:rPr lang="en-US" dirty="0" err="1" smtClean="0"/>
+              <a:t>Vue</a:t>
+            </a:r>
+            <a:r>
+              <a:rPr lang="en-US" dirty="0" smtClean="0"/>
+              <a:t> cli to create project</a:t>
+            </a:r>
+          </a:p>
+          <a:p>
+            <a:r>
+              <a:rPr lang="en-US" dirty="0" err="1" smtClean="0"/>
+              <a:t>Vue</a:t>
+            </a:r>
+            <a:r>
+              <a:rPr lang="en-US" dirty="0" smtClean="0"/>
+              <a:t> </a:t>
+            </a:r>
+            <a:r>
+              <a:rPr lang="en-US" dirty="0" err="1" smtClean="0"/>
+              <a:t>Cli</a:t>
+            </a:r>
+            <a:r>
+              <a:rPr lang="en-US" dirty="0" smtClean="0"/>
+              <a:t> to build up a boilerplate project using </a:t>
+            </a:r>
+            <a:r>
+              <a:rPr lang="en-US" b="1" dirty="0" smtClean="0"/>
+              <a:t>$ </a:t>
+            </a:r>
+            <a:r>
+              <a:rPr lang="en-US" b="1" dirty="0" err="1" smtClean="0"/>
+              <a:t>vue</a:t>
+            </a:r>
+            <a:r>
+              <a:rPr lang="en-US" b="1" dirty="0" smtClean="0"/>
+              <a:t> </a:t>
+            </a:r>
+            <a:r>
+              <a:rPr lang="en-US" b="1" dirty="0" err="1" smtClean="0"/>
+              <a:t>init</a:t>
+            </a:r>
+            <a:r>
+              <a:rPr lang="en-US" b="1" dirty="0" smtClean="0"/>
+              <a:t> </a:t>
+            </a:r>
+            <a:r>
+              <a:rPr lang="en-US" b="1" dirty="0" err="1" smtClean="0"/>
+              <a:t>webpack</a:t>
+            </a:r>
+            <a:r>
+              <a:rPr lang="en-US" b="1" dirty="0" smtClean="0"/>
+              <a:t> my-project</a:t>
+            </a:r>
+          </a:p>
+          <a:p>
+            <a:r>
+              <a:rPr lang="en-US" dirty="0" smtClean="0"/>
+              <a:t>Command </a:t>
+            </a:r>
+            <a:r>
+              <a:rPr lang="en-US" b="1" dirty="0" err="1" smtClean="0"/>
+              <a:t>npm</a:t>
+            </a:r>
+            <a:r>
+              <a:rPr lang="en-US" b="1" dirty="0" smtClean="0"/>
+              <a:t> run </a:t>
+            </a:r>
+            <a:r>
+              <a:rPr lang="en-US" b="1" dirty="0" err="1" smtClean="0"/>
+              <a:t>dev</a:t>
+            </a:r>
+            <a:r>
+              <a:rPr lang="en-US" b="1" dirty="0" smtClean="0"/>
+              <a:t> </a:t>
+            </a:r>
+            <a:r>
+              <a:rPr lang="en-IN" dirty="0" smtClean="0"/>
+              <a:t>(used to run the project)</a:t>
+            </a:r>
+            <a:endParaRPr lang="en-US" dirty="0" smtClean="0"/>
+          </a:p>
+        </p:txBody>
+      </p:sp>
+    </p:spTree>
+    <p:extLst>
+      <p:ext uri="{BB962C8B-B14F-4D97-AF65-F5344CB8AC3E}">
+        <p14:creationId xmlns:p14="http://schemas.microsoft.com/office/powerpoint/2010/main" val="2465139921"/>
+      </p:ext>
+    </p:extLst>
+  </p:cSld>
+  <p:clrMapOvr>
+    <a:masterClrMapping/>
+  </p:clrMapOvr>
+  <p:timing>
+    <p:tnLst>
+      <p:par>
+        <p:cTn id="1" dur="indefinite" restart="never" nodeType="tmRoot"/>
+      </p:par>
+    </p:tnLst>
+  </p:timing>
 </p:sld>
 </file>
 
@@ -5155,6 +9993,13 @@
   <p:clrMapOvr>
     <a:masterClrMapping/>
   </p:clrMapOvr>
+  <p:timing>
+    <p:tnLst>
+      <p:par>
+        <p:cTn id="1" dur="indefinite" restart="never" nodeType="tmRoot"/>
+      </p:par>
+    </p:tnLst>
+  </p:timing>
 </p:sld>
 </file>
 
@@ -5326,6 +10171,13 @@
   <p:clrMapOvr>
     <a:masterClrMapping/>
   </p:clrMapOvr>
+  <p:timing>
+    <p:tnLst>
+      <p:par>
+        <p:cTn id="1" dur="indefinite" restart="never" nodeType="tmRoot"/>
+      </p:par>
+    </p:tnLst>
+  </p:timing>
 </p:sld>
 </file>
 
@@ -5420,6 +10272,13 @@
   <p:clrMapOvr>
     <a:masterClrMapping/>
   </p:clrMapOvr>
+  <p:timing>
+    <p:tnLst>
+      <p:par>
+        <p:cTn id="1" dur="indefinite" restart="never" nodeType="tmRoot"/>
+      </p:par>
+    </p:tnLst>
+  </p:timing>
 </p:sld>
 </file>
 
@@ -5522,7 +10381,6 @@
               <a:rPr lang="en-US" dirty="0" smtClean="0"/>
               <a:t>will be created</a:t>
             </a:r>
-            <a:endParaRPr lang="en-US" dirty="0" smtClean="0"/>
           </a:p>
           <a:p>
             <a:pPr marL="0" indent="0">
@@ -5737,6 +10595,13 @@
   <p:clrMapOvr>
     <a:masterClrMapping/>
   </p:clrMapOvr>
+  <p:timing>
+    <p:tnLst>
+      <p:par>
+        <p:cTn id="1" dur="indefinite" restart="never" nodeType="tmRoot"/>
+      </p:par>
+    </p:tnLst>
+  </p:timing>
 </p:sld>
 </file>
 
@@ -5826,13 +10691,8 @@
             </a:r>
             <a:r>
               <a:rPr lang="en-US" dirty="0" smtClean="0"/>
-              <a:t> </a:t>
-            </a:r>
-            <a:r>
-              <a:rPr lang="en-US" dirty="0" smtClean="0"/>
-              <a:t>folder will be removed </a:t>
-            </a:r>
-            <a:endParaRPr lang="en-US" dirty="0" smtClean="0"/>
+              <a:t> folder will be removed </a:t>
+            </a:r>
           </a:p>
           <a:p>
             <a:pPr marL="0" indent="0">
@@ -5992,6 +10852,13 @@
   <p:clrMapOvr>
     <a:masterClrMapping/>
   </p:clrMapOvr>
+  <p:timing>
+    <p:tnLst>
+      <p:par>
+        <p:cTn id="1" dur="indefinite" restart="never" nodeType="tmRoot"/>
+      </p:par>
+    </p:tnLst>
+  </p:timing>
 </p:sld>
 </file>
 
@@ -6149,6 +11016,13 @@
   <p:clrMapOvr>
     <a:masterClrMapping/>
   </p:clrMapOvr>
+  <p:timing>
+    <p:tnLst>
+      <p:par>
+        <p:cTn id="1" dur="indefinite" restart="never" nodeType="tmRoot"/>
+      </p:par>
+    </p:tnLst>
+  </p:timing>
 </p:sld>
 </file>
 
